--- a/präsentation/bsc_version_03_06.pptx
+++ b/präsentation/bsc_version_03_06.pptx
@@ -417,7 +417,7 @@
             <a:pPr indent="0" algn="r">
               <a:buNone/>
             </a:pPr>
-            <a:fld id="{AE5B480F-4A06-4DCD-AE8A-B6AD260FBFD8}" type="slidenum">
+            <a:fld id="{7FEFC358-E72D-4171-8B3B-B4D5F621EB44}" type="slidenum">
               <a:rPr b="0" lang="de-AT" sz="1400" strike="noStrike" u="none">
                 <a:solidFill>
                   <a:srgbClr val="000000"/>
@@ -464,7 +464,7 @@
       </p:grpSpPr>
       <p:sp>
         <p:nvSpPr>
-          <p:cNvPr id="362" name="PlaceHolder 1"/>
+          <p:cNvPr id="353" name="PlaceHolder 1"/>
           <p:cNvSpPr>
             <a:spLocks noGrp="1"/>
           </p:cNvSpPr>
@@ -487,7 +487,7 @@
       </p:sp>
       <p:sp>
         <p:nvSpPr>
-          <p:cNvPr id="363" name="PlaceHolder 2"/>
+          <p:cNvPr id="354" name="PlaceHolder 2"/>
           <p:cNvSpPr>
             <a:spLocks noGrp="1"/>
           </p:cNvSpPr>
@@ -529,7 +529,7 @@
       </p:sp>
       <p:sp>
         <p:nvSpPr>
-          <p:cNvPr id="364" name="PlaceHolder 3"/>
+          <p:cNvPr id="355" name="PlaceHolder 3"/>
           <p:cNvSpPr>
             <a:spLocks noGrp="1"/>
           </p:cNvSpPr>
@@ -577,7 +577,7 @@
               </a:lnSpc>
               <a:buNone/>
             </a:pPr>
-            <a:fld id="{C83F7078-5287-4F9C-95F5-2B35E7340952}" type="slidenum">
+            <a:fld id="{83322B71-E72B-499C-9A9F-14676C658B42}" type="slidenum">
               <a:rPr b="0" lang="de-AT" sz="1200" strike="noStrike" u="none">
                 <a:solidFill>
                   <a:srgbClr val="000000"/>
@@ -586,7 +586,7 @@
                 <a:uFillTx/>
                 <a:latin typeface="Arial"/>
               </a:rPr>
-              <a:t>&lt;number&gt;</a:t>
+              <a:t>21</a:t>
             </a:fld>
             <a:endParaRPr b="0" lang="de-AT" sz="1200" strike="noStrike" u="none">
               <a:solidFill>
@@ -857,7 +857,7 @@
         <p:txBody>
           <a:bodyPr/>
           <a:p>
-            <a:fld id="{128E7F55-F481-4D23-9679-24F718C2F442}" type="slidenum">
+            <a:fld id="{498B0E55-5032-4176-9347-2F9AE3A58109}" type="slidenum">
               <a:t>&lt;#&gt;</a:t>
             </a:fld>
           </a:p>
@@ -1009,7 +1009,7 @@
         <p:txBody>
           <a:bodyPr/>
           <a:p>
-            <a:fld id="{9F48ED8F-5414-4C56-A442-D07003652035}" type="slidenum">
+            <a:fld id="{871A29C5-72B2-4E20-9989-F708587F9AB2}" type="slidenum">
               <a:t>&lt;#&gt;</a:t>
             </a:fld>
           </a:p>
@@ -1161,7 +1161,7 @@
         <p:txBody>
           <a:bodyPr/>
           <a:p>
-            <a:fld id="{3D4415A3-CB78-4A5E-BC0C-EFE60E6232FE}" type="slidenum">
+            <a:fld id="{395762A8-3ED3-4E9C-BE9C-A0312E26FB4E}" type="slidenum">
               <a:t>&lt;#&gt;</a:t>
             </a:fld>
           </a:p>
@@ -1313,7 +1313,7 @@
         <p:txBody>
           <a:bodyPr/>
           <a:p>
-            <a:fld id="{16D0B03D-5953-4077-9F77-78362A139502}" type="slidenum">
+            <a:fld id="{589FC02D-63EC-4334-8C99-C2176BAE141D}" type="slidenum">
               <a:t>&lt;#&gt;</a:t>
             </a:fld>
           </a:p>
@@ -1459,7 +1459,7 @@
         <p:txBody>
           <a:bodyPr/>
           <a:p>
-            <a:fld id="{EDA497ED-CE04-47AF-851B-0A04C12F778A}" type="slidenum">
+            <a:fld id="{6383476E-F2B7-4312-B0AB-0851CD2D55C4}" type="slidenum">
               <a:t>&lt;#&gt;</a:t>
             </a:fld>
           </a:p>
@@ -3176,7 +3176,7 @@
               </a:lnSpc>
               <a:buNone/>
             </a:pPr>
-            <a:fld id="{41F32FA9-BF79-4444-BF99-D1AA797EDDB6}" type="slidenum">
+            <a:fld id="{CF2F7389-72E0-4166-A075-216F21E0C99E}" type="slidenum">
               <a:rPr b="0" lang="de-AT" sz="1200" strike="noStrike" u="none">
                 <a:solidFill>
                   <a:schemeClr val="lt1"/>
@@ -3752,7 +3752,7 @@
               </a:lnSpc>
               <a:buNone/>
             </a:pPr>
-            <a:fld id="{C6DE0B29-2699-4B48-970F-DE06F192D340}" type="slidenum">
+            <a:fld id="{CEC8AE00-9D67-42B1-9F26-9194A64A9B33}" type="slidenum">
               <a:rPr b="0" lang="de-AT" sz="1200" strike="noStrike" u="none">
                 <a:solidFill>
                   <a:schemeClr val="lt1"/>
@@ -4328,7 +4328,7 @@
               </a:lnSpc>
               <a:buNone/>
             </a:pPr>
-            <a:fld id="{F5C02BA8-673B-46A6-BB0B-EECF7058EA5A}" type="slidenum">
+            <a:fld id="{AD51FB09-A51E-4063-8308-F2F3039D74D2}" type="slidenum">
               <a:rPr b="0" lang="de-AT" sz="1200" strike="noStrike" u="none">
                 <a:solidFill>
                   <a:schemeClr val="lt1"/>
@@ -5190,7 +5190,7 @@
               </a:lnSpc>
               <a:buNone/>
             </a:pPr>
-            <a:fld id="{9D5A5C57-7F96-418D-8056-7EA96A081E7F}" type="slidenum">
+            <a:fld id="{149CA01C-8CB2-479C-9165-90ADB1B946ED}" type="slidenum">
               <a:rPr b="0" lang="de-AT" sz="1200" strike="noStrike" u="none">
                 <a:solidFill>
                   <a:schemeClr val="lt1"/>
@@ -6032,7 +6032,7 @@
               </a:lnSpc>
               <a:buNone/>
             </a:pPr>
-            <a:fld id="{2AE484DC-74A7-4655-85E6-4F2239162479}" type="slidenum">
+            <a:fld id="{D237F040-3F97-4F1C-BA93-48D3B00913DA}" type="slidenum">
               <a:rPr b="0" lang="de-AT" sz="1200" strike="noStrike" u="none">
                 <a:solidFill>
                   <a:schemeClr val="lt1"/>
@@ -6936,7 +6936,7 @@
               </a:lnSpc>
               <a:buNone/>
             </a:pPr>
-            <a:fld id="{B6620344-C19D-49AD-9601-266512EDA34B}" type="slidenum">
+            <a:fld id="{F8EC7422-D21E-4DBF-93D1-CE226C8D4AD2}" type="slidenum">
               <a:rPr b="0" lang="de-AT" sz="1200" strike="noStrike" u="none">
                 <a:solidFill>
                   <a:schemeClr val="lt1"/>
@@ -7845,7 +7845,7 @@
               </a:lnSpc>
               <a:buNone/>
             </a:pPr>
-            <a:fld id="{70F1C420-CB3F-4D48-BC96-8DEFD9AD8823}" type="slidenum">
+            <a:fld id="{A8B79A8C-00B4-4D41-9600-1D92B9E71ED3}" type="slidenum">
               <a:rPr b="0" lang="de-AT" sz="1200" strike="noStrike" u="none">
                 <a:solidFill>
                   <a:schemeClr val="lt1"/>
@@ -8027,7 +8027,7 @@
               </a:lnSpc>
               <a:buNone/>
             </a:pPr>
-            <a:fld id="{94008472-D3FC-4FA6-AD63-7DCAF013D26B}" type="slidenum">
+            <a:fld id="{7488685B-6CB8-4076-9883-051D520D2564}" type="slidenum">
               <a:rPr b="0" lang="de-AT" sz="1200" strike="noStrike" u="none">
                 <a:solidFill>
                   <a:schemeClr val="lt1"/>
@@ -9859,7 +9859,7 @@
               </a:lnSpc>
               <a:buNone/>
             </a:pPr>
-            <a:fld id="{281DF357-5A1D-442B-8878-59DEEFA0AADC}" type="slidenum">
+            <a:fld id="{0BDAF032-406A-405D-988E-71AE364DFA3C}" type="slidenum">
               <a:rPr b="0" lang="de-AT" sz="1200" strike="noStrike" u="none">
                 <a:solidFill>
                   <a:schemeClr val="lt1"/>
@@ -10034,73 +10034,7 @@
                 <a:uFillTx/>
                 <a:latin typeface="Arial"/>
               </a:rPr>
-              <a:t>Mast</a:t>
-            </a:r>
-            <a:r>
-              <a:rPr b="1" lang="de-DE" sz="2800" strike="noStrike" u="none">
-                <a:solidFill>
-                  <a:schemeClr val="accent1"/>
-                </a:solidFill>
-                <a:effectLst/>
-                <a:uFillTx/>
-                <a:latin typeface="Arial"/>
-              </a:rPr>
-              <a:t>ertite</a:t>
-            </a:r>
-            <a:r>
-              <a:rPr b="1" lang="de-DE" sz="2800" strike="noStrike" u="none">
-                <a:solidFill>
-                  <a:schemeClr val="accent1"/>
-                </a:solidFill>
-                <a:effectLst/>
-                <a:uFillTx/>
-                <a:latin typeface="Arial"/>
-              </a:rPr>
-              <a:t>lform</a:t>
-            </a:r>
-            <a:r>
-              <a:rPr b="1" lang="de-DE" sz="2800" strike="noStrike" u="none">
-                <a:solidFill>
-                  <a:schemeClr val="accent1"/>
-                </a:solidFill>
-                <a:effectLst/>
-                <a:uFillTx/>
-                <a:latin typeface="Arial"/>
-              </a:rPr>
-              <a:t>at </a:t>
-            </a:r>
-            <a:r>
-              <a:rPr b="1" lang="de-DE" sz="2800" strike="noStrike" u="none">
-                <a:solidFill>
-                  <a:schemeClr val="accent1"/>
-                </a:solidFill>
-                <a:effectLst/>
-                <a:uFillTx/>
-                <a:latin typeface="Arial"/>
-              </a:rPr>
-              <a:t>bear</a:t>
-            </a:r>
-            <a:r>
-              <a:rPr b="1" lang="de-DE" sz="2800" strike="noStrike" u="none">
-                <a:solidFill>
-                  <a:schemeClr val="accent1"/>
-                </a:solidFill>
-                <a:effectLst/>
-                <a:uFillTx/>
-                <a:latin typeface="Arial"/>
-              </a:rPr>
-              <a:t>beite</a:t>
-            </a:r>
-            <a:r>
-              <a:rPr b="1" lang="de-DE" sz="2800" strike="noStrike" u="none">
-                <a:solidFill>
-                  <a:schemeClr val="accent1"/>
-                </a:solidFill>
-                <a:effectLst/>
-                <a:uFillTx/>
-                <a:latin typeface="Arial"/>
-              </a:rPr>
-              <a:t>n</a:t>
+              <a:t>Mastertitelformat bearbeiten</a:t>
             </a:r>
             <a:endParaRPr b="0" lang="de-DE" sz="2800" strike="noStrike" u="none">
               <a:solidFill>
@@ -10164,128 +10098,7 @@
                 <a:uFillTx/>
                 <a:latin typeface="Arial"/>
               </a:rPr>
-              <a:t>For</a:t>
-            </a:r>
-            <a:r>
-              <a:rPr b="0" lang="de-AT" sz="2200" strike="noStrike" u="none">
-                <a:solidFill>
-                  <a:schemeClr val="dk1"/>
-                </a:solidFill>
-                <a:effectLst/>
-                <a:uFillTx/>
-                <a:latin typeface="Arial"/>
-              </a:rPr>
-              <a:t>mat</a:t>
-            </a:r>
-            <a:r>
-              <a:rPr b="0" lang="de-AT" sz="2200" strike="noStrike" u="none">
-                <a:solidFill>
-                  <a:schemeClr val="dk1"/>
-                </a:solidFill>
-                <a:effectLst/>
-                <a:uFillTx/>
-                <a:latin typeface="Arial"/>
-              </a:rPr>
-              <a:t>vorl</a:t>
-            </a:r>
-            <a:r>
-              <a:rPr b="0" lang="de-AT" sz="2200" strike="noStrike" u="none">
-                <a:solidFill>
-                  <a:schemeClr val="dk1"/>
-                </a:solidFill>
-                <a:effectLst/>
-                <a:uFillTx/>
-                <a:latin typeface="Arial"/>
-              </a:rPr>
-              <a:t>age</a:t>
-            </a:r>
-            <a:r>
-              <a:rPr b="0" lang="de-AT" sz="2200" strike="noStrike" u="none">
-                <a:solidFill>
-                  <a:schemeClr val="dk1"/>
-                </a:solidFill>
-                <a:effectLst/>
-                <a:uFillTx/>
-                <a:latin typeface="Arial"/>
-              </a:rPr>
-              <a:t>n </a:t>
-            </a:r>
-            <a:r>
-              <a:rPr b="0" lang="de-AT" sz="2200" strike="noStrike" u="none">
-                <a:solidFill>
-                  <a:schemeClr val="dk1"/>
-                </a:solidFill>
-                <a:effectLst/>
-                <a:uFillTx/>
-                <a:latin typeface="Arial"/>
-              </a:rPr>
-              <a:t>des </a:t>
-            </a:r>
-            <a:r>
-              <a:rPr b="0" lang="de-AT" sz="2200" strike="noStrike" u="none">
-                <a:solidFill>
-                  <a:schemeClr val="dk1"/>
-                </a:solidFill>
-                <a:effectLst/>
-                <a:uFillTx/>
-                <a:latin typeface="Arial"/>
-              </a:rPr>
-              <a:t>Text</a:t>
-            </a:r>
-            <a:r>
-              <a:rPr b="0" lang="de-AT" sz="2200" strike="noStrike" u="none">
-                <a:solidFill>
-                  <a:schemeClr val="dk1"/>
-                </a:solidFill>
-                <a:effectLst/>
-                <a:uFillTx/>
-                <a:latin typeface="Arial"/>
-              </a:rPr>
-              <a:t>mas</a:t>
-            </a:r>
-            <a:r>
-              <a:rPr b="0" lang="de-AT" sz="2200" strike="noStrike" u="none">
-                <a:solidFill>
-                  <a:schemeClr val="dk1"/>
-                </a:solidFill>
-                <a:effectLst/>
-                <a:uFillTx/>
-                <a:latin typeface="Arial"/>
-              </a:rPr>
-              <a:t>ters </a:t>
-            </a:r>
-            <a:r>
-              <a:rPr b="0" lang="de-AT" sz="2200" strike="noStrike" u="none">
-                <a:solidFill>
-                  <a:schemeClr val="dk1"/>
-                </a:solidFill>
-                <a:effectLst/>
-                <a:uFillTx/>
-                <a:latin typeface="Arial"/>
-              </a:rPr>
-              <a:t>bear</a:t>
-            </a:r>
-            <a:r>
-              <a:rPr b="0" lang="de-AT" sz="2200" strike="noStrike" u="none">
-                <a:solidFill>
-                  <a:schemeClr val="dk1"/>
-                </a:solidFill>
-                <a:effectLst/>
-                <a:uFillTx/>
-                <a:latin typeface="Arial"/>
-              </a:rPr>
-              <a:t>beit</a:t>
-            </a:r>
-            <a:r>
-              <a:rPr b="0" lang="de-AT" sz="2200" strike="noStrike" u="none">
-                <a:solidFill>
-                  <a:schemeClr val="dk1"/>
-                </a:solidFill>
-                <a:effectLst/>
-                <a:uFillTx/>
-                <a:latin typeface="Arial"/>
-              </a:rPr>
-              <a:t>en</a:t>
+              <a:t>Formatvorlagen des Textmasters bearbeiten</a:t>
             </a:r>
             <a:endParaRPr b="0" lang="de-DE" sz="2200" strike="noStrike" u="none">
               <a:solidFill>
@@ -10320,117 +10133,7 @@
                 <a:uFillTx/>
                 <a:latin typeface="Arial"/>
               </a:rPr>
-              <a:t>Z</a:t>
-            </a:r>
-            <a:r>
-              <a:rPr b="0" lang="de-AT" sz="2000" strike="noStrike" u="none">
-                <a:solidFill>
-                  <a:schemeClr val="dk1"/>
-                </a:solidFill>
-                <a:effectLst/>
-                <a:uFillTx/>
-                <a:latin typeface="Arial"/>
-              </a:rPr>
-              <a:t>w</a:t>
-            </a:r>
-            <a:r>
-              <a:rPr b="0" lang="de-AT" sz="2000" strike="noStrike" u="none">
-                <a:solidFill>
-                  <a:schemeClr val="dk1"/>
-                </a:solidFill>
-                <a:effectLst/>
-                <a:uFillTx/>
-                <a:latin typeface="Arial"/>
-              </a:rPr>
-              <a:t>e</a:t>
-            </a:r>
-            <a:r>
-              <a:rPr b="0" lang="de-AT" sz="2000" strike="noStrike" u="none">
-                <a:solidFill>
-                  <a:schemeClr val="dk1"/>
-                </a:solidFill>
-                <a:effectLst/>
-                <a:uFillTx/>
-                <a:latin typeface="Arial"/>
-              </a:rPr>
-              <a:t>it</a:t>
-            </a:r>
-            <a:r>
-              <a:rPr b="0" lang="de-AT" sz="2000" strike="noStrike" u="none">
-                <a:solidFill>
-                  <a:schemeClr val="dk1"/>
-                </a:solidFill>
-                <a:effectLst/>
-                <a:uFillTx/>
-                <a:latin typeface="Arial"/>
-              </a:rPr>
-              <a:t>e</a:t>
-            </a:r>
-            <a:r>
-              <a:rPr b="0" lang="de-AT" sz="2000" strike="noStrike" u="none">
-                <a:solidFill>
-                  <a:schemeClr val="dk1"/>
-                </a:solidFill>
-                <a:effectLst/>
-                <a:uFillTx/>
-                <a:latin typeface="Arial"/>
-              </a:rPr>
-              <a:t> </a:t>
-            </a:r>
-            <a:r>
-              <a:rPr b="0" lang="de-AT" sz="2000" strike="noStrike" u="none">
-                <a:solidFill>
-                  <a:schemeClr val="dk1"/>
-                </a:solidFill>
-                <a:effectLst/>
-                <a:uFillTx/>
-                <a:latin typeface="Arial"/>
-              </a:rPr>
-              <a:t>E</a:t>
-            </a:r>
-            <a:r>
-              <a:rPr b="0" lang="de-AT" sz="2000" strike="noStrike" u="none">
-                <a:solidFill>
-                  <a:schemeClr val="dk1"/>
-                </a:solidFill>
-                <a:effectLst/>
-                <a:uFillTx/>
-                <a:latin typeface="Arial"/>
-              </a:rPr>
-              <a:t>b</a:t>
-            </a:r>
-            <a:r>
-              <a:rPr b="0" lang="de-AT" sz="2000" strike="noStrike" u="none">
-                <a:solidFill>
-                  <a:schemeClr val="dk1"/>
-                </a:solidFill>
-                <a:effectLst/>
-                <a:uFillTx/>
-                <a:latin typeface="Arial"/>
-              </a:rPr>
-              <a:t>e</a:t>
-            </a:r>
-            <a:r>
-              <a:rPr b="0" lang="de-AT" sz="2000" strike="noStrike" u="none">
-                <a:solidFill>
-                  <a:schemeClr val="dk1"/>
-                </a:solidFill>
-                <a:effectLst/>
-                <a:uFillTx/>
-                <a:latin typeface="Arial"/>
-              </a:rPr>
-              <a:t>n</a:t>
-            </a:r>
-            <a:r>
-              <a:rPr b="0" lang="de-AT" sz="2000" strike="noStrike" u="none">
-                <a:solidFill>
-                  <a:schemeClr val="dk1"/>
-                </a:solidFill>
-                <a:effectLst/>
-                <a:uFillTx/>
-                <a:latin typeface="Arial"/>
-              </a:rPr>
-              <a:t>e</a:t>
+              <a:t>Zweite Ebene</a:t>
             </a:r>
             <a:endParaRPr b="0" lang="de-DE" sz="2000" strike="noStrike" u="none">
               <a:solidFill>
@@ -10465,128 +10168,7 @@
                 <a:uFillTx/>
                 <a:latin typeface="Arial"/>
               </a:rPr>
-              <a:t>D</a:t>
-            </a:r>
-            <a:r>
-              <a:rPr b="0" lang="de-AT" sz="1800" strike="noStrike" u="none">
-                <a:solidFill>
-                  <a:schemeClr val="dk1"/>
-                </a:solidFill>
-                <a:effectLst/>
-                <a:uFillTx/>
-                <a:latin typeface="Arial"/>
-              </a:rPr>
-              <a:t>r</a:t>
-            </a:r>
-            <a:r>
-              <a:rPr b="0" lang="de-AT" sz="1800" strike="noStrike" u="none">
-                <a:solidFill>
-                  <a:schemeClr val="dk1"/>
-                </a:solidFill>
-                <a:effectLst/>
-                <a:uFillTx/>
-                <a:latin typeface="Arial"/>
-              </a:rPr>
-              <a:t>i</a:t>
-            </a:r>
-            <a:r>
-              <a:rPr b="0" lang="de-AT" sz="1800" strike="noStrike" u="none">
-                <a:solidFill>
-                  <a:schemeClr val="dk1"/>
-                </a:solidFill>
-                <a:effectLst/>
-                <a:uFillTx/>
-                <a:latin typeface="Arial"/>
-              </a:rPr>
-              <a:t>t</a:t>
-            </a:r>
-            <a:r>
-              <a:rPr b="0" lang="de-AT" sz="1800" strike="noStrike" u="none">
-                <a:solidFill>
-                  <a:schemeClr val="dk1"/>
-                </a:solidFill>
-                <a:effectLst/>
-                <a:uFillTx/>
-                <a:latin typeface="Arial"/>
-              </a:rPr>
-              <a:t>t</a:t>
-            </a:r>
-            <a:r>
-              <a:rPr b="0" lang="de-AT" sz="1800" strike="noStrike" u="none">
-                <a:solidFill>
-                  <a:schemeClr val="dk1"/>
-                </a:solidFill>
-                <a:effectLst/>
-                <a:uFillTx/>
-                <a:latin typeface="Arial"/>
-              </a:rPr>
-              <a:t>e</a:t>
-            </a:r>
-            <a:r>
-              <a:rPr b="0" lang="de-AT" sz="1800" strike="noStrike" u="none">
-                <a:solidFill>
-                  <a:schemeClr val="dk1"/>
-                </a:solidFill>
-                <a:effectLst/>
-                <a:uFillTx/>
-                <a:latin typeface="Arial"/>
-              </a:rPr>
-              <a:t> </a:t>
-            </a:r>
-            <a:r>
-              <a:rPr b="0" lang="de-AT" sz="1800" strike="noStrike" u="none">
-                <a:solidFill>
-                  <a:schemeClr val="dk1"/>
-                </a:solidFill>
-                <a:effectLst/>
-                <a:uFillTx/>
-                <a:latin typeface="Arial"/>
-              </a:rPr>
-              <a:t>E</a:t>
-            </a:r>
-            <a:r>
-              <a:rPr b="0" lang="de-AT" sz="1800" strike="noStrike" u="none">
-                <a:solidFill>
-                  <a:schemeClr val="dk1"/>
-                </a:solidFill>
-                <a:effectLst/>
-                <a:uFillTx/>
-                <a:latin typeface="Arial"/>
-              </a:rPr>
-              <a:t>b</a:t>
-            </a:r>
-            <a:r>
-              <a:rPr b="0" lang="de-AT" sz="1800" strike="noStrike" u="none">
-                <a:solidFill>
-                  <a:schemeClr val="dk1"/>
-                </a:solidFill>
-                <a:effectLst/>
-                <a:uFillTx/>
-                <a:latin typeface="Arial"/>
-              </a:rPr>
-              <a:t>e</a:t>
-            </a:r>
-            <a:r>
-              <a:rPr b="0" lang="de-AT" sz="1800" strike="noStrike" u="none">
-                <a:solidFill>
-                  <a:schemeClr val="dk1"/>
-                </a:solidFill>
-                <a:effectLst/>
-                <a:uFillTx/>
-                <a:latin typeface="Arial"/>
-              </a:rPr>
-              <a:t>n</a:t>
-            </a:r>
-            <a:r>
-              <a:rPr b="0" lang="de-AT" sz="1800" strike="noStrike" u="none">
-                <a:solidFill>
-                  <a:schemeClr val="dk1"/>
-                </a:solidFill>
-                <a:effectLst/>
-                <a:uFillTx/>
-                <a:latin typeface="Arial"/>
-              </a:rPr>
-              <a:t>e</a:t>
+              <a:t>Dritte Ebene</a:t>
             </a:r>
             <a:endParaRPr b="0" lang="de-DE" sz="1800" strike="noStrike" u="none">
               <a:solidFill>
@@ -10621,128 +10203,7 @@
                 <a:uFillTx/>
                 <a:latin typeface="Arial"/>
               </a:rPr>
-              <a:t>V</a:t>
-            </a:r>
-            <a:r>
-              <a:rPr b="0" lang="de-AT" sz="1800" strike="noStrike" u="none">
-                <a:solidFill>
-                  <a:schemeClr val="dk1"/>
-                </a:solidFill>
-                <a:effectLst/>
-                <a:uFillTx/>
-                <a:latin typeface="Arial"/>
-              </a:rPr>
-              <a:t>i</a:t>
-            </a:r>
-            <a:r>
-              <a:rPr b="0" lang="de-AT" sz="1800" strike="noStrike" u="none">
-                <a:solidFill>
-                  <a:schemeClr val="dk1"/>
-                </a:solidFill>
-                <a:effectLst/>
-                <a:uFillTx/>
-                <a:latin typeface="Arial"/>
-              </a:rPr>
-              <a:t>e</a:t>
-            </a:r>
-            <a:r>
-              <a:rPr b="0" lang="de-AT" sz="1800" strike="noStrike" u="none">
-                <a:solidFill>
-                  <a:schemeClr val="dk1"/>
-                </a:solidFill>
-                <a:effectLst/>
-                <a:uFillTx/>
-                <a:latin typeface="Arial"/>
-              </a:rPr>
-              <a:t>r</a:t>
-            </a:r>
-            <a:r>
-              <a:rPr b="0" lang="de-AT" sz="1800" strike="noStrike" u="none">
-                <a:solidFill>
-                  <a:schemeClr val="dk1"/>
-                </a:solidFill>
-                <a:effectLst/>
-                <a:uFillTx/>
-                <a:latin typeface="Arial"/>
-              </a:rPr>
-              <a:t>t</a:t>
-            </a:r>
-            <a:r>
-              <a:rPr b="0" lang="de-AT" sz="1800" strike="noStrike" u="none">
-                <a:solidFill>
-                  <a:schemeClr val="dk1"/>
-                </a:solidFill>
-                <a:effectLst/>
-                <a:uFillTx/>
-                <a:latin typeface="Arial"/>
-              </a:rPr>
-              <a:t>e</a:t>
-            </a:r>
-            <a:r>
-              <a:rPr b="0" lang="de-AT" sz="1800" strike="noStrike" u="none">
-                <a:solidFill>
-                  <a:schemeClr val="dk1"/>
-                </a:solidFill>
-                <a:effectLst/>
-                <a:uFillTx/>
-                <a:latin typeface="Arial"/>
-              </a:rPr>
-              <a:t> </a:t>
-            </a:r>
-            <a:r>
-              <a:rPr b="0" lang="de-AT" sz="1800" strike="noStrike" u="none">
-                <a:solidFill>
-                  <a:schemeClr val="dk1"/>
-                </a:solidFill>
-                <a:effectLst/>
-                <a:uFillTx/>
-                <a:latin typeface="Arial"/>
-              </a:rPr>
-              <a:t>E</a:t>
-            </a:r>
-            <a:r>
-              <a:rPr b="0" lang="de-AT" sz="1800" strike="noStrike" u="none">
-                <a:solidFill>
-                  <a:schemeClr val="dk1"/>
-                </a:solidFill>
-                <a:effectLst/>
-                <a:uFillTx/>
-                <a:latin typeface="Arial"/>
-              </a:rPr>
-              <a:t>b</a:t>
-            </a:r>
-            <a:r>
-              <a:rPr b="0" lang="de-AT" sz="1800" strike="noStrike" u="none">
-                <a:solidFill>
-                  <a:schemeClr val="dk1"/>
-                </a:solidFill>
-                <a:effectLst/>
-                <a:uFillTx/>
-                <a:latin typeface="Arial"/>
-              </a:rPr>
-              <a:t>e</a:t>
-            </a:r>
-            <a:r>
-              <a:rPr b="0" lang="de-AT" sz="1800" strike="noStrike" u="none">
-                <a:solidFill>
-                  <a:schemeClr val="dk1"/>
-                </a:solidFill>
-                <a:effectLst/>
-                <a:uFillTx/>
-                <a:latin typeface="Arial"/>
-              </a:rPr>
-              <a:t>n</a:t>
-            </a:r>
-            <a:r>
-              <a:rPr b="0" lang="de-AT" sz="1800" strike="noStrike" u="none">
-                <a:solidFill>
-                  <a:schemeClr val="dk1"/>
-                </a:solidFill>
-                <a:effectLst/>
-                <a:uFillTx/>
-                <a:latin typeface="Arial"/>
-              </a:rPr>
-              <a:t>e</a:t>
+              <a:t>Vierte Ebene</a:t>
             </a:r>
             <a:endParaRPr b="0" lang="de-DE" sz="1800" strike="noStrike" u="none">
               <a:solidFill>
@@ -10777,128 +10238,7 @@
                 <a:uFillTx/>
                 <a:latin typeface="Arial"/>
               </a:rPr>
-              <a:t>F</a:t>
-            </a:r>
-            <a:r>
-              <a:rPr b="0" lang="de-AT" sz="1800" strike="noStrike" u="none">
-                <a:solidFill>
-                  <a:schemeClr val="dk1"/>
-                </a:solidFill>
-                <a:effectLst/>
-                <a:uFillTx/>
-                <a:latin typeface="Arial"/>
-              </a:rPr>
-              <a:t>ü</a:t>
-            </a:r>
-            <a:r>
-              <a:rPr b="0" lang="de-AT" sz="1800" strike="noStrike" u="none">
-                <a:solidFill>
-                  <a:schemeClr val="dk1"/>
-                </a:solidFill>
-                <a:effectLst/>
-                <a:uFillTx/>
-                <a:latin typeface="Arial"/>
-              </a:rPr>
-              <a:t>n</a:t>
-            </a:r>
-            <a:r>
-              <a:rPr b="0" lang="de-AT" sz="1800" strike="noStrike" u="none">
-                <a:solidFill>
-                  <a:schemeClr val="dk1"/>
-                </a:solidFill>
-                <a:effectLst/>
-                <a:uFillTx/>
-                <a:latin typeface="Arial"/>
-              </a:rPr>
-              <a:t>f</a:t>
-            </a:r>
-            <a:r>
-              <a:rPr b="0" lang="de-AT" sz="1800" strike="noStrike" u="none">
-                <a:solidFill>
-                  <a:schemeClr val="dk1"/>
-                </a:solidFill>
-                <a:effectLst/>
-                <a:uFillTx/>
-                <a:latin typeface="Arial"/>
-              </a:rPr>
-              <a:t>t</a:t>
-            </a:r>
-            <a:r>
-              <a:rPr b="0" lang="de-AT" sz="1800" strike="noStrike" u="none">
-                <a:solidFill>
-                  <a:schemeClr val="dk1"/>
-                </a:solidFill>
-                <a:effectLst/>
-                <a:uFillTx/>
-                <a:latin typeface="Arial"/>
-              </a:rPr>
-              <a:t>e</a:t>
-            </a:r>
-            <a:r>
-              <a:rPr b="0" lang="de-AT" sz="1800" strike="noStrike" u="none">
-                <a:solidFill>
-                  <a:schemeClr val="dk1"/>
-                </a:solidFill>
-                <a:effectLst/>
-                <a:uFillTx/>
-                <a:latin typeface="Arial"/>
-              </a:rPr>
-              <a:t> </a:t>
-            </a:r>
-            <a:r>
-              <a:rPr b="0" lang="de-AT" sz="1800" strike="noStrike" u="none">
-                <a:solidFill>
-                  <a:schemeClr val="dk1"/>
-                </a:solidFill>
-                <a:effectLst/>
-                <a:uFillTx/>
-                <a:latin typeface="Arial"/>
-              </a:rPr>
-              <a:t>E</a:t>
-            </a:r>
-            <a:r>
-              <a:rPr b="0" lang="de-AT" sz="1800" strike="noStrike" u="none">
-                <a:solidFill>
-                  <a:schemeClr val="dk1"/>
-                </a:solidFill>
-                <a:effectLst/>
-                <a:uFillTx/>
-                <a:latin typeface="Arial"/>
-              </a:rPr>
-              <a:t>b</a:t>
-            </a:r>
-            <a:r>
-              <a:rPr b="0" lang="de-AT" sz="1800" strike="noStrike" u="none">
-                <a:solidFill>
-                  <a:schemeClr val="dk1"/>
-                </a:solidFill>
-                <a:effectLst/>
-                <a:uFillTx/>
-                <a:latin typeface="Arial"/>
-              </a:rPr>
-              <a:t>e</a:t>
-            </a:r>
-            <a:r>
-              <a:rPr b="0" lang="de-AT" sz="1800" strike="noStrike" u="none">
-                <a:solidFill>
-                  <a:schemeClr val="dk1"/>
-                </a:solidFill>
-                <a:effectLst/>
-                <a:uFillTx/>
-                <a:latin typeface="Arial"/>
-              </a:rPr>
-              <a:t>n</a:t>
-            </a:r>
-            <a:r>
-              <a:rPr b="0" lang="de-AT" sz="1800" strike="noStrike" u="none">
-                <a:solidFill>
-                  <a:schemeClr val="dk1"/>
-                </a:solidFill>
-                <a:effectLst/>
-                <a:uFillTx/>
-                <a:latin typeface="Arial"/>
-              </a:rPr>
-              <a:t>e</a:t>
+              <a:t>Fünfte Ebene</a:t>
             </a:r>
             <a:endParaRPr b="0" lang="de-DE" sz="1800" strike="noStrike" u="none">
               <a:solidFill>
@@ -11154,7 +10494,7 @@
               </a:lnSpc>
               <a:buNone/>
             </a:pPr>
-            <a:fld id="{3ADDB040-B58C-4E8A-BBE9-C67C12ACF23A}" type="slidenum">
+            <a:fld id="{43047A28-F653-45A1-A4DD-4C45BEE5E070}" type="slidenum">
               <a:rPr b="0" lang="de-AT" sz="1200" strike="noStrike" u="none">
                 <a:solidFill>
                   <a:schemeClr val="lt1"/>
@@ -11789,7 +11129,7 @@
               </a:lnSpc>
               <a:buNone/>
             </a:pPr>
-            <a:fld id="{883183DC-CC9B-4311-AE62-6BD9D69E6572}" type="slidenum">
+            <a:fld id="{DCDED093-B610-4A50-9B93-FA12E2115A06}" type="slidenum">
               <a:rPr b="0" lang="de-AT" sz="1200" strike="noStrike" u="none">
                 <a:solidFill>
                   <a:schemeClr val="lt1"/>
@@ -12365,7 +11705,7 @@
               </a:lnSpc>
               <a:buNone/>
             </a:pPr>
-            <a:fld id="{E5045951-E18A-4614-B043-A7B0FD1920E4}" type="slidenum">
+            <a:fld id="{B17AD409-7853-4B94-9401-F0D9B529D425}" type="slidenum">
               <a:rPr b="0" lang="de-AT" sz="1200" strike="noStrike" u="none">
                 <a:solidFill>
                   <a:schemeClr val="lt1"/>
@@ -12801,7 +12141,7 @@
               </a:lnSpc>
               <a:buNone/>
             </a:pPr>
-            <a:fld id="{921D3B66-3325-49DA-BB0F-8EDBDF5E94DF}" type="slidenum">
+            <a:fld id="{4AC6612E-9FE9-4BA1-88E3-FEEE8AFCE63A}" type="slidenum">
               <a:rPr b="0" lang="de-AT" sz="1200" strike="noStrike" u="none">
                 <a:solidFill>
                   <a:schemeClr val="lt1"/>
@@ -13436,7 +12776,7 @@
               </a:lnSpc>
               <a:buNone/>
             </a:pPr>
-            <a:fld id="{72676B38-D997-4D14-99BC-60DED7FC2880}" type="slidenum">
+            <a:fld id="{A3964827-61A5-431A-B740-AEB06B39B811}" type="slidenum">
               <a:rPr b="0" lang="de-AT" sz="1200" strike="noStrike" u="none">
                 <a:solidFill>
                   <a:schemeClr val="lt1"/>
@@ -13810,7 +13150,7 @@
               </a:lnSpc>
               <a:buNone/>
             </a:pPr>
-            <a:fld id="{E4F61B50-A59B-45C9-9A96-5ACEF6914E0D}" type="slidenum">
+            <a:fld id="{B1ADC91B-9052-4F44-8727-4A8051DFBB80}" type="slidenum">
               <a:rPr b="0" lang="de-AT" sz="1200" strike="noStrike" u="none">
                 <a:solidFill>
                   <a:schemeClr val="lt1"/>
@@ -14466,7 +13806,7 @@
               </a:lnSpc>
               <a:buNone/>
             </a:pPr>
-            <a:fld id="{42F56908-A789-4A6A-A031-22494A3A48C9}" type="slidenum">
+            <a:fld id="{F0B1DC18-5FF8-4199-AD09-5357835A7C72}" type="slidenum">
               <a:rPr b="0" lang="de-AT" sz="1200" strike="noStrike" u="none">
                 <a:solidFill>
                   <a:schemeClr val="lt1"/>
@@ -15328,7 +14668,7 @@
               </a:lnSpc>
               <a:buNone/>
             </a:pPr>
-            <a:fld id="{B3E8B3C1-3A6B-4D73-A307-D27E8E68AF22}" type="slidenum">
+            <a:fld id="{9C5D35E5-23B8-47FB-8546-09C71918D1DC}" type="slidenum">
               <a:rPr b="0" lang="de-AT" sz="1200" strike="noStrike" u="none">
                 <a:solidFill>
                   <a:schemeClr val="lt1"/>
@@ -15503,73 +14843,7 @@
                 <a:uFillTx/>
                 <a:latin typeface="Arial"/>
               </a:rPr>
-              <a:t>Mast</a:t>
-            </a:r>
-            <a:r>
-              <a:rPr b="1" lang="de-DE" sz="3200" strike="noStrike" u="none">
-                <a:solidFill>
-                  <a:schemeClr val="accent1"/>
-                </a:solidFill>
-                <a:effectLst/>
-                <a:uFillTx/>
-                <a:latin typeface="Arial"/>
-              </a:rPr>
-              <a:t>ertit</a:t>
-            </a:r>
-            <a:r>
-              <a:rPr b="1" lang="de-DE" sz="3200" strike="noStrike" u="none">
-                <a:solidFill>
-                  <a:schemeClr val="accent1"/>
-                </a:solidFill>
-                <a:effectLst/>
-                <a:uFillTx/>
-                <a:latin typeface="Arial"/>
-              </a:rPr>
-              <a:t>elfor</a:t>
-            </a:r>
-            <a:r>
-              <a:rPr b="1" lang="de-DE" sz="3200" strike="noStrike" u="none">
-                <a:solidFill>
-                  <a:schemeClr val="accent1"/>
-                </a:solidFill>
-                <a:effectLst/>
-                <a:uFillTx/>
-                <a:latin typeface="Arial"/>
-              </a:rPr>
-              <a:t>mat </a:t>
-            </a:r>
-            <a:r>
-              <a:rPr b="1" lang="de-DE" sz="3200" strike="noStrike" u="none">
-                <a:solidFill>
-                  <a:schemeClr val="accent1"/>
-                </a:solidFill>
-                <a:effectLst/>
-                <a:uFillTx/>
-                <a:latin typeface="Arial"/>
-              </a:rPr>
-              <a:t>bear</a:t>
-            </a:r>
-            <a:r>
-              <a:rPr b="1" lang="de-DE" sz="3200" strike="noStrike" u="none">
-                <a:solidFill>
-                  <a:schemeClr val="accent1"/>
-                </a:solidFill>
-                <a:effectLst/>
-                <a:uFillTx/>
-                <a:latin typeface="Arial"/>
-              </a:rPr>
-              <a:t>beit</a:t>
-            </a:r>
-            <a:r>
-              <a:rPr b="1" lang="de-DE" sz="3200" strike="noStrike" u="none">
-                <a:solidFill>
-                  <a:schemeClr val="accent1"/>
-                </a:solidFill>
-                <a:effectLst/>
-                <a:uFillTx/>
-                <a:latin typeface="Arial"/>
-              </a:rPr>
-              <a:t>en</a:t>
+              <a:t>Mastertitelformat bearbeiten</a:t>
             </a:r>
             <a:endParaRPr b="0" lang="de-DE" sz="3200" strike="noStrike" u="none">
               <a:solidFill>
@@ -16029,7 +15303,7 @@
               </a:lnSpc>
               <a:buNone/>
             </a:pPr>
-            <a:fld id="{FB27C203-3FAB-4405-B02A-23798AA05BB5}" type="slidenum">
+            <a:fld id="{785D7C8E-FA72-40F1-BA38-2B5B62F32D59}" type="slidenum">
               <a:rPr b="0" lang="de-AT" sz="1200" strike="noStrike" u="none">
                 <a:solidFill>
                   <a:schemeClr val="lt1"/>
@@ -16408,7 +15682,7 @@
               </a:lnSpc>
               <a:buNone/>
             </a:pPr>
-            <a:fld id="{CDCD1197-AD9D-43EE-8D8B-4B8E5F376C86}" type="slidenum">
+            <a:fld id="{4B5FE5A8-74E3-43C0-9121-49292999C38C}" type="slidenum">
               <a:rPr b="0" lang="de-AT" sz="1200" strike="noStrike" u="none">
                 <a:solidFill>
                   <a:schemeClr val="lt1"/>
@@ -17250,7 +16524,7 @@
               </a:lnSpc>
               <a:buNone/>
             </a:pPr>
-            <a:fld id="{D7C471C3-0BA0-49C8-9CC2-3B308D2FE42C}" type="slidenum">
+            <a:fld id="{0671DB32-3921-4B75-B7DA-77D17B348346}" type="slidenum">
               <a:rPr b="0" lang="de-AT" sz="1200" strike="noStrike" u="none">
                 <a:solidFill>
                   <a:schemeClr val="lt1"/>
@@ -18159,7 +17433,7 @@
               </a:lnSpc>
               <a:buNone/>
             </a:pPr>
-            <a:fld id="{22CB55D8-A281-4B59-8742-748A9341B74E}" type="slidenum">
+            <a:fld id="{D55CA5DC-F43B-4DD4-BABB-2A3942CD056E}" type="slidenum">
               <a:rPr b="0" lang="de-AT" sz="1200" strike="noStrike" u="none">
                 <a:solidFill>
                   <a:schemeClr val="lt1"/>
@@ -19267,7 +18541,7 @@
               </a:lnSpc>
               <a:buNone/>
             </a:pPr>
-            <a:fld id="{46A07B3A-5440-4A18-82FA-DBB10FC78750}" type="slidenum">
+            <a:fld id="{F01A69C3-DCB4-4E2E-B628-6125839CDA44}" type="slidenum">
               <a:rPr b="0" lang="de-AT" sz="1200" strike="noStrike" u="none">
                 <a:solidFill>
                   <a:schemeClr val="lt1"/>
@@ -19902,7 +19176,7 @@
               </a:lnSpc>
               <a:buNone/>
             </a:pPr>
-            <a:fld id="{BECBE82E-773B-41E5-8785-C12AE4719DF1}" type="slidenum">
+            <a:fld id="{0F39973D-4A87-4610-9283-24D0534A6987}" type="slidenum">
               <a:rPr b="0" lang="de-AT" sz="1200" strike="noStrike" u="none">
                 <a:solidFill>
                   <a:schemeClr val="lt1"/>
@@ -20340,7 +19614,7 @@
               </a:lnSpc>
               <a:buNone/>
             </a:pPr>
-            <a:fld id="{4CA6A2B4-5381-45D2-8C55-59D19B541DAC}" type="slidenum">
+            <a:fld id="{9641874D-4040-4F04-BC2D-E5597229B84E}" type="slidenum">
               <a:rPr b="0" lang="de-AT" sz="1200" strike="noStrike" u="none">
                 <a:solidFill>
                   <a:schemeClr val="lt1"/>
@@ -20978,7 +20252,7 @@
               </a:lnSpc>
               <a:buNone/>
             </a:pPr>
-            <a:fld id="{333BB818-7284-44C2-B11B-A892BEDD6772}" type="slidenum">
+            <a:fld id="{D8594A35-E380-468D-B71D-1FB45572B5C3}" type="slidenum">
               <a:rPr b="0" lang="de-AT" sz="1200" strike="noStrike" u="none">
                 <a:solidFill>
                   <a:schemeClr val="lt1"/>
@@ -21384,7 +20658,7 @@
               </a:lnSpc>
               <a:buNone/>
             </a:pPr>
-            <a:fld id="{5FEDE054-F042-49F1-8C93-B6BA314CA55C}" type="slidenum">
+            <a:fld id="{7502A4C3-BBF5-405E-89FF-C19C57B2A69C}" type="slidenum">
               <a:rPr b="0" lang="de-AT" sz="1200" strike="noStrike" u="none">
                 <a:solidFill>
                   <a:schemeClr val="lt1"/>
@@ -21731,7 +21005,7 @@
               </a:lnSpc>
               <a:buNone/>
             </a:pPr>
-            <a:fld id="{AA3C04E9-4CA4-45F1-9C2E-A8A3047EC488}" type="slidenum">
+            <a:fld id="{D046F5BD-1D52-420E-8A13-25AD343B15E0}" type="slidenum">
               <a:rPr b="0" lang="de-AT" sz="1200" strike="noStrike" u="none">
                 <a:solidFill>
                   <a:schemeClr val="lt1"/>
@@ -22141,7 +21415,7 @@
               </a:lnSpc>
               <a:buNone/>
             </a:pPr>
-            <a:fld id="{20EB1020-E048-4CDA-8EBA-08BE2F26B8B3}" type="slidenum">
+            <a:fld id="{D4D3D03D-FFB8-460B-AD55-CE5156BBDBAF}" type="slidenum">
               <a:rPr b="0" lang="de-AT" sz="1200" strike="noStrike" u="none">
                 <a:solidFill>
                   <a:schemeClr val="lt1"/>
@@ -22491,7 +21765,7 @@
         <p:txBody>
           <a:bodyPr/>
           <a:p>
-            <a:fld id="{C93F4F58-4EC5-46BD-86A6-2C1AE00CBBDC}" type="slidenum">
+            <a:fld id="{B37B12F8-43D6-4A74-9F5A-A8B7E7A71089}" type="slidenum">
               <a:t>10</a:t>
             </a:fld>
           </a:p>
@@ -23118,9 +22392,9 @@
               </a:rPr>
               <a:t>Biorender.com</a:t>
             </a:r>
-            <a:endParaRPr b="0" lang="de-DE" sz="800" strike="noStrike" u="none">
-              <a:solidFill>
-                <a:schemeClr val="dk1"/>
+            <a:endParaRPr b="0" lang="de-AT" sz="800" strike="noStrike" u="none">
+              <a:solidFill>
+                <a:srgbClr val="000000"/>
               </a:solidFill>
               <a:effectLst/>
               <a:uFillTx/>
@@ -23143,7 +22417,7 @@
         <p:txBody>
           <a:bodyPr/>
           <a:p>
-            <a:fld id="{B2D47F50-8E05-4A65-99C0-B32EFBCFA898}" type="slidenum">
+            <a:fld id="{D9A9A969-508C-4D2C-A228-13ED0DC9E34E}" type="slidenum">
               <a:t>11</a:t>
             </a:fld>
           </a:p>
@@ -23162,32 +22436,32 @@
   <p:timing>
     <p:tnLst>
       <p:par>
-        <p:cTn id="157" dur="indefinite" restart="never" nodeType="tmRoot">
+        <p:cTn id="301" dur="indefinite" restart="never" nodeType="tmRoot">
           <p:childTnLst>
             <p:seq>
-              <p:cTn id="158" dur="indefinite" nodeType="mainSeq">
+              <p:cTn id="302" dur="indefinite" nodeType="mainSeq">
                 <p:childTnLst>
                   <p:par>
-                    <p:cTn id="159" fill="hold">
+                    <p:cTn id="303" fill="hold">
                       <p:stCondLst>
                         <p:cond delay="indefinite"/>
                       </p:stCondLst>
                       <p:childTnLst>
                         <p:par>
-                          <p:cTn id="160" fill="hold">
+                          <p:cTn id="304" fill="hold">
                             <p:stCondLst>
                               <p:cond delay="0"/>
                             </p:stCondLst>
                             <p:childTnLst>
                               <p:par>
-                                <p:cTn id="161" nodeType="clickEffect" fill="hold" presetClass="entr" presetID="2" presetSubtype="2">
+                                <p:cTn id="305" nodeType="clickEffect" fill="hold" presetClass="entr" presetID="2" presetSubtype="2">
                                   <p:stCondLst>
                                     <p:cond delay="0"/>
                                   </p:stCondLst>
                                   <p:childTnLst>
                                     <p:set>
                                       <p:cBhvr>
-                                        <p:cTn id="162" dur="1" fill="hold">
+                                        <p:cTn id="306" dur="1" fill="hold">
                                           <p:stCondLst>
                                             <p:cond delay="0"/>
                                           </p:stCondLst>
@@ -23205,7 +22479,7 @@
                                     </p:set>
                                     <p:anim calcmode="lin" valueType="num">
                                       <p:cBhvr additive="repl">
-                                        <p:cTn id="163" dur="500" fill="hold"/>
+                                        <p:cTn id="307" dur="500" fill="hold"/>
                                         <p:tgtEl>
                                           <p:spTgt spid="309"/>
                                         </p:tgtEl>
@@ -23228,7 +22502,7 @@
                                     </p:anim>
                                     <p:anim calcmode="lin" valueType="num">
                                       <p:cBhvr additive="repl">
-                                        <p:cTn id="164" dur="500" fill="hold"/>
+                                        <p:cTn id="308" dur="500" fill="hold"/>
                                         <p:tgtEl>
                                           <p:spTgt spid="309"/>
                                         </p:tgtEl>
@@ -23259,26 +22533,26 @@
                     </p:cTn>
                   </p:par>
                   <p:par>
-                    <p:cTn id="165" fill="hold">
+                    <p:cTn id="309" fill="hold">
                       <p:stCondLst>
                         <p:cond delay="indefinite"/>
                       </p:stCondLst>
                       <p:childTnLst>
                         <p:par>
-                          <p:cTn id="166" fill="hold">
+                          <p:cTn id="310" fill="hold">
                             <p:stCondLst>
                               <p:cond delay="0"/>
                             </p:stCondLst>
                             <p:childTnLst>
                               <p:par>
-                                <p:cTn id="167" nodeType="clickEffect" fill="hold" presetClass="entr" presetID="2" presetSubtype="2">
+                                <p:cTn id="311" nodeType="clickEffect" fill="hold" presetClass="entr" presetID="2" presetSubtype="2">
                                   <p:stCondLst>
                                     <p:cond delay="0"/>
                                   </p:stCondLst>
                                   <p:childTnLst>
                                     <p:set>
                                       <p:cBhvr>
-                                        <p:cTn id="168" dur="1" fill="hold">
+                                        <p:cTn id="312" dur="1" fill="hold">
                                           <p:stCondLst>
                                             <p:cond delay="0"/>
                                           </p:stCondLst>
@@ -23296,7 +22570,7 @@
                                     </p:set>
                                     <p:anim calcmode="lin" valueType="num">
                                       <p:cBhvr additive="repl">
-                                        <p:cTn id="169" dur="500" fill="hold"/>
+                                        <p:cTn id="313" dur="500" fill="hold"/>
                                         <p:tgtEl>
                                           <p:spTgt spid="310"/>
                                         </p:tgtEl>
@@ -23319,7 +22593,7 @@
                                     </p:anim>
                                     <p:anim calcmode="lin" valueType="num">
                                       <p:cBhvr additive="repl">
-                                        <p:cTn id="170" dur="500" fill="hold"/>
+                                        <p:cTn id="314" dur="500" fill="hold"/>
                                         <p:tgtEl>
                                           <p:spTgt spid="310"/>
                                         </p:tgtEl>
@@ -23344,14 +22618,14 @@
                                 </p:cTn>
                               </p:par>
                               <p:par>
-                                <p:cTn id="171" nodeType="withEffect" fill="hold" presetClass="entr" presetID="2" presetSubtype="2">
+                                <p:cTn id="315" nodeType="withEffect" fill="hold" presetClass="entr" presetID="2" presetSubtype="2">
                                   <p:stCondLst>
                                     <p:cond delay="0"/>
                                   </p:stCondLst>
                                   <p:childTnLst>
                                     <p:set>
                                       <p:cBhvr>
-                                        <p:cTn id="172" dur="1" fill="hold">
+                                        <p:cTn id="316" dur="1" fill="hold">
                                           <p:stCondLst>
                                             <p:cond delay="0"/>
                                           </p:stCondLst>
@@ -23369,7 +22643,7 @@
                                     </p:set>
                                     <p:anim calcmode="lin" valueType="num">
                                       <p:cBhvr additive="repl">
-                                        <p:cTn id="173" dur="500" fill="hold"/>
+                                        <p:cTn id="317" dur="500" fill="hold"/>
                                         <p:tgtEl>
                                           <p:spTgt spid="311"/>
                                         </p:tgtEl>
@@ -23392,7 +22666,7 @@
                                     </p:anim>
                                     <p:anim calcmode="lin" valueType="num">
                                       <p:cBhvr additive="repl">
-                                        <p:cTn id="174" dur="500" fill="hold"/>
+                                        <p:cTn id="318" dur="500" fill="hold"/>
                                         <p:tgtEl>
                                           <p:spTgt spid="311"/>
                                         </p:tgtEl>
@@ -23423,26 +22697,26 @@
                     </p:cTn>
                   </p:par>
                   <p:par>
-                    <p:cTn id="175" fill="hold">
+                    <p:cTn id="319" fill="hold">
                       <p:stCondLst>
                         <p:cond delay="indefinite"/>
                       </p:stCondLst>
                       <p:childTnLst>
                         <p:par>
-                          <p:cTn id="176" fill="hold">
+                          <p:cTn id="320" fill="hold">
                             <p:stCondLst>
                               <p:cond delay="0"/>
                             </p:stCondLst>
                             <p:childTnLst>
                               <p:par>
-                                <p:cTn id="177" nodeType="clickEffect" fill="hold" presetClass="entr" presetID="2" presetSubtype="2">
+                                <p:cTn id="321" nodeType="clickEffect" fill="hold" presetClass="entr" presetID="2" presetSubtype="2">
                                   <p:stCondLst>
                                     <p:cond delay="0"/>
                                   </p:stCondLst>
                                   <p:childTnLst>
                                     <p:set>
                                       <p:cBhvr>
-                                        <p:cTn id="178" dur="1" fill="hold">
+                                        <p:cTn id="322" dur="1" fill="hold">
                                           <p:stCondLst>
                                             <p:cond delay="0"/>
                                           </p:stCondLst>
@@ -23460,7 +22734,7 @@
                                     </p:set>
                                     <p:anim calcmode="lin" valueType="num">
                                       <p:cBhvr additive="repl">
-                                        <p:cTn id="179" dur="500" fill="hold"/>
+                                        <p:cTn id="323" dur="500" fill="hold"/>
                                         <p:tgtEl>
                                           <p:spTgt spid="312"/>
                                         </p:tgtEl>
@@ -23483,7 +22757,7 @@
                                     </p:anim>
                                     <p:anim calcmode="lin" valueType="num">
                                       <p:cBhvr additive="repl">
-                                        <p:cTn id="180" dur="500" fill="hold"/>
+                                        <p:cTn id="324" dur="500" fill="hold"/>
                                         <p:tgtEl>
                                           <p:spTgt spid="312"/>
                                         </p:tgtEl>
@@ -23508,14 +22782,14 @@
                                 </p:cTn>
                               </p:par>
                               <p:par>
-                                <p:cTn id="181" nodeType="withEffect" fill="hold" presetClass="entr" presetID="2" presetSubtype="2">
+                                <p:cTn id="325" nodeType="withEffect" fill="hold" presetClass="entr" presetID="2" presetSubtype="2">
                                   <p:stCondLst>
                                     <p:cond delay="0"/>
                                   </p:stCondLst>
                                   <p:childTnLst>
                                     <p:set>
                                       <p:cBhvr>
-                                        <p:cTn id="182" dur="1" fill="hold">
+                                        <p:cTn id="326" dur="1" fill="hold">
                                           <p:stCondLst>
                                             <p:cond delay="0"/>
                                           </p:stCondLst>
@@ -23533,7 +22807,7 @@
                                     </p:set>
                                     <p:anim calcmode="lin" valueType="num">
                                       <p:cBhvr additive="repl">
-                                        <p:cTn id="183" dur="500" fill="hold"/>
+                                        <p:cTn id="327" dur="500" fill="hold"/>
                                         <p:tgtEl>
                                           <p:spTgt spid="313"/>
                                         </p:tgtEl>
@@ -23556,7 +22830,7 @@
                                     </p:anim>
                                     <p:anim calcmode="lin" valueType="num">
                                       <p:cBhvr additive="repl">
-                                        <p:cTn id="184" dur="500" fill="hold"/>
+                                        <p:cTn id="328" dur="500" fill="hold"/>
                                         <p:tgtEl>
                                           <p:spTgt spid="313"/>
                                         </p:tgtEl>
@@ -23587,26 +22861,26 @@
                     </p:cTn>
                   </p:par>
                   <p:par>
-                    <p:cTn id="185" fill="hold">
+                    <p:cTn id="329" fill="hold">
                       <p:stCondLst>
                         <p:cond delay="indefinite"/>
                       </p:stCondLst>
                       <p:childTnLst>
                         <p:par>
-                          <p:cTn id="186" fill="hold">
+                          <p:cTn id="330" fill="hold">
                             <p:stCondLst>
                               <p:cond delay="0"/>
                             </p:stCondLst>
                             <p:childTnLst>
                               <p:par>
-                                <p:cTn id="187" nodeType="clickEffect" fill="hold" presetClass="entr" presetID="2" presetSubtype="2">
+                                <p:cTn id="331" nodeType="clickEffect" fill="hold" presetClass="entr" presetID="2" presetSubtype="2">
                                   <p:stCondLst>
                                     <p:cond delay="0"/>
                                   </p:stCondLst>
                                   <p:childTnLst>
                                     <p:set>
                                       <p:cBhvr>
-                                        <p:cTn id="188" dur="1" fill="hold">
+                                        <p:cTn id="332" dur="1" fill="hold">
                                           <p:stCondLst>
                                             <p:cond delay="0"/>
                                           </p:stCondLst>
@@ -23624,7 +22898,7 @@
                                     </p:set>
                                     <p:anim calcmode="lin" valueType="num">
                                       <p:cBhvr additive="repl">
-                                        <p:cTn id="189" dur="500" fill="hold"/>
+                                        <p:cTn id="333" dur="500" fill="hold"/>
                                         <p:tgtEl>
                                           <p:spTgt spid="314"/>
                                         </p:tgtEl>
@@ -23647,7 +22921,7 @@
                                     </p:anim>
                                     <p:anim calcmode="lin" valueType="num">
                                       <p:cBhvr additive="repl">
-                                        <p:cTn id="190" dur="500" fill="hold"/>
+                                        <p:cTn id="334" dur="500" fill="hold"/>
                                         <p:tgtEl>
                                           <p:spTgt spid="314"/>
                                         </p:tgtEl>
@@ -23672,14 +22946,14 @@
                                 </p:cTn>
                               </p:par>
                               <p:par>
-                                <p:cTn id="191" nodeType="withEffect" fill="hold" presetClass="entr" presetID="2" presetSubtype="2">
+                                <p:cTn id="335" nodeType="withEffect" fill="hold" presetClass="entr" presetID="2" presetSubtype="2">
                                   <p:stCondLst>
                                     <p:cond delay="0"/>
                                   </p:stCondLst>
                                   <p:childTnLst>
                                     <p:set>
                                       <p:cBhvr>
-                                        <p:cTn id="192" dur="1" fill="hold">
+                                        <p:cTn id="336" dur="1" fill="hold">
                                           <p:stCondLst>
                                             <p:cond delay="0"/>
                                           </p:stCondLst>
@@ -23697,7 +22971,7 @@
                                     </p:set>
                                     <p:anim calcmode="lin" valueType="num">
                                       <p:cBhvr additive="repl">
-                                        <p:cTn id="193" dur="500" fill="hold"/>
+                                        <p:cTn id="337" dur="500" fill="hold"/>
                                         <p:tgtEl>
                                           <p:spTgt spid="315"/>
                                         </p:tgtEl>
@@ -23720,7 +22994,7 @@
                                     </p:anim>
                                     <p:anim calcmode="lin" valueType="num">
                                       <p:cBhvr additive="repl">
-                                        <p:cTn id="194" dur="500" fill="hold"/>
+                                        <p:cTn id="338" dur="500" fill="hold"/>
                                         <p:tgtEl>
                                           <p:spTgt spid="315"/>
                                         </p:tgtEl>
@@ -23751,26 +23025,26 @@
                     </p:cTn>
                   </p:par>
                   <p:par>
-                    <p:cTn id="195" fill="hold">
+                    <p:cTn id="339" fill="hold">
                       <p:stCondLst>
                         <p:cond delay="indefinite"/>
                       </p:stCondLst>
                       <p:childTnLst>
                         <p:par>
-                          <p:cTn id="196" fill="hold">
+                          <p:cTn id="340" fill="hold">
                             <p:stCondLst>
                               <p:cond delay="0"/>
                             </p:stCondLst>
                             <p:childTnLst>
                               <p:par>
-                                <p:cTn id="197" nodeType="clickEffect" fill="hold" presetClass="entr" presetID="2" presetSubtype="2">
+                                <p:cTn id="341" nodeType="clickEffect" fill="hold" presetClass="entr" presetID="2" presetSubtype="2">
                                   <p:stCondLst>
                                     <p:cond delay="0"/>
                                   </p:stCondLst>
                                   <p:childTnLst>
                                     <p:set>
                                       <p:cBhvr>
-                                        <p:cTn id="198" dur="1" fill="hold">
+                                        <p:cTn id="342" dur="1" fill="hold">
                                           <p:stCondLst>
                                             <p:cond delay="0"/>
                                           </p:stCondLst>
@@ -23788,7 +23062,7 @@
                                     </p:set>
                                     <p:anim calcmode="lin" valueType="num">
                                       <p:cBhvr additive="repl">
-                                        <p:cTn id="199" dur="500" fill="hold"/>
+                                        <p:cTn id="343" dur="500" fill="hold"/>
                                         <p:tgtEl>
                                           <p:spTgt spid="316"/>
                                         </p:tgtEl>
@@ -23811,7 +23085,7 @@
                                     </p:anim>
                                     <p:anim calcmode="lin" valueType="num">
                                       <p:cBhvr additive="repl">
-                                        <p:cTn id="200" dur="500" fill="hold"/>
+                                        <p:cTn id="344" dur="500" fill="hold"/>
                                         <p:tgtEl>
                                           <p:spTgt spid="316"/>
                                         </p:tgtEl>
@@ -23836,14 +23110,14 @@
                                 </p:cTn>
                               </p:par>
                               <p:par>
-                                <p:cTn id="201" nodeType="withEffect" fill="hold" presetClass="entr" presetID="2" presetSubtype="2">
+                                <p:cTn id="345" nodeType="withEffect" fill="hold" presetClass="entr" presetID="2" presetSubtype="2">
                                   <p:stCondLst>
                                     <p:cond delay="0"/>
                                   </p:stCondLst>
                                   <p:childTnLst>
                                     <p:set>
                                       <p:cBhvr>
-                                        <p:cTn id="202" dur="1" fill="hold">
+                                        <p:cTn id="346" dur="1" fill="hold">
                                           <p:stCondLst>
                                             <p:cond delay="0"/>
                                           </p:stCondLst>
@@ -23861,7 +23135,7 @@
                                     </p:set>
                                     <p:anim calcmode="lin" valueType="num">
                                       <p:cBhvr additive="repl">
-                                        <p:cTn id="203" dur="500" fill="hold"/>
+                                        <p:cTn id="347" dur="500" fill="hold"/>
                                         <p:tgtEl>
                                           <p:spTgt spid="317"/>
                                         </p:tgtEl>
@@ -23884,7 +23158,7 @@
                                     </p:anim>
                                     <p:anim calcmode="lin" valueType="num">
                                       <p:cBhvr additive="repl">
-                                        <p:cTn id="204" dur="500" fill="hold"/>
+                                        <p:cTn id="348" dur="500" fill="hold"/>
                                         <p:tgtEl>
                                           <p:spTgt spid="317"/>
                                         </p:tgtEl>
@@ -23915,26 +23189,26 @@
                     </p:cTn>
                   </p:par>
                   <p:par>
-                    <p:cTn id="205" fill="hold">
+                    <p:cTn id="349" fill="hold">
                       <p:stCondLst>
                         <p:cond delay="indefinite"/>
                       </p:stCondLst>
                       <p:childTnLst>
                         <p:par>
-                          <p:cTn id="206" fill="hold">
+                          <p:cTn id="350" fill="hold">
                             <p:stCondLst>
                               <p:cond delay="0"/>
                             </p:stCondLst>
                             <p:childTnLst>
                               <p:par>
-                                <p:cTn id="207" nodeType="clickEffect" fill="hold" presetClass="entr" presetID="2" presetSubtype="2">
+                                <p:cTn id="351" nodeType="clickEffect" fill="hold" presetClass="entr" presetID="2" presetSubtype="2">
                                   <p:stCondLst>
                                     <p:cond delay="0"/>
                                   </p:stCondLst>
                                   <p:childTnLst>
                                     <p:set>
                                       <p:cBhvr>
-                                        <p:cTn id="208" dur="1" fill="hold">
+                                        <p:cTn id="352" dur="1" fill="hold">
                                           <p:stCondLst>
                                             <p:cond delay="0"/>
                                           </p:stCondLst>
@@ -23952,7 +23226,7 @@
                                     </p:set>
                                     <p:anim calcmode="lin" valueType="num">
                                       <p:cBhvr additive="repl">
-                                        <p:cTn id="209" dur="500" fill="hold"/>
+                                        <p:cTn id="353" dur="500" fill="hold"/>
                                         <p:tgtEl>
                                           <p:spTgt spid="318"/>
                                         </p:tgtEl>
@@ -23975,7 +23249,7 @@
                                     </p:anim>
                                     <p:anim calcmode="lin" valueType="num">
                                       <p:cBhvr additive="repl">
-                                        <p:cTn id="210" dur="500" fill="hold"/>
+                                        <p:cTn id="354" dur="500" fill="hold"/>
                                         <p:tgtEl>
                                           <p:spTgt spid="318"/>
                                         </p:tgtEl>
@@ -24000,14 +23274,14 @@
                                 </p:cTn>
                               </p:par>
                               <p:par>
-                                <p:cTn id="211" nodeType="withEffect" fill="hold" presetClass="entr" presetID="2" presetSubtype="2">
+                                <p:cTn id="355" nodeType="withEffect" fill="hold" presetClass="entr" presetID="2" presetSubtype="2">
                                   <p:stCondLst>
                                     <p:cond delay="0"/>
                                   </p:stCondLst>
                                   <p:childTnLst>
                                     <p:set>
                                       <p:cBhvr>
-                                        <p:cTn id="212" dur="1" fill="hold">
+                                        <p:cTn id="356" dur="1" fill="hold">
                                           <p:stCondLst>
                                             <p:cond delay="0"/>
                                           </p:stCondLst>
@@ -24025,7 +23299,7 @@
                                     </p:set>
                                     <p:anim calcmode="lin" valueType="num">
                                       <p:cBhvr additive="repl">
-                                        <p:cTn id="213" dur="500" fill="hold"/>
+                                        <p:cTn id="357" dur="500" fill="hold"/>
                                         <p:tgtEl>
                                           <p:spTgt spid="319"/>
                                         </p:tgtEl>
@@ -24048,7 +23322,7 @@
                                     </p:anim>
                                     <p:anim calcmode="lin" valueType="num">
                                       <p:cBhvr additive="repl">
-                                        <p:cTn id="214" dur="500" fill="hold"/>
+                                        <p:cTn id="358" dur="500" fill="hold"/>
                                         <p:tgtEl>
                                           <p:spTgt spid="319"/>
                                         </p:tgtEl>
@@ -24079,26 +23353,26 @@
                     </p:cTn>
                   </p:par>
                   <p:par>
-                    <p:cTn id="215" fill="hold">
+                    <p:cTn id="359" fill="hold">
                       <p:stCondLst>
                         <p:cond delay="indefinite"/>
                       </p:stCondLst>
                       <p:childTnLst>
                         <p:par>
-                          <p:cTn id="216" fill="hold">
+                          <p:cTn id="360" fill="hold">
                             <p:stCondLst>
                               <p:cond delay="0"/>
                             </p:stCondLst>
                             <p:childTnLst>
                               <p:par>
-                                <p:cTn id="217" nodeType="clickEffect" fill="hold" presetClass="entr" presetID="2" presetSubtype="4">
+                                <p:cTn id="361" nodeType="clickEffect" fill="hold" presetClass="entr" presetID="2" presetSubtype="4">
                                   <p:stCondLst>
                                     <p:cond delay="0"/>
                                   </p:stCondLst>
                                   <p:childTnLst>
                                     <p:set>
                                       <p:cBhvr>
-                                        <p:cTn id="218" dur="1" fill="hold">
+                                        <p:cTn id="362" dur="1" fill="hold">
                                           <p:stCondLst>
                                             <p:cond delay="0"/>
                                           </p:stCondLst>
@@ -24116,7 +23390,7 @@
                                     </p:set>
                                     <p:anim calcmode="lin" valueType="num">
                                       <p:cBhvr additive="repl">
-                                        <p:cTn id="219" dur="500" fill="hold"/>
+                                        <p:cTn id="363" dur="500" fill="hold"/>
                                         <p:tgtEl>
                                           <p:spTgt spid="320"/>
                                         </p:tgtEl>
@@ -24139,7 +23413,7 @@
                                     </p:anim>
                                     <p:anim calcmode="lin" valueType="num">
                                       <p:cBhvr additive="repl">
-                                        <p:cTn id="220" dur="500" fill="hold"/>
+                                        <p:cTn id="364" dur="500" fill="hold"/>
                                         <p:tgtEl>
                                           <p:spTgt spid="320"/>
                                         </p:tgtEl>
@@ -24164,14 +23438,14 @@
                                 </p:cTn>
                               </p:par>
                               <p:par>
-                                <p:cTn id="221" nodeType="withEffect" fill="hold" presetClass="entr" presetID="2" presetSubtype="4">
+                                <p:cTn id="365" nodeType="withEffect" fill="hold" presetClass="entr" presetID="2" presetSubtype="4">
                                   <p:stCondLst>
                                     <p:cond delay="0"/>
                                   </p:stCondLst>
                                   <p:childTnLst>
                                     <p:set>
                                       <p:cBhvr>
-                                        <p:cTn id="222" dur="1" fill="hold">
+                                        <p:cTn id="366" dur="1" fill="hold">
                                           <p:stCondLst>
                                             <p:cond delay="0"/>
                                           </p:stCondLst>
@@ -24189,7 +23463,7 @@
                                     </p:set>
                                     <p:anim calcmode="lin" valueType="num">
                                       <p:cBhvr additive="repl">
-                                        <p:cTn id="223" dur="500" fill="hold"/>
+                                        <p:cTn id="367" dur="500" fill="hold"/>
                                         <p:tgtEl>
                                           <p:spTgt spid="321"/>
                                         </p:tgtEl>
@@ -24212,7 +23486,7 @@
                                     </p:anim>
                                     <p:anim calcmode="lin" valueType="num">
                                       <p:cBhvr additive="repl">
-                                        <p:cTn id="224" dur="500" fill="hold"/>
+                                        <p:cTn id="368" dur="500" fill="hold"/>
                                         <p:tgtEl>
                                           <p:spTgt spid="321"/>
                                         </p:tgtEl>
@@ -24243,26 +23517,26 @@
                     </p:cTn>
                   </p:par>
                   <p:par>
-                    <p:cTn id="225" fill="hold">
+                    <p:cTn id="369" fill="hold">
                       <p:stCondLst>
                         <p:cond delay="indefinite"/>
                       </p:stCondLst>
                       <p:childTnLst>
                         <p:par>
-                          <p:cTn id="226" fill="hold">
+                          <p:cTn id="370" fill="hold">
                             <p:stCondLst>
                               <p:cond delay="0"/>
                             </p:stCondLst>
                             <p:childTnLst>
                               <p:par>
-                                <p:cTn id="227" nodeType="clickEffect" fill="hold" presetClass="entr" presetID="2" presetSubtype="8">
+                                <p:cTn id="371" nodeType="clickEffect" fill="hold" presetClass="entr" presetID="2" presetSubtype="8">
                                   <p:stCondLst>
                                     <p:cond delay="0"/>
                                   </p:stCondLst>
                                   <p:childTnLst>
                                     <p:set>
                                       <p:cBhvr>
-                                        <p:cTn id="228" dur="1" fill="hold">
+                                        <p:cTn id="372" dur="1" fill="hold">
                                           <p:stCondLst>
                                             <p:cond delay="0"/>
                                           </p:stCondLst>
@@ -24280,7 +23554,7 @@
                                     </p:set>
                                     <p:anim calcmode="lin" valueType="num">
                                       <p:cBhvr additive="repl">
-                                        <p:cTn id="229" dur="500" fill="hold"/>
+                                        <p:cTn id="373" dur="500" fill="hold"/>
                                         <p:tgtEl>
                                           <p:spTgt spid="322"/>
                                         </p:tgtEl>
@@ -24303,7 +23577,7 @@
                                     </p:anim>
                                     <p:anim calcmode="lin" valueType="num">
                                       <p:cBhvr additive="repl">
-                                        <p:cTn id="230" dur="500" fill="hold"/>
+                                        <p:cTn id="374" dur="500" fill="hold"/>
                                         <p:tgtEl>
                                           <p:spTgt spid="322"/>
                                         </p:tgtEl>
@@ -24328,14 +23602,14 @@
                                 </p:cTn>
                               </p:par>
                               <p:par>
-                                <p:cTn id="231" nodeType="withEffect" fill="hold" presetClass="entr" presetID="2" presetSubtype="8">
+                                <p:cTn id="375" nodeType="withEffect" fill="hold" presetClass="entr" presetID="2" presetSubtype="8">
                                   <p:stCondLst>
                                     <p:cond delay="0"/>
                                   </p:stCondLst>
                                   <p:childTnLst>
                                     <p:set>
                                       <p:cBhvr>
-                                        <p:cTn id="232" dur="1" fill="hold">
+                                        <p:cTn id="376" dur="1" fill="hold">
                                           <p:stCondLst>
                                             <p:cond delay="0"/>
                                           </p:stCondLst>
@@ -24353,7 +23627,7 @@
                                     </p:set>
                                     <p:anim calcmode="lin" valueType="num">
                                       <p:cBhvr additive="repl">
-                                        <p:cTn id="233" dur="500" fill="hold"/>
+                                        <p:cTn id="377" dur="500" fill="hold"/>
                                         <p:tgtEl>
                                           <p:spTgt spid="323"/>
                                         </p:tgtEl>
@@ -24376,7 +23650,7 @@
                                     </p:anim>
                                     <p:anim calcmode="lin" valueType="num">
                                       <p:cBhvr additive="repl">
-                                        <p:cTn id="234" dur="500" fill="hold"/>
+                                        <p:cTn id="378" dur="500" fill="hold"/>
                                         <p:tgtEl>
                                           <p:spTgt spid="323"/>
                                         </p:tgtEl>
@@ -24407,26 +23681,26 @@
                     </p:cTn>
                   </p:par>
                   <p:par>
-                    <p:cTn id="235" fill="hold">
+                    <p:cTn id="379" fill="hold">
                       <p:stCondLst>
                         <p:cond delay="indefinite"/>
                       </p:stCondLst>
                       <p:childTnLst>
                         <p:par>
-                          <p:cTn id="236" fill="hold">
+                          <p:cTn id="380" fill="hold">
                             <p:stCondLst>
                               <p:cond delay="0"/>
                             </p:stCondLst>
                             <p:childTnLst>
                               <p:par>
-                                <p:cTn id="237" nodeType="clickEffect" fill="hold" presetClass="entr" presetID="2" presetSubtype="8">
+                                <p:cTn id="381" nodeType="clickEffect" fill="hold" presetClass="entr" presetID="2" presetSubtype="8">
                                   <p:stCondLst>
                                     <p:cond delay="0"/>
                                   </p:stCondLst>
                                   <p:childTnLst>
                                     <p:set>
                                       <p:cBhvr>
-                                        <p:cTn id="238" dur="1" fill="hold">
+                                        <p:cTn id="382" dur="1" fill="hold">
                                           <p:stCondLst>
                                             <p:cond delay="0"/>
                                           </p:stCondLst>
@@ -24444,7 +23718,7 @@
                                     </p:set>
                                     <p:anim calcmode="lin" valueType="num">
                                       <p:cBhvr additive="repl">
-                                        <p:cTn id="239" dur="500" fill="hold"/>
+                                        <p:cTn id="383" dur="500" fill="hold"/>
                                         <p:tgtEl>
                                           <p:spTgt spid="324"/>
                                         </p:tgtEl>
@@ -24467,7 +23741,7 @@
                                     </p:anim>
                                     <p:anim calcmode="lin" valueType="num">
                                       <p:cBhvr additive="repl">
-                                        <p:cTn id="240" dur="500" fill="hold"/>
+                                        <p:cTn id="384" dur="500" fill="hold"/>
                                         <p:tgtEl>
                                           <p:spTgt spid="324"/>
                                         </p:tgtEl>
@@ -24492,14 +23766,14 @@
                                 </p:cTn>
                               </p:par>
                               <p:par>
-                                <p:cTn id="241" nodeType="withEffect" fill="hold" presetClass="entr" presetID="2" presetSubtype="8">
+                                <p:cTn id="385" nodeType="withEffect" fill="hold" presetClass="entr" presetID="2" presetSubtype="8">
                                   <p:stCondLst>
                                     <p:cond delay="0"/>
                                   </p:stCondLst>
                                   <p:childTnLst>
                                     <p:set>
                                       <p:cBhvr>
-                                        <p:cTn id="242" dur="1" fill="hold">
+                                        <p:cTn id="386" dur="1" fill="hold">
                                           <p:stCondLst>
                                             <p:cond delay="0"/>
                                           </p:stCondLst>
@@ -24517,7 +23791,7 @@
                                     </p:set>
                                     <p:anim calcmode="lin" valueType="num">
                                       <p:cBhvr additive="repl">
-                                        <p:cTn id="243" dur="500" fill="hold"/>
+                                        <p:cTn id="387" dur="500" fill="hold"/>
                                         <p:tgtEl>
                                           <p:spTgt spid="325"/>
                                         </p:tgtEl>
@@ -24540,7 +23814,7 @@
                                     </p:anim>
                                     <p:anim calcmode="lin" valueType="num">
                                       <p:cBhvr additive="repl">
-                                        <p:cTn id="244" dur="500" fill="hold"/>
+                                        <p:cTn id="388" dur="500" fill="hold"/>
                                         <p:tgtEl>
                                           <p:spTgt spid="325"/>
                                         </p:tgtEl>
@@ -24571,26 +23845,26 @@
                     </p:cTn>
                   </p:par>
                   <p:par>
-                    <p:cTn id="245" fill="hold">
+                    <p:cTn id="389" fill="hold">
                       <p:stCondLst>
                         <p:cond delay="indefinite"/>
                       </p:stCondLst>
                       <p:childTnLst>
                         <p:par>
-                          <p:cTn id="246" fill="hold">
+                          <p:cTn id="390" fill="hold">
                             <p:stCondLst>
                               <p:cond delay="0"/>
                             </p:stCondLst>
                             <p:childTnLst>
                               <p:par>
-                                <p:cTn id="247" nodeType="clickEffect" fill="hold" presetClass="entr" presetID="2" presetSubtype="8">
+                                <p:cTn id="391" nodeType="clickEffect" fill="hold" presetClass="entr" presetID="2" presetSubtype="8">
                                   <p:stCondLst>
                                     <p:cond delay="0"/>
                                   </p:stCondLst>
                                   <p:childTnLst>
                                     <p:set>
                                       <p:cBhvr>
-                                        <p:cTn id="248" dur="1" fill="hold">
+                                        <p:cTn id="392" dur="1" fill="hold">
                                           <p:stCondLst>
                                             <p:cond delay="0"/>
                                           </p:stCondLst>
@@ -24608,7 +23882,7 @@
                                     </p:set>
                                     <p:anim calcmode="lin" valueType="num">
                                       <p:cBhvr additive="repl">
-                                        <p:cTn id="249" dur="500" fill="hold"/>
+                                        <p:cTn id="393" dur="500" fill="hold"/>
                                         <p:tgtEl>
                                           <p:spTgt spid="326"/>
                                         </p:tgtEl>
@@ -24631,7 +23905,7 @@
                                     </p:anim>
                                     <p:anim calcmode="lin" valueType="num">
                                       <p:cBhvr additive="repl">
-                                        <p:cTn id="250" dur="500" fill="hold"/>
+                                        <p:cTn id="394" dur="500" fill="hold"/>
                                         <p:tgtEl>
                                           <p:spTgt spid="326"/>
                                         </p:tgtEl>
@@ -24656,14 +23930,14 @@
                                 </p:cTn>
                               </p:par>
                               <p:par>
-                                <p:cTn id="251" nodeType="withEffect" fill="hold" presetClass="entr" presetID="2" presetSubtype="8">
+                                <p:cTn id="395" nodeType="withEffect" fill="hold" presetClass="entr" presetID="2" presetSubtype="8">
                                   <p:stCondLst>
                                     <p:cond delay="0"/>
                                   </p:stCondLst>
                                   <p:childTnLst>
                                     <p:set>
                                       <p:cBhvr>
-                                        <p:cTn id="252" dur="1" fill="hold">
+                                        <p:cTn id="396" dur="1" fill="hold">
                                           <p:stCondLst>
                                             <p:cond delay="0"/>
                                           </p:stCondLst>
@@ -24681,7 +23955,7 @@
                                     </p:set>
                                     <p:anim calcmode="lin" valueType="num">
                                       <p:cBhvr additive="repl">
-                                        <p:cTn id="253" dur="500" fill="hold"/>
+                                        <p:cTn id="397" dur="500" fill="hold"/>
                                         <p:tgtEl>
                                           <p:spTgt spid="327"/>
                                         </p:tgtEl>
@@ -24704,7 +23978,7 @@
                                     </p:anim>
                                     <p:anim calcmode="lin" valueType="num">
                                       <p:cBhvr additive="repl">
-                                        <p:cTn id="254" dur="500" fill="hold"/>
+                                        <p:cTn id="398" dur="500" fill="hold"/>
                                         <p:tgtEl>
                                           <p:spTgt spid="327"/>
                                         </p:tgtEl>
@@ -24904,7 +24178,7 @@
         <p:txBody>
           <a:bodyPr/>
           <a:p>
-            <a:fld id="{76E5E7CC-7C54-478C-9C08-ECEA1A80CAA4}" type="slidenum">
+            <a:fld id="{FD9E1A39-7E33-402C-AFE6-B4770CF392F7}" type="slidenum">
               <a:t>12</a:t>
             </a:fld>
           </a:p>
@@ -25918,7 +25192,7 @@
         <p:txBody>
           <a:bodyPr/>
           <a:p>
-            <a:fld id="{EFEC3D37-DE15-4BC6-9A27-FCFE50C157D7}" type="slidenum">
+            <a:fld id="{5B2F4BCA-C6AC-4144-B849-1079ED18D7E2}" type="slidenum">
               <a:t>13</a:t>
             </a:fld>
           </a:p>
@@ -26027,7 +25301,7 @@
         <p:txBody>
           <a:bodyPr/>
           <a:p>
-            <a:fld id="{BF2908E7-99F2-4C27-8100-3860FBA1F9CA}" type="slidenum">
+            <a:fld id="{D48D7DA7-869F-4D83-96B2-CCE1B4A9D70D}" type="slidenum">
               <a:t>14</a:t>
             </a:fld>
           </a:p>
@@ -26101,7 +25375,7 @@
         <p:txBody>
           <a:bodyPr/>
           <a:p>
-            <a:fld id="{16F07E22-DB86-433E-A99D-B9CFD3FC519D}" type="slidenum">
+            <a:fld id="{B15708DA-9A8C-4982-8BE8-54E1417553A7}" type="slidenum">
               <a:t>15</a:t>
             </a:fld>
           </a:p>
@@ -26175,7 +25449,7 @@
         <p:txBody>
           <a:bodyPr/>
           <a:p>
-            <a:fld id="{A32E15D0-B0BC-47AB-A966-02A92C63B952}" type="slidenum">
+            <a:fld id="{76E062E6-74AE-411F-BCDA-D6DE2CB32E43}" type="slidenum">
               <a:t>16</a:t>
             </a:fld>
           </a:p>
@@ -26249,7 +25523,7 @@
         <p:txBody>
           <a:bodyPr/>
           <a:p>
-            <a:fld id="{6C15AF44-BD7C-4331-9DCC-7E856FB3B16A}" type="slidenum">
+            <a:fld id="{D706C570-2A62-4960-9C48-FFBA0BD31A14}" type="slidenum">
               <a:t>17</a:t>
             </a:fld>
           </a:p>
@@ -26323,7 +25597,7 @@
         <p:txBody>
           <a:bodyPr/>
           <a:p>
-            <a:fld id="{8B51F93C-1B1A-49D0-B642-49D80926B6B9}" type="slidenum">
+            <a:fld id="{FA427683-8D2F-422E-AB04-79E2D3B3BF67}" type="slidenum">
               <a:t>18</a:t>
             </a:fld>
           </a:p>
@@ -26397,7 +25671,7 @@
         <p:txBody>
           <a:bodyPr/>
           <a:p>
-            <a:fld id="{D0201071-5AD1-443D-A3E2-30D28D5A42B6}" type="slidenum">
+            <a:fld id="{CB1C8F0D-6CDA-44F6-AB8B-72E61180F3EE}" type="slidenum">
               <a:t>19</a:t>
             </a:fld>
           </a:p>
@@ -26525,8 +25799,11 @@
                 <a:spcPct val="90000"/>
               </a:lnSpc>
               <a:spcBef>
-                <a:spcPts val="1417"/>
+                <a:spcPts val="1191"/>
               </a:spcBef>
+              <a:spcAft>
+                <a:spcPts val="992"/>
+              </a:spcAft>
               <a:buClr>
                 <a:srgbClr val="000000"/>
               </a:buClr>
@@ -26560,8 +25837,11 @@
                 <a:spcPct val="90000"/>
               </a:lnSpc>
               <a:spcBef>
-                <a:spcPts val="1417"/>
+                <a:spcPts val="1191"/>
               </a:spcBef>
+              <a:spcAft>
+                <a:spcPts val="992"/>
+              </a:spcAft>
               <a:buClr>
                 <a:srgbClr val="000000"/>
               </a:buClr>
@@ -26578,7 +25858,7 @@
                 <a:uFillTx/>
                 <a:latin typeface="Arial"/>
               </a:rPr>
-              <a:t>Uses the Wood-Ljungdahl pathway for CO₂ fixation and acetyl-CoA production</a:t>
+              <a:t>Fixes CO₂ via the Wood-Ljungdahl pathy</a:t>
             </a:r>
             <a:endParaRPr b="0" lang="de-DE" sz="2000" strike="noStrike" u="none">
               <a:solidFill>
@@ -26595,8 +25875,11 @@
                 <a:spcPct val="90000"/>
               </a:lnSpc>
               <a:spcBef>
-                <a:spcPts val="1417"/>
+                <a:spcPts val="1191"/>
               </a:spcBef>
+              <a:spcAft>
+                <a:spcPts val="992"/>
+              </a:spcAft>
               <a:buClr>
                 <a:srgbClr val="000000"/>
               </a:buClr>
@@ -26613,7 +25896,7 @@
                 <a:uFillTx/>
                 <a:latin typeface="Arial"/>
               </a:rPr>
-              <a:t>Well studied for acetogenesis but energetically challenging for 2-butanol synthesis</a:t>
+              <a:t>Produces acetyl-CoA, but 2-butanol synthesis is energetically limited</a:t>
             </a:r>
             <a:endParaRPr b="0" lang="de-DE" sz="2000" strike="noStrike" u="none">
               <a:solidFill>
@@ -26630,8 +25913,11 @@
                 <a:spcPct val="90000"/>
               </a:lnSpc>
               <a:spcBef>
-                <a:spcPts val="1417"/>
+                <a:spcPts val="1191"/>
               </a:spcBef>
+              <a:spcAft>
+                <a:spcPts val="992"/>
+              </a:spcAft>
               <a:buClr>
                 <a:srgbClr val="000000"/>
               </a:buClr>
@@ -26648,7 +25934,83 @@
                 <a:uFillTx/>
                 <a:latin typeface="Arial"/>
               </a:rPr>
-              <a:t>Our project tests its potential and limitations for 2-butanol production</a:t>
+              <a:t>Grows well anaerobically, quite robust</a:t>
+            </a:r>
+            <a:endParaRPr b="0" lang="de-DE" sz="2000" strike="noStrike" u="none">
+              <a:solidFill>
+                <a:schemeClr val="dk1"/>
+              </a:solidFill>
+              <a:effectLst/>
+              <a:uFillTx/>
+              <a:latin typeface="Arial"/>
+            </a:endParaRPr>
+          </a:p>
+          <a:p>
+            <a:pPr marL="432000" indent="-324000">
+              <a:lnSpc>
+                <a:spcPct val="90000"/>
+              </a:lnSpc>
+              <a:spcBef>
+                <a:spcPts val="1191"/>
+              </a:spcBef>
+              <a:spcAft>
+                <a:spcPts val="992"/>
+              </a:spcAft>
+              <a:buClr>
+                <a:srgbClr val="000000"/>
+              </a:buClr>
+              <a:buSzPct val="45000"/>
+              <a:buFont typeface="Wingdings" charset="2"/>
+              <a:buChar char=""/>
+            </a:pPr>
+            <a:r>
+              <a:rPr b="0" lang="de-DE" sz="2000" strike="noStrike" u="none">
+                <a:solidFill>
+                  <a:schemeClr val="dk1"/>
+                </a:solidFill>
+                <a:effectLst/>
+                <a:uFillTx/>
+                <a:latin typeface="Arial"/>
+              </a:rPr>
+              <a:t>Easy to genetically modify</a:t>
+            </a:r>
+            <a:endParaRPr b="0" lang="de-DE" sz="2000" strike="noStrike" u="none">
+              <a:solidFill>
+                <a:schemeClr val="dk1"/>
+              </a:solidFill>
+              <a:effectLst/>
+              <a:uFillTx/>
+              <a:latin typeface="Arial"/>
+            </a:endParaRPr>
+          </a:p>
+          <a:p>
+            <a:pPr marL="432000" indent="-324000">
+              <a:lnSpc>
+                <a:spcPct val="90000"/>
+              </a:lnSpc>
+              <a:spcBef>
+                <a:spcPts val="1191"/>
+              </a:spcBef>
+              <a:spcAft>
+                <a:spcPts val="992"/>
+              </a:spcAft>
+              <a:buClr>
+                <a:srgbClr val="000000"/>
+              </a:buClr>
+              <a:buSzPct val="45000"/>
+              <a:buFont typeface="Wingdings" charset="2"/>
+              <a:buChar char=""/>
+            </a:pPr>
+            <a:r>
+              <a:rPr b="0" lang="de-DE" sz="2000" strike="noStrike" u="none">
+                <a:solidFill>
+                  <a:schemeClr val="dk1"/>
+                </a:solidFill>
+                <a:effectLst/>
+                <a:uFillTx/>
+                <a:latin typeface="Arial"/>
+              </a:rPr>
+              <a:t>No harmful byproducts, safe to handle</a:t>
             </a:r>
             <a:endParaRPr b="0" lang="de-DE" sz="2000" strike="noStrike" u="none">
               <a:solidFill>
@@ -26713,7 +26075,7 @@
         <p:txBody>
           <a:bodyPr/>
           <a:p>
-            <a:fld id="{ADF46BCF-6E39-4410-A3AD-F52C28E50568}" type="slidenum">
+            <a:fld id="{F6B113DF-53A0-4C4B-AE59-93AE5E80C331}" type="slidenum">
               <a:t>2</a:t>
             </a:fld>
           </a:p>
@@ -26729,6 +26091,654 @@
       <p:transition spd="slow"/>
     </mc:Fallback>
   </mc:AlternateContent>
+  <p:timing>
+    <p:tnLst>
+      <p:par>
+        <p:cTn id="1" dur="indefinite" restart="never" nodeType="tmRoot">
+          <p:childTnLst>
+            <p:seq>
+              <p:cTn id="2" dur="indefinite" nodeType="mainSeq">
+                <p:childTnLst>
+                  <p:par>
+                    <p:cTn id="3" fill="hold">
+                      <p:stCondLst>
+                        <p:cond delay="indefinite"/>
+                      </p:stCondLst>
+                      <p:childTnLst>
+                        <p:par>
+                          <p:cTn id="4" fill="hold">
+                            <p:stCondLst>
+                              <p:cond delay="0"/>
+                            </p:stCondLst>
+                            <p:childTnLst>
+                              <p:par>
+                                <p:cTn id="5" nodeType="clickEffect" fill="hold" presetClass="entr" presetID="2" presetSubtype="4">
+                                  <p:stCondLst>
+                                    <p:cond delay="0"/>
+                                  </p:stCondLst>
+                                  <p:childTnLst>
+                                    <p:set>
+                                      <p:cBhvr>
+                                        <p:cTn id="6" dur="1" fill="hold">
+                                          <p:stCondLst>
+                                            <p:cond delay="0"/>
+                                          </p:stCondLst>
+                                        </p:cTn>
+                                        <p:tgtEl>
+                                          <p:spTgt spid="267">
+                                            <p:txEl>
+                                              <p:pRg st="0" end="0"/>
+                                            </p:txEl>
+                                          </p:spTgt>
+                                        </p:tgtEl>
+                                        <p:attrNameLst>
+                                          <p:attrName>style.visibility</p:attrName>
+                                        </p:attrNameLst>
+                                      </p:cBhvr>
+                                      <p:to>
+                                        <p:strVal val="visible"/>
+                                      </p:to>
+                                    </p:set>
+                                    <p:anim calcmode="lin" valueType="num">
+                                      <p:cBhvr additive="repl">
+                                        <p:cTn id="7" dur="500" fill="hold"/>
+                                        <p:tgtEl>
+                                          <p:spTgt spid="267">
+                                            <p:txEl>
+                                              <p:pRg st="0" end="0"/>
+                                            </p:txEl>
+                                          </p:spTgt>
+                                        </p:tgtEl>
+                                        <p:attrNameLst>
+                                          <p:attrName>ppt_x</p:attrName>
+                                        </p:attrNameLst>
+                                      </p:cBhvr>
+                                      <p:tavLst>
+                                        <p:tav tm="0">
+                                          <p:val>
+                                            <p:strVal val="#ppt_x"/>
+                                          </p:val>
+                                        </p:tav>
+                                        <p:tav tm="100000">
+                                          <p:val>
+                                            <p:strVal val="#ppt_x"/>
+                                          </p:val>
+                                        </p:tav>
+                                      </p:tavLst>
+                                    </p:anim>
+                                    <p:anim calcmode="lin" valueType="num">
+                                      <p:cBhvr additive="repl">
+                                        <p:cTn id="8" dur="500" fill="hold"/>
+                                        <p:tgtEl>
+                                          <p:spTgt spid="267">
+                                            <p:txEl>
+                                              <p:pRg st="0" end="0"/>
+                                            </p:txEl>
+                                          </p:spTgt>
+                                        </p:tgtEl>
+                                        <p:attrNameLst>
+                                          <p:attrName>ppt_y</p:attrName>
+                                        </p:attrNameLst>
+                                      </p:cBhvr>
+                                      <p:tavLst>
+                                        <p:tav tm="0">
+                                          <p:val>
+                                            <p:strVal val="1+#ppt_h/2"/>
+                                          </p:val>
+                                        </p:tav>
+                                        <p:tav tm="100000">
+                                          <p:val>
+                                            <p:strVal val="#ppt_y"/>
+                                          </p:val>
+                                        </p:tav>
+                                      </p:tavLst>
+                                    </p:anim>
+                                  </p:childTnLst>
+                                </p:cTn>
+                              </p:par>
+                            </p:childTnLst>
+                          </p:cTn>
+                        </p:par>
+                      </p:childTnLst>
+                    </p:cTn>
+                  </p:par>
+                  <p:par>
+                    <p:cTn id="9" fill="hold">
+                      <p:stCondLst>
+                        <p:cond delay="indefinite"/>
+                      </p:stCondLst>
+                      <p:childTnLst>
+                        <p:par>
+                          <p:cTn id="10" fill="hold">
+                            <p:stCondLst>
+                              <p:cond delay="0"/>
+                            </p:stCondLst>
+                            <p:childTnLst>
+                              <p:par>
+                                <p:cTn id="11" nodeType="clickEffect" fill="hold" presetClass="entr" presetID="2" presetSubtype="4">
+                                  <p:stCondLst>
+                                    <p:cond delay="0"/>
+                                  </p:stCondLst>
+                                  <p:childTnLst>
+                                    <p:set>
+                                      <p:cBhvr>
+                                        <p:cTn id="12" dur="1" fill="hold">
+                                          <p:stCondLst>
+                                            <p:cond delay="0"/>
+                                          </p:stCondLst>
+                                        </p:cTn>
+                                        <p:tgtEl>
+                                          <p:spTgt spid="267">
+                                            <p:txEl>
+                                              <p:pRg st="1" end="1"/>
+                                            </p:txEl>
+                                          </p:spTgt>
+                                        </p:tgtEl>
+                                        <p:attrNameLst>
+                                          <p:attrName>style.visibility</p:attrName>
+                                        </p:attrNameLst>
+                                      </p:cBhvr>
+                                      <p:to>
+                                        <p:strVal val="visible"/>
+                                      </p:to>
+                                    </p:set>
+                                    <p:anim calcmode="lin" valueType="num">
+                                      <p:cBhvr additive="repl">
+                                        <p:cTn id="13" dur="500" fill="hold"/>
+                                        <p:tgtEl>
+                                          <p:spTgt spid="267">
+                                            <p:txEl>
+                                              <p:pRg st="1" end="1"/>
+                                            </p:txEl>
+                                          </p:spTgt>
+                                        </p:tgtEl>
+                                        <p:attrNameLst>
+                                          <p:attrName>ppt_x</p:attrName>
+                                        </p:attrNameLst>
+                                      </p:cBhvr>
+                                      <p:tavLst>
+                                        <p:tav tm="0">
+                                          <p:val>
+                                            <p:strVal val="#ppt_x"/>
+                                          </p:val>
+                                        </p:tav>
+                                        <p:tav tm="100000">
+                                          <p:val>
+                                            <p:strVal val="#ppt_x"/>
+                                          </p:val>
+                                        </p:tav>
+                                      </p:tavLst>
+                                    </p:anim>
+                                    <p:anim calcmode="lin" valueType="num">
+                                      <p:cBhvr additive="repl">
+                                        <p:cTn id="14" dur="500" fill="hold"/>
+                                        <p:tgtEl>
+                                          <p:spTgt spid="267">
+                                            <p:txEl>
+                                              <p:pRg st="1" end="1"/>
+                                            </p:txEl>
+                                          </p:spTgt>
+                                        </p:tgtEl>
+                                        <p:attrNameLst>
+                                          <p:attrName>ppt_y</p:attrName>
+                                        </p:attrNameLst>
+                                      </p:cBhvr>
+                                      <p:tavLst>
+                                        <p:tav tm="0">
+                                          <p:val>
+                                            <p:strVal val="1+#ppt_h/2"/>
+                                          </p:val>
+                                        </p:tav>
+                                        <p:tav tm="100000">
+                                          <p:val>
+                                            <p:strVal val="#ppt_y"/>
+                                          </p:val>
+                                        </p:tav>
+                                      </p:tavLst>
+                                    </p:anim>
+                                  </p:childTnLst>
+                                </p:cTn>
+                              </p:par>
+                            </p:childTnLst>
+                          </p:cTn>
+                        </p:par>
+                      </p:childTnLst>
+                    </p:cTn>
+                  </p:par>
+                  <p:par>
+                    <p:cTn id="15" fill="hold">
+                      <p:stCondLst>
+                        <p:cond delay="indefinite"/>
+                      </p:stCondLst>
+                      <p:childTnLst>
+                        <p:par>
+                          <p:cTn id="16" fill="hold">
+                            <p:stCondLst>
+                              <p:cond delay="0"/>
+                            </p:stCondLst>
+                            <p:childTnLst>
+                              <p:par>
+                                <p:cTn id="17" nodeType="clickEffect" fill="hold" presetClass="entr" presetID="2" presetSubtype="4">
+                                  <p:stCondLst>
+                                    <p:cond delay="0"/>
+                                  </p:stCondLst>
+                                  <p:childTnLst>
+                                    <p:set>
+                                      <p:cBhvr>
+                                        <p:cTn id="18" dur="1" fill="hold">
+                                          <p:stCondLst>
+                                            <p:cond delay="0"/>
+                                          </p:stCondLst>
+                                        </p:cTn>
+                                        <p:tgtEl>
+                                          <p:spTgt spid="267">
+                                            <p:txEl>
+                                              <p:pRg st="2" end="2"/>
+                                            </p:txEl>
+                                          </p:spTgt>
+                                        </p:tgtEl>
+                                        <p:attrNameLst>
+                                          <p:attrName>style.visibility</p:attrName>
+                                        </p:attrNameLst>
+                                      </p:cBhvr>
+                                      <p:to>
+                                        <p:strVal val="visible"/>
+                                      </p:to>
+                                    </p:set>
+                                    <p:anim calcmode="lin" valueType="num">
+                                      <p:cBhvr additive="repl">
+                                        <p:cTn id="19" dur="500" fill="hold"/>
+                                        <p:tgtEl>
+                                          <p:spTgt spid="267">
+                                            <p:txEl>
+                                              <p:pRg st="2" end="2"/>
+                                            </p:txEl>
+                                          </p:spTgt>
+                                        </p:tgtEl>
+                                        <p:attrNameLst>
+                                          <p:attrName>ppt_x</p:attrName>
+                                        </p:attrNameLst>
+                                      </p:cBhvr>
+                                      <p:tavLst>
+                                        <p:tav tm="0">
+                                          <p:val>
+                                            <p:strVal val="#ppt_x"/>
+                                          </p:val>
+                                        </p:tav>
+                                        <p:tav tm="100000">
+                                          <p:val>
+                                            <p:strVal val="#ppt_x"/>
+                                          </p:val>
+                                        </p:tav>
+                                      </p:tavLst>
+                                    </p:anim>
+                                    <p:anim calcmode="lin" valueType="num">
+                                      <p:cBhvr additive="repl">
+                                        <p:cTn id="20" dur="500" fill="hold"/>
+                                        <p:tgtEl>
+                                          <p:spTgt spid="267">
+                                            <p:txEl>
+                                              <p:pRg st="2" end="2"/>
+                                            </p:txEl>
+                                          </p:spTgt>
+                                        </p:tgtEl>
+                                        <p:attrNameLst>
+                                          <p:attrName>ppt_y</p:attrName>
+                                        </p:attrNameLst>
+                                      </p:cBhvr>
+                                      <p:tavLst>
+                                        <p:tav tm="0">
+                                          <p:val>
+                                            <p:strVal val="1+#ppt_h/2"/>
+                                          </p:val>
+                                        </p:tav>
+                                        <p:tav tm="100000">
+                                          <p:val>
+                                            <p:strVal val="#ppt_y"/>
+                                          </p:val>
+                                        </p:tav>
+                                      </p:tavLst>
+                                    </p:anim>
+                                  </p:childTnLst>
+                                </p:cTn>
+                              </p:par>
+                            </p:childTnLst>
+                          </p:cTn>
+                        </p:par>
+                      </p:childTnLst>
+                    </p:cTn>
+                  </p:par>
+                  <p:par>
+                    <p:cTn id="21" fill="hold">
+                      <p:stCondLst>
+                        <p:cond delay="indefinite"/>
+                      </p:stCondLst>
+                      <p:childTnLst>
+                        <p:par>
+                          <p:cTn id="22" fill="hold">
+                            <p:stCondLst>
+                              <p:cond delay="0"/>
+                            </p:stCondLst>
+                            <p:childTnLst>
+                              <p:par>
+                                <p:cTn id="23" nodeType="clickEffect" fill="hold" presetClass="entr" presetID="2" presetSubtype="4">
+                                  <p:stCondLst>
+                                    <p:cond delay="0"/>
+                                  </p:stCondLst>
+                                  <p:childTnLst>
+                                    <p:set>
+                                      <p:cBhvr>
+                                        <p:cTn id="24" dur="1" fill="hold">
+                                          <p:stCondLst>
+                                            <p:cond delay="0"/>
+                                          </p:stCondLst>
+                                        </p:cTn>
+                                        <p:tgtEl>
+                                          <p:spTgt spid="267">
+                                            <p:txEl>
+                                              <p:pRg st="3" end="3"/>
+                                            </p:txEl>
+                                          </p:spTgt>
+                                        </p:tgtEl>
+                                        <p:attrNameLst>
+                                          <p:attrName>style.visibility</p:attrName>
+                                        </p:attrNameLst>
+                                      </p:cBhvr>
+                                      <p:to>
+                                        <p:strVal val="visible"/>
+                                      </p:to>
+                                    </p:set>
+                                    <p:anim calcmode="lin" valueType="num">
+                                      <p:cBhvr additive="repl">
+                                        <p:cTn id="25" dur="500" fill="hold"/>
+                                        <p:tgtEl>
+                                          <p:spTgt spid="267">
+                                            <p:txEl>
+                                              <p:pRg st="3" end="3"/>
+                                            </p:txEl>
+                                          </p:spTgt>
+                                        </p:tgtEl>
+                                        <p:attrNameLst>
+                                          <p:attrName>ppt_x</p:attrName>
+                                        </p:attrNameLst>
+                                      </p:cBhvr>
+                                      <p:tavLst>
+                                        <p:tav tm="0">
+                                          <p:val>
+                                            <p:strVal val="#ppt_x"/>
+                                          </p:val>
+                                        </p:tav>
+                                        <p:tav tm="100000">
+                                          <p:val>
+                                            <p:strVal val="#ppt_x"/>
+                                          </p:val>
+                                        </p:tav>
+                                      </p:tavLst>
+                                    </p:anim>
+                                    <p:anim calcmode="lin" valueType="num">
+                                      <p:cBhvr additive="repl">
+                                        <p:cTn id="26" dur="500" fill="hold"/>
+                                        <p:tgtEl>
+                                          <p:spTgt spid="267">
+                                            <p:txEl>
+                                              <p:pRg st="3" end="3"/>
+                                            </p:txEl>
+                                          </p:spTgt>
+                                        </p:tgtEl>
+                                        <p:attrNameLst>
+                                          <p:attrName>ppt_y</p:attrName>
+                                        </p:attrNameLst>
+                                      </p:cBhvr>
+                                      <p:tavLst>
+                                        <p:tav tm="0">
+                                          <p:val>
+                                            <p:strVal val="1+#ppt_h/2"/>
+                                          </p:val>
+                                        </p:tav>
+                                        <p:tav tm="100000">
+                                          <p:val>
+                                            <p:strVal val="#ppt_y"/>
+                                          </p:val>
+                                        </p:tav>
+                                      </p:tavLst>
+                                    </p:anim>
+                                  </p:childTnLst>
+                                </p:cTn>
+                              </p:par>
+                            </p:childTnLst>
+                          </p:cTn>
+                        </p:par>
+                      </p:childTnLst>
+                    </p:cTn>
+                  </p:par>
+                  <p:par>
+                    <p:cTn id="27" fill="hold">
+                      <p:stCondLst>
+                        <p:cond delay="indefinite"/>
+                      </p:stCondLst>
+                      <p:childTnLst>
+                        <p:par>
+                          <p:cTn id="28" fill="hold">
+                            <p:stCondLst>
+                              <p:cond delay="0"/>
+                            </p:stCondLst>
+                            <p:childTnLst>
+                              <p:par>
+                                <p:cTn id="29" nodeType="clickEffect" fill="hold" presetClass="entr" presetID="2" presetSubtype="4">
+                                  <p:stCondLst>
+                                    <p:cond delay="0"/>
+                                  </p:stCondLst>
+                                  <p:childTnLst>
+                                    <p:set>
+                                      <p:cBhvr>
+                                        <p:cTn id="30" dur="1" fill="hold">
+                                          <p:stCondLst>
+                                            <p:cond delay="0"/>
+                                          </p:stCondLst>
+                                        </p:cTn>
+                                        <p:tgtEl>
+                                          <p:spTgt spid="267">
+                                            <p:txEl>
+                                              <p:pRg st="4" end="4"/>
+                                            </p:txEl>
+                                          </p:spTgt>
+                                        </p:tgtEl>
+                                        <p:attrNameLst>
+                                          <p:attrName>style.visibility</p:attrName>
+                                        </p:attrNameLst>
+                                      </p:cBhvr>
+                                      <p:to>
+                                        <p:strVal val="visible"/>
+                                      </p:to>
+                                    </p:set>
+                                    <p:anim calcmode="lin" valueType="num">
+                                      <p:cBhvr additive="repl">
+                                        <p:cTn id="31" dur="500" fill="hold"/>
+                                        <p:tgtEl>
+                                          <p:spTgt spid="267">
+                                            <p:txEl>
+                                              <p:pRg st="4" end="4"/>
+                                            </p:txEl>
+                                          </p:spTgt>
+                                        </p:tgtEl>
+                                        <p:attrNameLst>
+                                          <p:attrName>ppt_x</p:attrName>
+                                        </p:attrNameLst>
+                                      </p:cBhvr>
+                                      <p:tavLst>
+                                        <p:tav tm="0">
+                                          <p:val>
+                                            <p:strVal val="#ppt_x"/>
+                                          </p:val>
+                                        </p:tav>
+                                        <p:tav tm="100000">
+                                          <p:val>
+                                            <p:strVal val="#ppt_x"/>
+                                          </p:val>
+                                        </p:tav>
+                                      </p:tavLst>
+                                    </p:anim>
+                                    <p:anim calcmode="lin" valueType="num">
+                                      <p:cBhvr additive="repl">
+                                        <p:cTn id="32" dur="500" fill="hold"/>
+                                        <p:tgtEl>
+                                          <p:spTgt spid="267">
+                                            <p:txEl>
+                                              <p:pRg st="4" end="4"/>
+                                            </p:txEl>
+                                          </p:spTgt>
+                                        </p:tgtEl>
+                                        <p:attrNameLst>
+                                          <p:attrName>ppt_y</p:attrName>
+                                        </p:attrNameLst>
+                                      </p:cBhvr>
+                                      <p:tavLst>
+                                        <p:tav tm="0">
+                                          <p:val>
+                                            <p:strVal val="1+#ppt_h/2"/>
+                                          </p:val>
+                                        </p:tav>
+                                        <p:tav tm="100000">
+                                          <p:val>
+                                            <p:strVal val="#ppt_y"/>
+                                          </p:val>
+                                        </p:tav>
+                                      </p:tavLst>
+                                    </p:anim>
+                                  </p:childTnLst>
+                                </p:cTn>
+                              </p:par>
+                            </p:childTnLst>
+                          </p:cTn>
+                        </p:par>
+                      </p:childTnLst>
+                    </p:cTn>
+                  </p:par>
+                  <p:par>
+                    <p:cTn id="33" fill="hold">
+                      <p:stCondLst>
+                        <p:cond delay="indefinite"/>
+                      </p:stCondLst>
+                      <p:childTnLst>
+                        <p:par>
+                          <p:cTn id="34" fill="hold">
+                            <p:stCondLst>
+                              <p:cond delay="0"/>
+                            </p:stCondLst>
+                            <p:childTnLst>
+                              <p:par>
+                                <p:cTn id="35" nodeType="clickEffect" fill="hold" presetClass="entr" presetID="2" presetSubtype="4">
+                                  <p:stCondLst>
+                                    <p:cond delay="0"/>
+                                  </p:stCondLst>
+                                  <p:childTnLst>
+                                    <p:set>
+                                      <p:cBhvr>
+                                        <p:cTn id="36" dur="1" fill="hold">
+                                          <p:stCondLst>
+                                            <p:cond delay="0"/>
+                                          </p:stCondLst>
+                                        </p:cTn>
+                                        <p:tgtEl>
+                                          <p:spTgt spid="267">
+                                            <p:txEl>
+                                              <p:pRg st="5" end="5"/>
+                                            </p:txEl>
+                                          </p:spTgt>
+                                        </p:tgtEl>
+                                        <p:attrNameLst>
+                                          <p:attrName>style.visibility</p:attrName>
+                                        </p:attrNameLst>
+                                      </p:cBhvr>
+                                      <p:to>
+                                        <p:strVal val="visible"/>
+                                      </p:to>
+                                    </p:set>
+                                    <p:anim calcmode="lin" valueType="num">
+                                      <p:cBhvr additive="repl">
+                                        <p:cTn id="37" dur="500" fill="hold"/>
+                                        <p:tgtEl>
+                                          <p:spTgt spid="267">
+                                            <p:txEl>
+                                              <p:pRg st="5" end="5"/>
+                                            </p:txEl>
+                                          </p:spTgt>
+                                        </p:tgtEl>
+                                        <p:attrNameLst>
+                                          <p:attrName>ppt_x</p:attrName>
+                                        </p:attrNameLst>
+                                      </p:cBhvr>
+                                      <p:tavLst>
+                                        <p:tav tm="0">
+                                          <p:val>
+                                            <p:strVal val="#ppt_x"/>
+                                          </p:val>
+                                        </p:tav>
+                                        <p:tav tm="100000">
+                                          <p:val>
+                                            <p:strVal val="#ppt_x"/>
+                                          </p:val>
+                                        </p:tav>
+                                      </p:tavLst>
+                                    </p:anim>
+                                    <p:anim calcmode="lin" valueType="num">
+                                      <p:cBhvr additive="repl">
+                                        <p:cTn id="38" dur="500" fill="hold"/>
+                                        <p:tgtEl>
+                                          <p:spTgt spid="267">
+                                            <p:txEl>
+                                              <p:pRg st="5" end="5"/>
+                                            </p:txEl>
+                                          </p:spTgt>
+                                        </p:tgtEl>
+                                        <p:attrNameLst>
+                                          <p:attrName>ppt_y</p:attrName>
+                                        </p:attrNameLst>
+                                      </p:cBhvr>
+                                      <p:tavLst>
+                                        <p:tav tm="0">
+                                          <p:val>
+                                            <p:strVal val="1+#ppt_h/2"/>
+                                          </p:val>
+                                        </p:tav>
+                                        <p:tav tm="100000">
+                                          <p:val>
+                                            <p:strVal val="#ppt_y"/>
+                                          </p:val>
+                                        </p:tav>
+                                      </p:tavLst>
+                                    </p:anim>
+                                  </p:childTnLst>
+                                </p:cTn>
+                              </p:par>
+                            </p:childTnLst>
+                          </p:cTn>
+                        </p:par>
+                      </p:childTnLst>
+                    </p:cTn>
+                  </p:par>
+                </p:childTnLst>
+              </p:cTn>
+              <p:prevCondLst>
+                <p:cond evt="onPrev">
+                  <p:tgtEl>
+                    <p:sldTgt/>
+                  </p:tgtEl>
+                </p:cond>
+              </p:prevCondLst>
+              <p:nextCondLst>
+                <p:cond evt="onNext">
+                  <p:tgtEl>
+                    <p:sldTgt/>
+                  </p:tgtEl>
+                </p:cond>
+              </p:nextCondLst>
+            </p:seq>
+          </p:childTnLst>
+        </p:cTn>
+      </p:par>
+    </p:tnLst>
+  </p:timing>
 </p:sld>
 </file>
 
@@ -27239,562 +27249,206 @@
           </a:graphicData>
         </a:graphic>
       </p:graphicFrame>
-      <p:grpSp>
-        <p:nvGrpSpPr>
-          <p:cNvPr id="343" name="status-ok"/>
-          <p:cNvGrpSpPr/>
+      <p:sp>
+        <p:nvSpPr>
+          <p:cNvPr id="343" name="trend-arrow-up"/>
+          <p:cNvSpPr/>
           <p:nvPr/>
-        </p:nvGrpSpPr>
-        <p:grpSpPr>
+        </p:nvSpPr>
+        <p:spPr>
           <a:xfrm>
-            <a:off x="11209680" y="2800080"/>
-            <a:ext cx="390600" cy="404280"/>
-            <a:chOff x="11209680" y="2800080"/>
-            <a:chExt cx="390600" cy="404280"/>
+            <a:off x="11211840" y="2787120"/>
+            <a:ext cx="393120" cy="393120"/>
           </a:xfrm>
-        </p:grpSpPr>
-        <p:sp>
-          <p:nvSpPr>
-            <p:cNvPr id="344" name=""/>
-            <p:cNvSpPr/>
-            <p:nvPr/>
-          </p:nvSpPr>
-          <p:spPr>
-            <a:xfrm>
-              <a:off x="11209680" y="2800080"/>
-              <a:ext cx="390600" cy="404280"/>
-            </a:xfrm>
-            <a:prstGeom prst="ellipse">
-              <a:avLst/>
-            </a:prstGeom>
+          <a:prstGeom prst="upArrow">
+            <a:avLst>
+              <a:gd name="adj1" fmla="val 50898"/>
+              <a:gd name="adj2" fmla="val 47705"/>
+            </a:avLst>
+          </a:prstGeom>
+          <a:solidFill>
+            <a:srgbClr val="77bc65"/>
+          </a:solidFill>
+          <a:ln w="6480">
             <a:solidFill>
-              <a:srgbClr val="3faf46"/>
+              <a:srgbClr val="069a2e"/>
             </a:solidFill>
-            <a:ln cap="rnd" w="10080">
-              <a:solidFill>
-                <a:srgbClr val="3faf46"/>
-              </a:solidFill>
-              <a:round/>
-            </a:ln>
-          </p:spPr>
-          <p:style>
-            <a:lnRef idx="0"/>
-            <a:fillRef idx="0"/>
-            <a:effectRef idx="0"/>
-            <a:fontRef idx="minor"/>
-          </p:style>
-          <p:txBody>
-            <a:bodyPr lIns="95040" rIns="95040" tIns="50040" bIns="50040" anchor="ctr">
-              <a:noAutofit/>
-            </a:bodyPr>
-            <a:p>
-              <a:endParaRPr b="0" lang="de-AT" sz="1800" strike="noStrike" u="sng">
-                <a:solidFill>
-                  <a:srgbClr val="ffffff"/>
-                </a:solidFill>
-                <a:effectLst/>
-                <a:uFillTx/>
-                <a:latin typeface="Arial"/>
-                <a:ea typeface="Microsoft YaHei"/>
-              </a:endParaRPr>
-            </a:p>
-          </p:txBody>
-        </p:sp>
-        <p:sp>
-          <p:nvSpPr>
-            <p:cNvPr id="345" name=""/>
-            <p:cNvSpPr/>
-            <p:nvPr/>
-          </p:nvSpPr>
-          <p:spPr>
-            <a:xfrm>
-              <a:off x="11311200" y="2928600"/>
-              <a:ext cx="187560" cy="147960"/>
-            </a:xfrm>
-            <a:custGeom>
-              <a:avLst/>
-              <a:gdLst/>
-              <a:ahLst/>
-              <a:rect l="0" t="0" r="r" b="b"/>
-              <a:pathLst>
-                <a:path fill="none" w="521" h="411">
-                  <a:moveTo>
-                    <a:pt x="0" y="229"/>
-                  </a:moveTo>
-                  <a:lnTo>
-                    <a:pt x="178" y="411"/>
-                  </a:lnTo>
-                  <a:lnTo>
-                    <a:pt x="521" y="0"/>
-                  </a:lnTo>
-                </a:path>
-              </a:pathLst>
-            </a:custGeom>
-            <a:ln cap="rnd" w="19080">
+            <a:round/>
+          </a:ln>
+        </p:spPr>
+        <p:style>
+          <a:lnRef idx="0"/>
+          <a:fillRef idx="0"/>
+          <a:effectRef idx="0"/>
+          <a:fontRef idx="minor"/>
+        </p:style>
+        <p:txBody>
+          <a:bodyPr lIns="93240" rIns="93240" tIns="48240" bIns="48240" anchor="ctr">
+            <a:noAutofit/>
+          </a:bodyPr>
+          <a:p>
+            <a:endParaRPr b="0" lang="de-AT" sz="1200" strike="noStrike" u="none">
+              <a:solidFill>
+                <a:srgbClr val="000000"/>
+              </a:solidFill>
+              <a:effectLst/>
+              <a:uFillTx/>
+              <a:latin typeface="Arial"/>
+              <a:ea typeface="Microsoft YaHei"/>
+            </a:endParaRPr>
+          </a:p>
+        </p:txBody>
+      </p:sp>
+      <p:sp>
+        <p:nvSpPr>
+          <p:cNvPr id="344" name="trend-arrow-right"/>
+          <p:cNvSpPr/>
+          <p:nvPr/>
+        </p:nvSpPr>
+        <p:spPr>
+          <a:xfrm>
+            <a:off x="11210400" y="3567240"/>
+            <a:ext cx="393120" cy="393120"/>
+          </a:xfrm>
+          <a:prstGeom prst="rightArrow">
+            <a:avLst>
+              <a:gd name="adj1" fmla="val 58483"/>
+              <a:gd name="adj2" fmla="val 45309"/>
+            </a:avLst>
+          </a:prstGeom>
+          <a:solidFill>
+            <a:srgbClr val="ffde59"/>
+          </a:solidFill>
+          <a:ln w="6480">
+            <a:solidFill>
+              <a:srgbClr val="e8a202"/>
+            </a:solidFill>
+            <a:round/>
+          </a:ln>
+        </p:spPr>
+        <p:style>
+          <a:lnRef idx="0"/>
+          <a:fillRef idx="0"/>
+          <a:effectRef idx="0"/>
+          <a:fontRef idx="minor"/>
+        </p:style>
+        <p:txBody>
+          <a:bodyPr lIns="93240" rIns="93240" tIns="48240" bIns="48240" anchor="ctr">
+            <a:noAutofit/>
+          </a:bodyPr>
+          <a:p>
+            <a:endParaRPr b="0" lang="de-AT" sz="1200" strike="noStrike" u="none">
+              <a:solidFill>
+                <a:srgbClr val="000000"/>
+              </a:solidFill>
+              <a:effectLst/>
+              <a:uFillTx/>
+              <a:latin typeface="Arial"/>
+              <a:ea typeface="Microsoft YaHei"/>
+            </a:endParaRPr>
+          </a:p>
+        </p:txBody>
+      </p:sp>
+      <p:sp>
+        <p:nvSpPr>
+          <p:cNvPr id="345" name="trend-arrow-right 1"/>
+          <p:cNvSpPr/>
+          <p:nvPr/>
+        </p:nvSpPr>
+        <p:spPr>
+          <a:xfrm>
+            <a:off x="11210400" y="4344480"/>
+            <a:ext cx="393120" cy="393120"/>
+          </a:xfrm>
+          <a:prstGeom prst="rightArrow">
+            <a:avLst>
+              <a:gd name="adj1" fmla="val 58483"/>
+              <a:gd name="adj2" fmla="val 45309"/>
+            </a:avLst>
+          </a:prstGeom>
+          <a:solidFill>
+            <a:srgbClr val="ffde59"/>
+          </a:solidFill>
+          <a:ln w="6480">
+            <a:solidFill>
+              <a:srgbClr val="e8a202"/>
+            </a:solidFill>
+            <a:round/>
+          </a:ln>
+        </p:spPr>
+        <p:style>
+          <a:lnRef idx="0"/>
+          <a:fillRef idx="0"/>
+          <a:effectRef idx="0"/>
+          <a:fontRef idx="minor"/>
+        </p:style>
+        <p:txBody>
+          <a:bodyPr lIns="93240" rIns="93240" tIns="48240" bIns="48240" anchor="ctr">
+            <a:noAutofit/>
+          </a:bodyPr>
+          <a:p>
+            <a:endParaRPr b="0" lang="de-AT" sz="1200" strike="noStrike" u="none">
+              <a:solidFill>
+                <a:srgbClr val="000000"/>
+              </a:solidFill>
+              <a:effectLst/>
+              <a:uFillTx/>
+              <a:latin typeface="Arial"/>
+              <a:ea typeface="Microsoft YaHei"/>
+            </a:endParaRPr>
+          </a:p>
+        </p:txBody>
+      </p:sp>
+      <p:sp>
+        <p:nvSpPr>
+          <p:cNvPr id="346" name="trend-arrow-down"/>
+          <p:cNvSpPr/>
+          <p:nvPr/>
+        </p:nvSpPr>
+        <p:spPr>
+          <a:xfrm>
+            <a:off x="11212200" y="5153760"/>
+            <a:ext cx="393120" cy="393120"/>
+          </a:xfrm>
+          <a:prstGeom prst="downArrow">
+            <a:avLst>
+              <a:gd name="adj1" fmla="val 42515"/>
+              <a:gd name="adj2" fmla="val 47106"/>
+            </a:avLst>
+          </a:prstGeom>
+          <a:solidFill>
+            <a:srgbClr val="ff6d6d"/>
+          </a:solidFill>
+          <a:ln w="6480">
+            <a:solidFill>
+              <a:srgbClr val="f10d0c"/>
+            </a:solidFill>
+            <a:round/>
+          </a:ln>
+        </p:spPr>
+        <p:style>
+          <a:lnRef idx="0"/>
+          <a:fillRef idx="0"/>
+          <a:effectRef idx="0"/>
+          <a:fontRef idx="minor"/>
+        </p:style>
+        <p:txBody>
+          <a:bodyPr lIns="93240" rIns="93240" tIns="48240" bIns="48240" anchor="ctr">
+            <a:noAutofit/>
+          </a:bodyPr>
+          <a:p>
+            <a:endParaRPr b="0" lang="de-AT" sz="1200" strike="noStrike" u="none">
               <a:solidFill>
                 <a:srgbClr val="ffffff"/>
               </a:solidFill>
-              <a:round/>
-            </a:ln>
-          </p:spPr>
-          <p:txBody>
-            <a:bodyPr lIns="99360" rIns="99360" tIns="54360" bIns="54360" anchor="ctr" anchorCtr="1">
-              <a:noAutofit/>
-            </a:bodyPr>
-            <a:p>
-              <a:endParaRPr b="0" lang="de-AT" sz="1800" strike="noStrike" u="none">
-                <a:solidFill>
-                  <a:srgbClr val="000000"/>
-                </a:solidFill>
-                <a:effectLst/>
-                <a:uFillTx/>
-                <a:latin typeface="Arial"/>
-                <a:ea typeface="Microsoft YaHei"/>
-              </a:endParaRPr>
-            </a:p>
-          </p:txBody>
-        </p:sp>
-      </p:grpSp>
-      <p:grpSp>
-        <p:nvGrpSpPr>
-          <p:cNvPr id="346" name="status-error"/>
-          <p:cNvGrpSpPr/>
-          <p:nvPr/>
-        </p:nvGrpSpPr>
-        <p:grpSpPr>
-          <a:xfrm>
-            <a:off x="11211120" y="5114160"/>
-            <a:ext cx="393120" cy="420480"/>
-            <a:chOff x="11211120" y="5114160"/>
-            <a:chExt cx="393120" cy="420480"/>
-          </a:xfrm>
-        </p:grpSpPr>
-        <p:sp>
-          <p:nvSpPr>
-            <p:cNvPr id="347" name=""/>
-            <p:cNvSpPr/>
-            <p:nvPr/>
-          </p:nvSpPr>
-          <p:spPr>
-            <a:xfrm>
-              <a:off x="11211120" y="5114160"/>
-              <a:ext cx="393120" cy="420480"/>
-            </a:xfrm>
-            <a:prstGeom prst="ellipse">
-              <a:avLst/>
-            </a:prstGeom>
-            <a:solidFill>
-              <a:srgbClr val="ff3838"/>
-            </a:solidFill>
-            <a:ln w="10080">
-              <a:solidFill>
-                <a:srgbClr val="ff3838"/>
-              </a:solidFill>
-              <a:round/>
-            </a:ln>
-          </p:spPr>
-          <p:style>
-            <a:lnRef idx="0"/>
-            <a:fillRef idx="0"/>
-            <a:effectRef idx="0"/>
-            <a:fontRef idx="minor"/>
-          </p:style>
-          <p:txBody>
-            <a:bodyPr lIns="95040" rIns="95040" tIns="50040" bIns="50040" anchor="ctr">
-              <a:noAutofit/>
-            </a:bodyPr>
-            <a:p>
-              <a:endParaRPr b="0" lang="de-AT" sz="1800" strike="noStrike" u="sng">
-                <a:solidFill>
-                  <a:srgbClr val="ffffff"/>
-                </a:solidFill>
-                <a:effectLst/>
-                <a:uFillTx/>
-                <a:latin typeface="Arial"/>
-                <a:ea typeface="Microsoft YaHei"/>
-              </a:endParaRPr>
-            </a:p>
-          </p:txBody>
-        </p:sp>
-        <p:sp>
-          <p:nvSpPr>
-            <p:cNvPr id="348" name=""/>
-            <p:cNvSpPr/>
-            <p:nvPr/>
-          </p:nvSpPr>
-          <p:spPr>
-            <a:xfrm>
-              <a:off x="11306880" y="5216400"/>
-              <a:ext cx="201600" cy="216000"/>
-            </a:xfrm>
-            <a:custGeom>
-              <a:avLst/>
-              <a:gdLst/>
-              <a:ahLst/>
-              <a:rect l="0" t="0" r="r" b="b"/>
-              <a:pathLst>
-                <a:path fill="none" w="560" h="600">
-                  <a:moveTo>
-                    <a:pt x="0" y="600"/>
-                  </a:moveTo>
-                  <a:cubicBezTo>
-                    <a:pt x="186" y="399"/>
-                    <a:pt x="373" y="203"/>
-                    <a:pt x="560" y="0"/>
-                  </a:cubicBezTo>
-                </a:path>
-              </a:pathLst>
-            </a:custGeom>
-            <a:ln cap="rnd" w="19080">
-              <a:solidFill>
-                <a:srgbClr val="ffffff"/>
-              </a:solidFill>
-              <a:round/>
-            </a:ln>
-          </p:spPr>
-          <p:txBody>
-            <a:bodyPr lIns="99360" rIns="99360" tIns="54360" bIns="54360" anchor="ctr" anchorCtr="1">
-              <a:noAutofit/>
-            </a:bodyPr>
-            <a:p>
-              <a:endParaRPr b="0" lang="de-AT" sz="1800" strike="noStrike" u="none">
-                <a:solidFill>
-                  <a:srgbClr val="000000"/>
-                </a:solidFill>
-                <a:effectLst/>
-                <a:uFillTx/>
-                <a:latin typeface="Arial"/>
-                <a:ea typeface="Microsoft YaHei"/>
-              </a:endParaRPr>
-            </a:p>
-          </p:txBody>
-        </p:sp>
-        <p:sp>
-          <p:nvSpPr>
-            <p:cNvPr id="349" name=""/>
-            <p:cNvSpPr/>
-            <p:nvPr/>
-          </p:nvSpPr>
-          <p:spPr>
-            <a:xfrm>
-              <a:off x="11306880" y="5216400"/>
-              <a:ext cx="201600" cy="216000"/>
-            </a:xfrm>
-            <a:custGeom>
-              <a:avLst/>
-              <a:gdLst/>
-              <a:ahLst/>
-              <a:rect l="0" t="0" r="r" b="b"/>
-              <a:pathLst>
-                <a:path fill="none" w="560" h="600">
-                  <a:moveTo>
-                    <a:pt x="560" y="600"/>
-                  </a:moveTo>
-                  <a:cubicBezTo>
-                    <a:pt x="373" y="400"/>
-                    <a:pt x="188" y="202"/>
-                    <a:pt x="0" y="0"/>
-                  </a:cubicBezTo>
-                </a:path>
-              </a:pathLst>
-            </a:custGeom>
-            <a:ln cap="rnd" w="19080">
-              <a:solidFill>
-                <a:srgbClr val="ffffff"/>
-              </a:solidFill>
-              <a:round/>
-            </a:ln>
-          </p:spPr>
-          <p:txBody>
-            <a:bodyPr lIns="99360" rIns="99360" tIns="54360" bIns="54360" anchor="ctr" anchorCtr="1">
-              <a:noAutofit/>
-            </a:bodyPr>
-            <a:p>
-              <a:endParaRPr b="0" lang="de-AT" sz="1800" strike="noStrike" u="none">
-                <a:solidFill>
-                  <a:srgbClr val="000000"/>
-                </a:solidFill>
-                <a:effectLst/>
-                <a:uFillTx/>
-                <a:latin typeface="Arial"/>
-                <a:ea typeface="Microsoft YaHei"/>
-              </a:endParaRPr>
-            </a:p>
-          </p:txBody>
-        </p:sp>
-      </p:grpSp>
-      <p:grpSp>
-        <p:nvGrpSpPr>
-          <p:cNvPr id="350" name="checkbox-3rd-state"/>
-          <p:cNvGrpSpPr/>
-          <p:nvPr/>
-        </p:nvGrpSpPr>
-        <p:grpSpPr>
-          <a:xfrm>
-            <a:off x="11215440" y="4335840"/>
-            <a:ext cx="393120" cy="411480"/>
-            <a:chOff x="11215440" y="4335840"/>
-            <a:chExt cx="393120" cy="411480"/>
-          </a:xfrm>
-        </p:grpSpPr>
-        <p:sp>
-          <p:nvSpPr>
-            <p:cNvPr id="351" name=""/>
-            <p:cNvSpPr/>
-            <p:nvPr/>
-          </p:nvSpPr>
-          <p:spPr>
-            <a:xfrm>
-              <a:off x="11215440" y="4335840"/>
-              <a:ext cx="393120" cy="411480"/>
-            </a:xfrm>
-            <a:custGeom>
-              <a:avLst/>
-              <a:gdLst>
-                <a:gd name="textAreaLeft" fmla="*/ 19080 w 393120"/>
-                <a:gd name="textAreaRight" fmla="*/ 374040 w 393120"/>
-                <a:gd name="textAreaTop" fmla="*/ 19080 h 411480"/>
-                <a:gd name="textAreaBottom" fmla="*/ 392400 h 411480"/>
-              </a:gdLst>
-              <a:ahLst/>
-              <a:cxnLst/>
-              <a:rect l="textAreaLeft" t="textAreaTop" r="textAreaRight" b="textAreaBottom"/>
-              <a:pathLst>
-                <a:path w="21600" h="22608">
-                  <a:moveTo>
-                    <a:pt x="3600" y="0"/>
-                  </a:moveTo>
-                  <a:arcTo wR="3600" hR="3600" stAng="16200000" swAng="-5400000"/>
-                  <a:lnTo>
-                    <a:pt x="0" y="19008"/>
-                  </a:lnTo>
-                  <a:arcTo wR="3600" hR="3600" stAng="10800000" swAng="-5400000"/>
-                  <a:lnTo>
-                    <a:pt x="18000" y="22608"/>
-                  </a:lnTo>
-                  <a:arcTo wR="3600" hR="3600" stAng="5400000" swAng="-5400000"/>
-                  <a:lnTo>
-                    <a:pt x="21600" y="3600"/>
-                  </a:lnTo>
-                  <a:arcTo wR="3600" hR="3600" stAng="0" swAng="-5400000"/>
-                  <a:close/>
-                </a:path>
-              </a:pathLst>
-            </a:custGeom>
-            <a:solidFill>
-              <a:srgbClr val="5983b0"/>
-            </a:solidFill>
-            <a:ln w="12600">
-              <a:solidFill>
-                <a:srgbClr val="5983b0"/>
-              </a:solidFill>
-              <a:round/>
-            </a:ln>
-          </p:spPr>
-          <p:style>
-            <a:lnRef idx="0"/>
-            <a:fillRef idx="0"/>
-            <a:effectRef idx="0"/>
-            <a:fontRef idx="minor"/>
-          </p:style>
-          <p:txBody>
-            <a:bodyPr lIns="96120" rIns="96120" tIns="51120" bIns="51120" anchor="ctr">
-              <a:noAutofit/>
-            </a:bodyPr>
-            <a:p>
-              <a:endParaRPr b="0" lang="de-AT" sz="1800" strike="noStrike" u="none">
-                <a:solidFill>
-                  <a:srgbClr val="ffffff"/>
-                </a:solidFill>
-                <a:effectLst/>
-                <a:uFillTx/>
-                <a:latin typeface="Arial"/>
-                <a:ea typeface="Microsoft YaHei"/>
-              </a:endParaRPr>
-            </a:p>
-          </p:txBody>
-        </p:sp>
-        <p:sp>
-          <p:nvSpPr>
-            <p:cNvPr id="352" name=""/>
-            <p:cNvSpPr/>
-            <p:nvPr/>
-          </p:nvSpPr>
-          <p:spPr>
-            <a:xfrm>
-              <a:off x="11316240" y="4541760"/>
-              <a:ext cx="193320" cy="0"/>
-            </a:xfrm>
-            <a:prstGeom prst="line">
-              <a:avLst/>
-            </a:prstGeom>
-            <a:ln cap="rnd" w="19080">
-              <a:solidFill>
-                <a:srgbClr val="ffffff"/>
-              </a:solidFill>
-              <a:round/>
-            </a:ln>
-          </p:spPr>
-          <p:style>
-            <a:lnRef idx="0"/>
-            <a:fillRef idx="0"/>
-            <a:effectRef idx="0"/>
-            <a:fontRef idx="minor"/>
-          </p:style>
-          <p:txBody>
-            <a:bodyPr lIns="99360" rIns="99360" tIns="-54360" bIns="-54360" anchor="ctr" anchorCtr="1">
-              <a:noAutofit/>
-            </a:bodyPr>
-            <a:p>
-              <a:endParaRPr b="0" lang="de-AT" sz="1800" strike="noStrike" u="none">
-                <a:solidFill>
-                  <a:srgbClr val="000000"/>
-                </a:solidFill>
-                <a:effectLst/>
-                <a:uFillTx/>
-                <a:latin typeface="Arial"/>
-                <a:ea typeface="Microsoft YaHei"/>
-              </a:endParaRPr>
-            </a:p>
-          </p:txBody>
-        </p:sp>
-      </p:grpSp>
-      <p:grpSp>
-        <p:nvGrpSpPr>
-          <p:cNvPr id="353" name="checkbox-3rd-state 1"/>
-          <p:cNvGrpSpPr/>
-          <p:nvPr/>
-        </p:nvGrpSpPr>
-        <p:grpSpPr>
-          <a:xfrm>
-            <a:off x="11215800" y="3580200"/>
-            <a:ext cx="393120" cy="411480"/>
-            <a:chOff x="11215800" y="3580200"/>
-            <a:chExt cx="393120" cy="411480"/>
-          </a:xfrm>
-        </p:grpSpPr>
-        <p:sp>
-          <p:nvSpPr>
-            <p:cNvPr id="354" name=""/>
-            <p:cNvSpPr/>
-            <p:nvPr/>
-          </p:nvSpPr>
-          <p:spPr>
-            <a:xfrm>
-              <a:off x="11215800" y="3580200"/>
-              <a:ext cx="393120" cy="411480"/>
-            </a:xfrm>
-            <a:custGeom>
-              <a:avLst/>
-              <a:gdLst>
-                <a:gd name="textAreaLeft" fmla="*/ 19080 w 393120"/>
-                <a:gd name="textAreaRight" fmla="*/ 374040 w 393120"/>
-                <a:gd name="textAreaTop" fmla="*/ 19080 h 411480"/>
-                <a:gd name="textAreaBottom" fmla="*/ 392400 h 411480"/>
-              </a:gdLst>
-              <a:ahLst/>
-              <a:cxnLst/>
-              <a:rect l="textAreaLeft" t="textAreaTop" r="textAreaRight" b="textAreaBottom"/>
-              <a:pathLst>
-                <a:path w="21600" h="22608">
-                  <a:moveTo>
-                    <a:pt x="3600" y="0"/>
-                  </a:moveTo>
-                  <a:arcTo wR="3600" hR="3600" stAng="16200000" swAng="-5400000"/>
-                  <a:lnTo>
-                    <a:pt x="0" y="19008"/>
-                  </a:lnTo>
-                  <a:arcTo wR="3600" hR="3600" stAng="10800000" swAng="-5400000"/>
-                  <a:lnTo>
-                    <a:pt x="18000" y="22608"/>
-                  </a:lnTo>
-                  <a:arcTo wR="3600" hR="3600" stAng="5400000" swAng="-5400000"/>
-                  <a:lnTo>
-                    <a:pt x="21600" y="3600"/>
-                  </a:lnTo>
-                  <a:arcTo wR="3600" hR="3600" stAng="0" swAng="-5400000"/>
-                  <a:close/>
-                </a:path>
-              </a:pathLst>
-            </a:custGeom>
-            <a:solidFill>
-              <a:srgbClr val="5983b0"/>
-            </a:solidFill>
-            <a:ln w="12600">
-              <a:solidFill>
-                <a:srgbClr val="5983b0"/>
-              </a:solidFill>
-              <a:round/>
-            </a:ln>
-          </p:spPr>
-          <p:style>
-            <a:lnRef idx="0"/>
-            <a:fillRef idx="0"/>
-            <a:effectRef idx="0"/>
-            <a:fontRef idx="minor"/>
-          </p:style>
-          <p:txBody>
-            <a:bodyPr lIns="96120" rIns="96120" tIns="51120" bIns="51120" anchor="ctr">
-              <a:noAutofit/>
-            </a:bodyPr>
-            <a:p>
-              <a:endParaRPr b="0" lang="de-AT" sz="1800" strike="noStrike" u="none">
-                <a:solidFill>
-                  <a:srgbClr val="ffffff"/>
-                </a:solidFill>
-                <a:effectLst/>
-                <a:uFillTx/>
-                <a:latin typeface="Arial"/>
-                <a:ea typeface="Microsoft YaHei"/>
-              </a:endParaRPr>
-            </a:p>
-          </p:txBody>
-        </p:sp>
-        <p:sp>
-          <p:nvSpPr>
-            <p:cNvPr id="355" name=""/>
-            <p:cNvSpPr/>
-            <p:nvPr/>
-          </p:nvSpPr>
-          <p:spPr>
-            <a:xfrm>
-              <a:off x="11316600" y="3786120"/>
-              <a:ext cx="193320" cy="0"/>
-            </a:xfrm>
-            <a:prstGeom prst="line">
-              <a:avLst/>
-            </a:prstGeom>
-            <a:ln cap="rnd" w="19080">
-              <a:solidFill>
-                <a:srgbClr val="ffffff"/>
-              </a:solidFill>
-              <a:round/>
-            </a:ln>
-          </p:spPr>
-          <p:style>
-            <a:lnRef idx="0"/>
-            <a:fillRef idx="0"/>
-            <a:effectRef idx="0"/>
-            <a:fontRef idx="minor"/>
-          </p:style>
-          <p:txBody>
-            <a:bodyPr lIns="99360" rIns="99360" tIns="-54360" bIns="-54360" anchor="ctr" anchorCtr="1">
-              <a:noAutofit/>
-            </a:bodyPr>
-            <a:p>
-              <a:endParaRPr b="0" lang="de-AT" sz="1800" strike="noStrike" u="none">
-                <a:solidFill>
-                  <a:srgbClr val="000000"/>
-                </a:solidFill>
-                <a:effectLst/>
-                <a:uFillTx/>
-                <a:latin typeface="Arial"/>
-                <a:ea typeface="Microsoft YaHei"/>
-              </a:endParaRPr>
-            </a:p>
-          </p:txBody>
-        </p:sp>
-      </p:grpSp>
+              <a:effectLst/>
+              <a:uFillTx/>
+              <a:latin typeface="Arial"/>
+              <a:ea typeface="Microsoft YaHei"/>
+            </a:endParaRPr>
+          </a:p>
+        </p:txBody>
+      </p:sp>
       <p:sp>
         <p:nvSpPr>
           <p:cNvPr id="3" name="PlaceHolder 2"/>
@@ -27809,7 +27463,7 @@
         <p:txBody>
           <a:bodyPr/>
           <a:p>
-            <a:fld id="{2BFCE6B1-3650-4566-9E13-7B835F2E2BC2}" type="slidenum">
+            <a:fld id="{229C9F67-C034-481F-B738-18E7ED1CD382}" type="slidenum">
               <a:t>20</a:t>
             </a:fld>
           </a:p>
@@ -27828,32 +27482,32 @@
   <p:timing>
     <p:tnLst>
       <p:par>
-        <p:cTn id="255" dur="indefinite" restart="never" nodeType="tmRoot">
+        <p:cTn id="399" dur="indefinite" restart="never" nodeType="tmRoot">
           <p:childTnLst>
             <p:seq>
-              <p:cTn id="256" dur="indefinite" nodeType="mainSeq">
+              <p:cTn id="400" dur="indefinite" nodeType="mainSeq">
                 <p:childTnLst>
                   <p:par>
-                    <p:cTn id="257" fill="hold">
+                    <p:cTn id="401" fill="hold">
                       <p:stCondLst>
                         <p:cond delay="indefinite"/>
                       </p:stCondLst>
                       <p:childTnLst>
                         <p:par>
-                          <p:cTn id="258" fill="hold">
+                          <p:cTn id="402" fill="hold">
                             <p:stCondLst>
                               <p:cond delay="0"/>
                             </p:stCondLst>
                             <p:childTnLst>
                               <p:par>
-                                <p:cTn id="259" nodeType="clickEffect" fill="hold" presetClass="entr" presetID="1">
+                                <p:cTn id="403" nodeType="clickEffect" fill="hold" presetClass="entr" presetID="1">
                                   <p:stCondLst>
                                     <p:cond delay="0"/>
                                   </p:stCondLst>
                                   <p:childTnLst>
                                     <p:set>
                                       <p:cBhvr>
-                                        <p:cTn id="260" dur="1" fill="hold">
+                                        <p:cTn id="404" dur="1" fill="hold">
                                           <p:stCondLst>
                                             <p:cond delay="0"/>
                                           </p:stCondLst>
@@ -27879,32 +27533,32 @@
                     </p:cTn>
                   </p:par>
                   <p:par>
-                    <p:cTn id="261" fill="hold">
+                    <p:cTn id="405" fill="hold">
                       <p:stCondLst>
                         <p:cond delay="indefinite"/>
                       </p:stCondLst>
                       <p:childTnLst>
                         <p:par>
-                          <p:cTn id="262" fill="hold">
+                          <p:cTn id="406" fill="hold">
                             <p:stCondLst>
                               <p:cond delay="0"/>
                             </p:stCondLst>
                             <p:childTnLst>
                               <p:par>
-                                <p:cTn id="263" nodeType="clickEffect" fill="hold" presetClass="entr" presetID="1">
+                                <p:cTn id="407" nodeType="clickEffect" fill="hold" presetClass="entr" presetID="1">
                                   <p:stCondLst>
                                     <p:cond delay="0"/>
                                   </p:stCondLst>
                                   <p:childTnLst>
                                     <p:set>
                                       <p:cBhvr>
-                                        <p:cTn id="264" dur="1" fill="hold">
+                                        <p:cTn id="408" dur="1" fill="hold">
                                           <p:stCondLst>
                                             <p:cond delay="0"/>
                                           </p:stCondLst>
                                         </p:cTn>
                                         <p:tgtEl>
-                                          <p:spTgt spid="353"/>
+                                          <p:spTgt spid="344"/>
                                         </p:tgtEl>
                                         <p:attrNameLst>
                                           <p:attrName>style.visibility</p:attrName>
@@ -27924,32 +27578,32 @@
                     </p:cTn>
                   </p:par>
                   <p:par>
-                    <p:cTn id="265" fill="hold">
+                    <p:cTn id="409" fill="hold">
                       <p:stCondLst>
                         <p:cond delay="indefinite"/>
                       </p:stCondLst>
                       <p:childTnLst>
                         <p:par>
-                          <p:cTn id="266" fill="hold">
+                          <p:cTn id="410" fill="hold">
                             <p:stCondLst>
                               <p:cond delay="0"/>
                             </p:stCondLst>
                             <p:childTnLst>
                               <p:par>
-                                <p:cTn id="267" nodeType="clickEffect" fill="hold" presetClass="entr" presetID="1">
+                                <p:cTn id="411" nodeType="clickEffect" fill="hold" presetClass="entr" presetID="1">
                                   <p:stCondLst>
                                     <p:cond delay="0"/>
                                   </p:stCondLst>
                                   <p:childTnLst>
                                     <p:set>
                                       <p:cBhvr>
-                                        <p:cTn id="268" dur="1" fill="hold">
+                                        <p:cTn id="412" dur="1" fill="hold">
                                           <p:stCondLst>
                                             <p:cond delay="0"/>
                                           </p:stCondLst>
                                         </p:cTn>
                                         <p:tgtEl>
-                                          <p:spTgt spid="350"/>
+                                          <p:spTgt spid="345"/>
                                         </p:tgtEl>
                                         <p:attrNameLst>
                                           <p:attrName>style.visibility</p:attrName>
@@ -27969,26 +27623,26 @@
                     </p:cTn>
                   </p:par>
                   <p:par>
-                    <p:cTn id="269" fill="hold">
+                    <p:cTn id="413" fill="hold">
                       <p:stCondLst>
                         <p:cond delay="indefinite"/>
                       </p:stCondLst>
                       <p:childTnLst>
                         <p:par>
-                          <p:cTn id="270" fill="hold">
+                          <p:cTn id="414" fill="hold">
                             <p:stCondLst>
                               <p:cond delay="0"/>
                             </p:stCondLst>
                             <p:childTnLst>
                               <p:par>
-                                <p:cTn id="271" nodeType="clickEffect" fill="hold" presetClass="entr" presetID="1">
+                                <p:cTn id="415" nodeType="clickEffect" fill="hold" presetClass="entr" presetID="1">
                                   <p:stCondLst>
                                     <p:cond delay="0"/>
                                   </p:stCondLst>
                                   <p:childTnLst>
                                     <p:set>
                                       <p:cBhvr>
-                                        <p:cTn id="272" dur="1" fill="hold">
+                                        <p:cTn id="416" dur="1" fill="hold">
                                           <p:stCondLst>
                                             <p:cond delay="0"/>
                                           </p:stCondLst>
@@ -28057,7 +27711,7 @@
       </p:grpSpPr>
       <p:sp>
         <p:nvSpPr>
-          <p:cNvPr id="356" name="PlaceHolder 1"/>
+          <p:cNvPr id="347" name="PlaceHolder 1"/>
           <p:cNvSpPr>
             <a:spLocks noGrp="1"/>
           </p:cNvSpPr>
@@ -28116,7 +27770,7 @@
       </p:sp>
       <p:sp>
         <p:nvSpPr>
-          <p:cNvPr id="357" name="PlaceHolder 2"/>
+          <p:cNvPr id="348" name="PlaceHolder 2"/>
           <p:cNvSpPr>
             <a:spLocks noGrp="1"/>
           </p:cNvSpPr>
@@ -28347,7 +28001,7 @@
         <p:txBody>
           <a:bodyPr/>
           <a:p>
-            <a:fld id="{C022EFD1-DE33-43AB-9D6A-629EAC152A1C}" type="slidenum">
+            <a:fld id="{7745D629-DD44-4447-BFB9-408E764CD104}" type="slidenum">
               <a:t>21</a:t>
             </a:fld>
           </a:p>
@@ -28385,7 +28039,7 @@
       </p:grpSpPr>
       <p:sp>
         <p:nvSpPr>
-          <p:cNvPr id="358" name=""/>
+          <p:cNvPr id="349" name=""/>
           <p:cNvSpPr txBox="1"/>
           <p:nvPr/>
         </p:nvSpPr>
@@ -28439,7 +28093,7 @@
       </p:sp>
       <p:sp>
         <p:nvSpPr>
-          <p:cNvPr id="359" name=""/>
+          <p:cNvPr id="350" name=""/>
           <p:cNvSpPr txBox="1"/>
           <p:nvPr/>
         </p:nvSpPr>
@@ -28493,7 +28147,7 @@
       </p:sp>
       <p:sp>
         <p:nvSpPr>
-          <p:cNvPr id="360" name=""/>
+          <p:cNvPr id="351" name=""/>
           <p:cNvSpPr txBox="1"/>
           <p:nvPr/>
         </p:nvSpPr>
@@ -28562,7 +28216,7 @@
       </p:sp>
       <p:sp>
         <p:nvSpPr>
-          <p:cNvPr id="361" name=""/>
+          <p:cNvPr id="352" name=""/>
           <p:cNvSpPr txBox="1"/>
           <p:nvPr/>
         </p:nvSpPr>
@@ -28638,7 +28292,7 @@
         <p:txBody>
           <a:bodyPr/>
           <a:p>
-            <a:fld id="{2588D730-715C-4BDB-941A-82FB9930935F}" type="slidenum">
+            <a:fld id="{1E6AEA38-19DF-4877-9C47-602CC27D95BE}" type="slidenum">
               <a:t>22</a:t>
             </a:fld>
           </a:p>
@@ -28785,7 +28439,7 @@
                 </a:solidFill>
                 <a:effectLst/>
                 <a:uFillTx/>
-                <a:latin typeface="Sans"/>
+                <a:latin typeface="Arial"/>
               </a:rPr>
               <a:t>CRISPR = Clustered Regularly Interspaced Short Palindromic Repeats</a:t>
             </a:r>
@@ -28823,9 +28477,9 @@
                 </a:solidFill>
                 <a:effectLst/>
                 <a:uFillTx/>
-                <a:latin typeface="Sans"/>
-              </a:rPr>
-              <a:t>Adaptive immune system of bacteria and archaea</a:t>
+                <a:latin typeface="Arial"/>
+              </a:rPr>
+              <a:t>Developed by Emmanuelle Charpentier &amp; Jennifer Doudna (published in 2012)</a:t>
             </a:r>
             <a:endParaRPr b="0" lang="de-DE" sz="2000" strike="noStrike" u="none">
               <a:solidFill>
@@ -28861,9 +28515,9 @@
                 </a:solidFill>
                 <a:effectLst/>
                 <a:uFillTx/>
-                <a:latin typeface="Sans"/>
-              </a:rPr>
-              <a:t>Cas proteins (e.g., Cas9) precisely cut DNA at specific sites</a:t>
+                <a:latin typeface="Arial"/>
+              </a:rPr>
+              <a:t>Awarded the 2020 Nobel Prize in Chemistry</a:t>
             </a:r>
             <a:endParaRPr b="0" lang="de-DE" sz="2000" strike="noStrike" u="none">
               <a:solidFill>
@@ -28899,9 +28553,9 @@
                 </a:solidFill>
                 <a:effectLst/>
                 <a:uFillTx/>
-                <a:latin typeface="Sans"/>
-              </a:rPr>
-              <a:t>Enables precise genome editing (gene knockout, knock-in)</a:t>
+                <a:latin typeface="Arial"/>
+              </a:rPr>
+              <a:t>Adaptive immune system of bacteria and archaea</a:t>
             </a:r>
             <a:endParaRPr b="0" lang="de-DE" sz="2000" strike="noStrike" u="none">
               <a:solidFill>
@@ -28937,9 +28591,9 @@
                 </a:solidFill>
                 <a:effectLst/>
                 <a:uFillTx/>
-                <a:latin typeface="Sans"/>
-              </a:rPr>
-              <a:t>2020 Nobel Prize in Chemistry awarded to Emmanuelle Charpentier &amp; Jennifer Doudna for developing CRISPR-Cas9</a:t>
+                <a:latin typeface="Arial"/>
+              </a:rPr>
+              <a:t>Cas proteins (e.g. Cas9) cut DNA at specific sites</a:t>
             </a:r>
             <a:endParaRPr b="0" lang="de-DE" sz="2000" strike="noStrike" u="none">
               <a:solidFill>
@@ -28975,7 +28629,45 @@
                 </a:solidFill>
                 <a:effectLst/>
                 <a:uFillTx/>
-                <a:latin typeface="Sans"/>
+                <a:latin typeface="Arial"/>
+              </a:rPr>
+              <a:t>Enables precise genome editing (knockout, knock-in)</a:t>
+            </a:r>
+            <a:endParaRPr b="0" lang="de-DE" sz="2000" strike="noStrike" u="none">
+              <a:solidFill>
+                <a:schemeClr val="dk1"/>
+              </a:solidFill>
+              <a:effectLst/>
+              <a:uFillTx/>
+              <a:latin typeface="Arial"/>
+            </a:endParaRPr>
+          </a:p>
+          <a:p>
+            <a:pPr marL="432000" indent="-324000">
+              <a:lnSpc>
+                <a:spcPct val="90000"/>
+              </a:lnSpc>
+              <a:spcBef>
+                <a:spcPts val="1191"/>
+              </a:spcBef>
+              <a:spcAft>
+                <a:spcPts val="992"/>
+              </a:spcAft>
+              <a:buClr>
+                <a:srgbClr val="000000"/>
+              </a:buClr>
+              <a:buSzPct val="45000"/>
+              <a:buFont typeface="Wingdings" charset="2"/>
+              <a:buChar char=""/>
+            </a:pPr>
+            <a:r>
+              <a:rPr b="0" lang="de-DE" sz="2000" strike="noStrike" u="none">
+                <a:solidFill>
+                  <a:schemeClr val="dk1"/>
+                </a:solidFill>
+                <a:effectLst/>
+                <a:uFillTx/>
+                <a:latin typeface="Arial"/>
               </a:rPr>
               <a:t>Revolutionizing molecular biology, medicine &amp; biotechnology</a:t>
             </a:r>
@@ -29004,7 +28696,7 @@
         <p:txBody>
           <a:bodyPr/>
           <a:p>
-            <a:fld id="{AEE43D41-4286-4F55-AEA7-AD7859DFBB26}" type="slidenum">
+            <a:fld id="{CE4ECAEB-5EA6-4667-8AB2-192B234CD8C5}" type="slidenum">
               <a:t>3</a:t>
             </a:fld>
           </a:p>
@@ -29020,6 +28712,757 @@
       <p:transition spd="slow"/>
     </mc:Fallback>
   </mc:AlternateContent>
+  <p:timing>
+    <p:tnLst>
+      <p:par>
+        <p:cTn id="39" dur="indefinite" restart="never" nodeType="tmRoot">
+          <p:childTnLst>
+            <p:seq>
+              <p:cTn id="40" dur="indefinite" nodeType="mainSeq">
+                <p:childTnLst>
+                  <p:par>
+                    <p:cTn id="41" fill="hold">
+                      <p:stCondLst>
+                        <p:cond delay="indefinite"/>
+                      </p:stCondLst>
+                      <p:childTnLst>
+                        <p:par>
+                          <p:cTn id="42" fill="hold">
+                            <p:stCondLst>
+                              <p:cond delay="0"/>
+                            </p:stCondLst>
+                            <p:childTnLst>
+                              <p:par>
+                                <p:cTn id="43" nodeType="clickEffect" fill="hold" presetClass="entr" presetID="2" presetSubtype="4">
+                                  <p:stCondLst>
+                                    <p:cond delay="0"/>
+                                  </p:stCondLst>
+                                  <p:childTnLst>
+                                    <p:set>
+                                      <p:cBhvr>
+                                        <p:cTn id="44" dur="1" fill="hold">
+                                          <p:stCondLst>
+                                            <p:cond delay="0"/>
+                                          </p:stCondLst>
+                                        </p:cTn>
+                                        <p:tgtEl>
+                                          <p:spTgt spid="269">
+                                            <p:txEl>
+                                              <p:pRg st="0" end="0"/>
+                                            </p:txEl>
+                                          </p:spTgt>
+                                        </p:tgtEl>
+                                        <p:attrNameLst>
+                                          <p:attrName>style.visibility</p:attrName>
+                                        </p:attrNameLst>
+                                      </p:cBhvr>
+                                      <p:to>
+                                        <p:strVal val="visible"/>
+                                      </p:to>
+                                    </p:set>
+                                    <p:anim calcmode="lin" valueType="num">
+                                      <p:cBhvr additive="repl">
+                                        <p:cTn id="45" dur="500" fill="hold"/>
+                                        <p:tgtEl>
+                                          <p:spTgt spid="269">
+                                            <p:txEl>
+                                              <p:pRg st="0" end="0"/>
+                                            </p:txEl>
+                                          </p:spTgt>
+                                        </p:tgtEl>
+                                        <p:attrNameLst>
+                                          <p:attrName>ppt_x</p:attrName>
+                                        </p:attrNameLst>
+                                      </p:cBhvr>
+                                      <p:tavLst>
+                                        <p:tav tm="0">
+                                          <p:val>
+                                            <p:strVal val="#ppt_x"/>
+                                          </p:val>
+                                        </p:tav>
+                                        <p:tav tm="100000">
+                                          <p:val>
+                                            <p:strVal val="#ppt_x"/>
+                                          </p:val>
+                                        </p:tav>
+                                      </p:tavLst>
+                                    </p:anim>
+                                    <p:anim calcmode="lin" valueType="num">
+                                      <p:cBhvr additive="repl">
+                                        <p:cTn id="46" dur="500" fill="hold"/>
+                                        <p:tgtEl>
+                                          <p:spTgt spid="269">
+                                            <p:txEl>
+                                              <p:pRg st="0" end="0"/>
+                                            </p:txEl>
+                                          </p:spTgt>
+                                        </p:tgtEl>
+                                        <p:attrNameLst>
+                                          <p:attrName>ppt_y</p:attrName>
+                                        </p:attrNameLst>
+                                      </p:cBhvr>
+                                      <p:tavLst>
+                                        <p:tav tm="0">
+                                          <p:val>
+                                            <p:strVal val="1+#ppt_h/2"/>
+                                          </p:val>
+                                        </p:tav>
+                                        <p:tav tm="100000">
+                                          <p:val>
+                                            <p:strVal val="#ppt_y"/>
+                                          </p:val>
+                                        </p:tav>
+                                      </p:tavLst>
+                                    </p:anim>
+                                  </p:childTnLst>
+                                </p:cTn>
+                              </p:par>
+                            </p:childTnLst>
+                          </p:cTn>
+                        </p:par>
+                      </p:childTnLst>
+                    </p:cTn>
+                  </p:par>
+                  <p:par>
+                    <p:cTn id="47" fill="hold">
+                      <p:stCondLst>
+                        <p:cond delay="indefinite"/>
+                      </p:stCondLst>
+                      <p:childTnLst>
+                        <p:par>
+                          <p:cTn id="48" fill="hold">
+                            <p:stCondLst>
+                              <p:cond delay="0"/>
+                            </p:stCondLst>
+                            <p:childTnLst>
+                              <p:par>
+                                <p:cTn id="49" nodeType="clickEffect" fill="hold" presetClass="entr" presetID="2" presetSubtype="4">
+                                  <p:stCondLst>
+                                    <p:cond delay="0"/>
+                                  </p:stCondLst>
+                                  <p:childTnLst>
+                                    <p:set>
+                                      <p:cBhvr>
+                                        <p:cTn id="50" dur="1" fill="hold">
+                                          <p:stCondLst>
+                                            <p:cond delay="0"/>
+                                          </p:stCondLst>
+                                        </p:cTn>
+                                        <p:tgtEl>
+                                          <p:spTgt spid="269">
+                                            <p:txEl>
+                                              <p:pRg st="1" end="1"/>
+                                            </p:txEl>
+                                          </p:spTgt>
+                                        </p:tgtEl>
+                                        <p:attrNameLst>
+                                          <p:attrName>style.visibility</p:attrName>
+                                        </p:attrNameLst>
+                                      </p:cBhvr>
+                                      <p:to>
+                                        <p:strVal val="visible"/>
+                                      </p:to>
+                                    </p:set>
+                                    <p:anim calcmode="lin" valueType="num">
+                                      <p:cBhvr additive="repl">
+                                        <p:cTn id="51" dur="500" fill="hold"/>
+                                        <p:tgtEl>
+                                          <p:spTgt spid="269">
+                                            <p:txEl>
+                                              <p:pRg st="1" end="1"/>
+                                            </p:txEl>
+                                          </p:spTgt>
+                                        </p:tgtEl>
+                                        <p:attrNameLst>
+                                          <p:attrName>ppt_x</p:attrName>
+                                        </p:attrNameLst>
+                                      </p:cBhvr>
+                                      <p:tavLst>
+                                        <p:tav tm="0">
+                                          <p:val>
+                                            <p:strVal val="#ppt_x"/>
+                                          </p:val>
+                                        </p:tav>
+                                        <p:tav tm="100000">
+                                          <p:val>
+                                            <p:strVal val="#ppt_x"/>
+                                          </p:val>
+                                        </p:tav>
+                                      </p:tavLst>
+                                    </p:anim>
+                                    <p:anim calcmode="lin" valueType="num">
+                                      <p:cBhvr additive="repl">
+                                        <p:cTn id="52" dur="500" fill="hold"/>
+                                        <p:tgtEl>
+                                          <p:spTgt spid="269">
+                                            <p:txEl>
+                                              <p:pRg st="1" end="1"/>
+                                            </p:txEl>
+                                          </p:spTgt>
+                                        </p:tgtEl>
+                                        <p:attrNameLst>
+                                          <p:attrName>ppt_y</p:attrName>
+                                        </p:attrNameLst>
+                                      </p:cBhvr>
+                                      <p:tavLst>
+                                        <p:tav tm="0">
+                                          <p:val>
+                                            <p:strVal val="1+#ppt_h/2"/>
+                                          </p:val>
+                                        </p:tav>
+                                        <p:tav tm="100000">
+                                          <p:val>
+                                            <p:strVal val="#ppt_y"/>
+                                          </p:val>
+                                        </p:tav>
+                                      </p:tavLst>
+                                    </p:anim>
+                                  </p:childTnLst>
+                                </p:cTn>
+                              </p:par>
+                            </p:childTnLst>
+                          </p:cTn>
+                        </p:par>
+                      </p:childTnLst>
+                    </p:cTn>
+                  </p:par>
+                  <p:par>
+                    <p:cTn id="53" fill="hold">
+                      <p:stCondLst>
+                        <p:cond delay="indefinite"/>
+                      </p:stCondLst>
+                      <p:childTnLst>
+                        <p:par>
+                          <p:cTn id="54" fill="hold">
+                            <p:stCondLst>
+                              <p:cond delay="0"/>
+                            </p:stCondLst>
+                            <p:childTnLst>
+                              <p:par>
+                                <p:cTn id="55" nodeType="clickEffect" fill="hold" presetClass="entr" presetID="2" presetSubtype="4">
+                                  <p:stCondLst>
+                                    <p:cond delay="0"/>
+                                  </p:stCondLst>
+                                  <p:childTnLst>
+                                    <p:set>
+                                      <p:cBhvr>
+                                        <p:cTn id="56" dur="1" fill="hold">
+                                          <p:stCondLst>
+                                            <p:cond delay="0"/>
+                                          </p:stCondLst>
+                                        </p:cTn>
+                                        <p:tgtEl>
+                                          <p:spTgt spid="269">
+                                            <p:txEl>
+                                              <p:pRg st="2" end="2"/>
+                                            </p:txEl>
+                                          </p:spTgt>
+                                        </p:tgtEl>
+                                        <p:attrNameLst>
+                                          <p:attrName>style.visibility</p:attrName>
+                                        </p:attrNameLst>
+                                      </p:cBhvr>
+                                      <p:to>
+                                        <p:strVal val="visible"/>
+                                      </p:to>
+                                    </p:set>
+                                    <p:anim calcmode="lin" valueType="num">
+                                      <p:cBhvr additive="repl">
+                                        <p:cTn id="57" dur="500" fill="hold"/>
+                                        <p:tgtEl>
+                                          <p:spTgt spid="269">
+                                            <p:txEl>
+                                              <p:pRg st="2" end="2"/>
+                                            </p:txEl>
+                                          </p:spTgt>
+                                        </p:tgtEl>
+                                        <p:attrNameLst>
+                                          <p:attrName>ppt_x</p:attrName>
+                                        </p:attrNameLst>
+                                      </p:cBhvr>
+                                      <p:tavLst>
+                                        <p:tav tm="0">
+                                          <p:val>
+                                            <p:strVal val="#ppt_x"/>
+                                          </p:val>
+                                        </p:tav>
+                                        <p:tav tm="100000">
+                                          <p:val>
+                                            <p:strVal val="#ppt_x"/>
+                                          </p:val>
+                                        </p:tav>
+                                      </p:tavLst>
+                                    </p:anim>
+                                    <p:anim calcmode="lin" valueType="num">
+                                      <p:cBhvr additive="repl">
+                                        <p:cTn id="58" dur="500" fill="hold"/>
+                                        <p:tgtEl>
+                                          <p:spTgt spid="269">
+                                            <p:txEl>
+                                              <p:pRg st="2" end="2"/>
+                                            </p:txEl>
+                                          </p:spTgt>
+                                        </p:tgtEl>
+                                        <p:attrNameLst>
+                                          <p:attrName>ppt_y</p:attrName>
+                                        </p:attrNameLst>
+                                      </p:cBhvr>
+                                      <p:tavLst>
+                                        <p:tav tm="0">
+                                          <p:val>
+                                            <p:strVal val="1+#ppt_h/2"/>
+                                          </p:val>
+                                        </p:tav>
+                                        <p:tav tm="100000">
+                                          <p:val>
+                                            <p:strVal val="#ppt_y"/>
+                                          </p:val>
+                                        </p:tav>
+                                      </p:tavLst>
+                                    </p:anim>
+                                  </p:childTnLst>
+                                </p:cTn>
+                              </p:par>
+                            </p:childTnLst>
+                          </p:cTn>
+                        </p:par>
+                      </p:childTnLst>
+                    </p:cTn>
+                  </p:par>
+                  <p:par>
+                    <p:cTn id="59" fill="hold">
+                      <p:stCondLst>
+                        <p:cond delay="indefinite"/>
+                      </p:stCondLst>
+                      <p:childTnLst>
+                        <p:par>
+                          <p:cTn id="60" fill="hold">
+                            <p:stCondLst>
+                              <p:cond delay="0"/>
+                            </p:stCondLst>
+                            <p:childTnLst>
+                              <p:par>
+                                <p:cTn id="61" nodeType="clickEffect" fill="hold" presetClass="entr" presetID="2" presetSubtype="4">
+                                  <p:stCondLst>
+                                    <p:cond delay="0"/>
+                                  </p:stCondLst>
+                                  <p:childTnLst>
+                                    <p:set>
+                                      <p:cBhvr>
+                                        <p:cTn id="62" dur="1" fill="hold">
+                                          <p:stCondLst>
+                                            <p:cond delay="0"/>
+                                          </p:stCondLst>
+                                        </p:cTn>
+                                        <p:tgtEl>
+                                          <p:spTgt spid="269">
+                                            <p:txEl>
+                                              <p:pRg st="3" end="3"/>
+                                            </p:txEl>
+                                          </p:spTgt>
+                                        </p:tgtEl>
+                                        <p:attrNameLst>
+                                          <p:attrName>style.visibility</p:attrName>
+                                        </p:attrNameLst>
+                                      </p:cBhvr>
+                                      <p:to>
+                                        <p:strVal val="visible"/>
+                                      </p:to>
+                                    </p:set>
+                                    <p:anim calcmode="lin" valueType="num">
+                                      <p:cBhvr additive="repl">
+                                        <p:cTn id="63" dur="500" fill="hold"/>
+                                        <p:tgtEl>
+                                          <p:spTgt spid="269">
+                                            <p:txEl>
+                                              <p:pRg st="3" end="3"/>
+                                            </p:txEl>
+                                          </p:spTgt>
+                                        </p:tgtEl>
+                                        <p:attrNameLst>
+                                          <p:attrName>ppt_x</p:attrName>
+                                        </p:attrNameLst>
+                                      </p:cBhvr>
+                                      <p:tavLst>
+                                        <p:tav tm="0">
+                                          <p:val>
+                                            <p:strVal val="#ppt_x"/>
+                                          </p:val>
+                                        </p:tav>
+                                        <p:tav tm="100000">
+                                          <p:val>
+                                            <p:strVal val="#ppt_x"/>
+                                          </p:val>
+                                        </p:tav>
+                                      </p:tavLst>
+                                    </p:anim>
+                                    <p:anim calcmode="lin" valueType="num">
+                                      <p:cBhvr additive="repl">
+                                        <p:cTn id="64" dur="500" fill="hold"/>
+                                        <p:tgtEl>
+                                          <p:spTgt spid="269">
+                                            <p:txEl>
+                                              <p:pRg st="3" end="3"/>
+                                            </p:txEl>
+                                          </p:spTgt>
+                                        </p:tgtEl>
+                                        <p:attrNameLst>
+                                          <p:attrName>ppt_y</p:attrName>
+                                        </p:attrNameLst>
+                                      </p:cBhvr>
+                                      <p:tavLst>
+                                        <p:tav tm="0">
+                                          <p:val>
+                                            <p:strVal val="1+#ppt_h/2"/>
+                                          </p:val>
+                                        </p:tav>
+                                        <p:tav tm="100000">
+                                          <p:val>
+                                            <p:strVal val="#ppt_y"/>
+                                          </p:val>
+                                        </p:tav>
+                                      </p:tavLst>
+                                    </p:anim>
+                                  </p:childTnLst>
+                                </p:cTn>
+                              </p:par>
+                            </p:childTnLst>
+                          </p:cTn>
+                        </p:par>
+                      </p:childTnLst>
+                    </p:cTn>
+                  </p:par>
+                  <p:par>
+                    <p:cTn id="65" fill="hold">
+                      <p:stCondLst>
+                        <p:cond delay="indefinite"/>
+                      </p:stCondLst>
+                      <p:childTnLst>
+                        <p:par>
+                          <p:cTn id="66" fill="hold">
+                            <p:stCondLst>
+                              <p:cond delay="0"/>
+                            </p:stCondLst>
+                            <p:childTnLst>
+                              <p:par>
+                                <p:cTn id="67" nodeType="clickEffect" fill="hold" presetClass="entr" presetID="2" presetSubtype="4">
+                                  <p:stCondLst>
+                                    <p:cond delay="0"/>
+                                  </p:stCondLst>
+                                  <p:childTnLst>
+                                    <p:set>
+                                      <p:cBhvr>
+                                        <p:cTn id="68" dur="1" fill="hold">
+                                          <p:stCondLst>
+                                            <p:cond delay="0"/>
+                                          </p:stCondLst>
+                                        </p:cTn>
+                                        <p:tgtEl>
+                                          <p:spTgt spid="269">
+                                            <p:txEl>
+                                              <p:pRg st="4" end="4"/>
+                                            </p:txEl>
+                                          </p:spTgt>
+                                        </p:tgtEl>
+                                        <p:attrNameLst>
+                                          <p:attrName>style.visibility</p:attrName>
+                                        </p:attrNameLst>
+                                      </p:cBhvr>
+                                      <p:to>
+                                        <p:strVal val="visible"/>
+                                      </p:to>
+                                    </p:set>
+                                    <p:anim calcmode="lin" valueType="num">
+                                      <p:cBhvr additive="repl">
+                                        <p:cTn id="69" dur="500" fill="hold"/>
+                                        <p:tgtEl>
+                                          <p:spTgt spid="269">
+                                            <p:txEl>
+                                              <p:pRg st="4" end="4"/>
+                                            </p:txEl>
+                                          </p:spTgt>
+                                        </p:tgtEl>
+                                        <p:attrNameLst>
+                                          <p:attrName>ppt_x</p:attrName>
+                                        </p:attrNameLst>
+                                      </p:cBhvr>
+                                      <p:tavLst>
+                                        <p:tav tm="0">
+                                          <p:val>
+                                            <p:strVal val="#ppt_x"/>
+                                          </p:val>
+                                        </p:tav>
+                                        <p:tav tm="100000">
+                                          <p:val>
+                                            <p:strVal val="#ppt_x"/>
+                                          </p:val>
+                                        </p:tav>
+                                      </p:tavLst>
+                                    </p:anim>
+                                    <p:anim calcmode="lin" valueType="num">
+                                      <p:cBhvr additive="repl">
+                                        <p:cTn id="70" dur="500" fill="hold"/>
+                                        <p:tgtEl>
+                                          <p:spTgt spid="269">
+                                            <p:txEl>
+                                              <p:pRg st="4" end="4"/>
+                                            </p:txEl>
+                                          </p:spTgt>
+                                        </p:tgtEl>
+                                        <p:attrNameLst>
+                                          <p:attrName>ppt_y</p:attrName>
+                                        </p:attrNameLst>
+                                      </p:cBhvr>
+                                      <p:tavLst>
+                                        <p:tav tm="0">
+                                          <p:val>
+                                            <p:strVal val="1+#ppt_h/2"/>
+                                          </p:val>
+                                        </p:tav>
+                                        <p:tav tm="100000">
+                                          <p:val>
+                                            <p:strVal val="#ppt_y"/>
+                                          </p:val>
+                                        </p:tav>
+                                      </p:tavLst>
+                                    </p:anim>
+                                  </p:childTnLst>
+                                </p:cTn>
+                              </p:par>
+                            </p:childTnLst>
+                          </p:cTn>
+                        </p:par>
+                      </p:childTnLst>
+                    </p:cTn>
+                  </p:par>
+                  <p:par>
+                    <p:cTn id="71" fill="hold">
+                      <p:stCondLst>
+                        <p:cond delay="indefinite"/>
+                      </p:stCondLst>
+                      <p:childTnLst>
+                        <p:par>
+                          <p:cTn id="72" fill="hold">
+                            <p:stCondLst>
+                              <p:cond delay="0"/>
+                            </p:stCondLst>
+                            <p:childTnLst>
+                              <p:par>
+                                <p:cTn id="73" nodeType="clickEffect" fill="hold" presetClass="entr" presetID="2" presetSubtype="4">
+                                  <p:stCondLst>
+                                    <p:cond delay="0"/>
+                                  </p:stCondLst>
+                                  <p:childTnLst>
+                                    <p:set>
+                                      <p:cBhvr>
+                                        <p:cTn id="74" dur="1" fill="hold">
+                                          <p:stCondLst>
+                                            <p:cond delay="0"/>
+                                          </p:stCondLst>
+                                        </p:cTn>
+                                        <p:tgtEl>
+                                          <p:spTgt spid="269">
+                                            <p:txEl>
+                                              <p:pRg st="5" end="5"/>
+                                            </p:txEl>
+                                          </p:spTgt>
+                                        </p:tgtEl>
+                                        <p:attrNameLst>
+                                          <p:attrName>style.visibility</p:attrName>
+                                        </p:attrNameLst>
+                                      </p:cBhvr>
+                                      <p:to>
+                                        <p:strVal val="visible"/>
+                                      </p:to>
+                                    </p:set>
+                                    <p:anim calcmode="lin" valueType="num">
+                                      <p:cBhvr additive="repl">
+                                        <p:cTn id="75" dur="500" fill="hold"/>
+                                        <p:tgtEl>
+                                          <p:spTgt spid="269">
+                                            <p:txEl>
+                                              <p:pRg st="5" end="5"/>
+                                            </p:txEl>
+                                          </p:spTgt>
+                                        </p:tgtEl>
+                                        <p:attrNameLst>
+                                          <p:attrName>ppt_x</p:attrName>
+                                        </p:attrNameLst>
+                                      </p:cBhvr>
+                                      <p:tavLst>
+                                        <p:tav tm="0">
+                                          <p:val>
+                                            <p:strVal val="#ppt_x"/>
+                                          </p:val>
+                                        </p:tav>
+                                        <p:tav tm="100000">
+                                          <p:val>
+                                            <p:strVal val="#ppt_x"/>
+                                          </p:val>
+                                        </p:tav>
+                                      </p:tavLst>
+                                    </p:anim>
+                                    <p:anim calcmode="lin" valueType="num">
+                                      <p:cBhvr additive="repl">
+                                        <p:cTn id="76" dur="500" fill="hold"/>
+                                        <p:tgtEl>
+                                          <p:spTgt spid="269">
+                                            <p:txEl>
+                                              <p:pRg st="5" end="5"/>
+                                            </p:txEl>
+                                          </p:spTgt>
+                                        </p:tgtEl>
+                                        <p:attrNameLst>
+                                          <p:attrName>ppt_y</p:attrName>
+                                        </p:attrNameLst>
+                                      </p:cBhvr>
+                                      <p:tavLst>
+                                        <p:tav tm="0">
+                                          <p:val>
+                                            <p:strVal val="1+#ppt_h/2"/>
+                                          </p:val>
+                                        </p:tav>
+                                        <p:tav tm="100000">
+                                          <p:val>
+                                            <p:strVal val="#ppt_y"/>
+                                          </p:val>
+                                        </p:tav>
+                                      </p:tavLst>
+                                    </p:anim>
+                                  </p:childTnLst>
+                                </p:cTn>
+                              </p:par>
+                            </p:childTnLst>
+                          </p:cTn>
+                        </p:par>
+                      </p:childTnLst>
+                    </p:cTn>
+                  </p:par>
+                  <p:par>
+                    <p:cTn id="77" fill="hold">
+                      <p:stCondLst>
+                        <p:cond delay="indefinite"/>
+                      </p:stCondLst>
+                      <p:childTnLst>
+                        <p:par>
+                          <p:cTn id="78" fill="hold">
+                            <p:stCondLst>
+                              <p:cond delay="0"/>
+                            </p:stCondLst>
+                            <p:childTnLst>
+                              <p:par>
+                                <p:cTn id="79" nodeType="clickEffect" fill="hold" presetClass="entr" presetID="2" presetSubtype="4">
+                                  <p:stCondLst>
+                                    <p:cond delay="0"/>
+                                  </p:stCondLst>
+                                  <p:childTnLst>
+                                    <p:set>
+                                      <p:cBhvr>
+                                        <p:cTn id="80" dur="1" fill="hold">
+                                          <p:stCondLst>
+                                            <p:cond delay="0"/>
+                                          </p:stCondLst>
+                                        </p:cTn>
+                                        <p:tgtEl>
+                                          <p:spTgt spid="269">
+                                            <p:txEl>
+                                              <p:pRg st="6" end="6"/>
+                                            </p:txEl>
+                                          </p:spTgt>
+                                        </p:tgtEl>
+                                        <p:attrNameLst>
+                                          <p:attrName>style.visibility</p:attrName>
+                                        </p:attrNameLst>
+                                      </p:cBhvr>
+                                      <p:to>
+                                        <p:strVal val="visible"/>
+                                      </p:to>
+                                    </p:set>
+                                    <p:anim calcmode="lin" valueType="num">
+                                      <p:cBhvr additive="repl">
+                                        <p:cTn id="81" dur="500" fill="hold"/>
+                                        <p:tgtEl>
+                                          <p:spTgt spid="269">
+                                            <p:txEl>
+                                              <p:pRg st="6" end="6"/>
+                                            </p:txEl>
+                                          </p:spTgt>
+                                        </p:tgtEl>
+                                        <p:attrNameLst>
+                                          <p:attrName>ppt_x</p:attrName>
+                                        </p:attrNameLst>
+                                      </p:cBhvr>
+                                      <p:tavLst>
+                                        <p:tav tm="0">
+                                          <p:val>
+                                            <p:strVal val="#ppt_x"/>
+                                          </p:val>
+                                        </p:tav>
+                                        <p:tav tm="100000">
+                                          <p:val>
+                                            <p:strVal val="#ppt_x"/>
+                                          </p:val>
+                                        </p:tav>
+                                      </p:tavLst>
+                                    </p:anim>
+                                    <p:anim calcmode="lin" valueType="num">
+                                      <p:cBhvr additive="repl">
+                                        <p:cTn id="82" dur="500" fill="hold"/>
+                                        <p:tgtEl>
+                                          <p:spTgt spid="269">
+                                            <p:txEl>
+                                              <p:pRg st="6" end="6"/>
+                                            </p:txEl>
+                                          </p:spTgt>
+                                        </p:tgtEl>
+                                        <p:attrNameLst>
+                                          <p:attrName>ppt_y</p:attrName>
+                                        </p:attrNameLst>
+                                      </p:cBhvr>
+                                      <p:tavLst>
+                                        <p:tav tm="0">
+                                          <p:val>
+                                            <p:strVal val="1+#ppt_h/2"/>
+                                          </p:val>
+                                        </p:tav>
+                                        <p:tav tm="100000">
+                                          <p:val>
+                                            <p:strVal val="#ppt_y"/>
+                                          </p:val>
+                                        </p:tav>
+                                      </p:tavLst>
+                                    </p:anim>
+                                  </p:childTnLst>
+                                </p:cTn>
+                              </p:par>
+                            </p:childTnLst>
+                          </p:cTn>
+                        </p:par>
+                      </p:childTnLst>
+                    </p:cTn>
+                  </p:par>
+                </p:childTnLst>
+              </p:cTn>
+              <p:prevCondLst>
+                <p:cond evt="onPrev">
+                  <p:tgtEl>
+                    <p:sldTgt/>
+                  </p:tgtEl>
+                </p:cond>
+              </p:prevCondLst>
+              <p:nextCondLst>
+                <p:cond evt="onNext">
+                  <p:tgtEl>
+                    <p:sldTgt/>
+                  </p:tgtEl>
+                </p:cond>
+              </p:nextCondLst>
+            </p:seq>
+          </p:childTnLst>
+        </p:cTn>
+      </p:par>
+    </p:tnLst>
+  </p:timing>
 </p:sld>
 </file>
 
@@ -29214,9 +29657,9 @@
               </a:rPr>
               <a:t>Biorender.com</a:t>
             </a:r>
-            <a:endParaRPr b="0" lang="de-DE" sz="800" strike="noStrike" u="none">
-              <a:solidFill>
-                <a:schemeClr val="dk1"/>
+            <a:endParaRPr b="0" lang="de-AT" sz="800" strike="noStrike" u="none">
+              <a:solidFill>
+                <a:srgbClr val="000000"/>
               </a:solidFill>
               <a:effectLst/>
               <a:uFillTx/>
@@ -29239,7 +29682,7 @@
         <p:txBody>
           <a:bodyPr/>
           <a:p>
-            <a:fld id="{116C74C7-3EAB-4C6D-AFBA-13E8948D3817}" type="slidenum">
+            <a:fld id="{A9ECC346-2A92-48CE-BE0F-6F631E185498}" type="slidenum">
               <a:t>4</a:t>
             </a:fld>
           </a:p>
@@ -29258,32 +29701,32 @@
   <p:timing>
     <p:tnLst>
       <p:par>
-        <p:cTn id="1" dur="indefinite" restart="never" nodeType="tmRoot">
+        <p:cTn id="83" dur="indefinite" restart="never" nodeType="tmRoot">
           <p:childTnLst>
             <p:seq>
-              <p:cTn id="2" dur="indefinite" nodeType="mainSeq">
+              <p:cTn id="84" dur="indefinite" nodeType="mainSeq">
                 <p:childTnLst>
                   <p:par>
-                    <p:cTn id="3" fill="hold">
+                    <p:cTn id="85" fill="hold">
                       <p:stCondLst>
                         <p:cond delay="indefinite"/>
                       </p:stCondLst>
                       <p:childTnLst>
                         <p:par>
-                          <p:cTn id="4" fill="hold">
+                          <p:cTn id="86" fill="hold">
                             <p:stCondLst>
                               <p:cond delay="0"/>
                             </p:stCondLst>
                             <p:childTnLst>
                               <p:par>
-                                <p:cTn id="5" nodeType="clickEffect" fill="hold" presetClass="entr" presetID="2" presetSubtype="2">
+                                <p:cTn id="87" nodeType="clickEffect" fill="hold" presetClass="entr" presetID="2" presetSubtype="2">
                                   <p:stCondLst>
                                     <p:cond delay="0"/>
                                   </p:stCondLst>
                                   <p:childTnLst>
                                     <p:set>
                                       <p:cBhvr>
-                                        <p:cTn id="6" dur="1" fill="hold">
+                                        <p:cTn id="88" dur="1" fill="hold">
                                           <p:stCondLst>
                                             <p:cond delay="0"/>
                                           </p:stCondLst>
@@ -29301,7 +29744,7 @@
                                     </p:set>
                                     <p:anim calcmode="lin" valueType="num">
                                       <p:cBhvr additive="repl">
-                                        <p:cTn id="7" dur="500" fill="hold"/>
+                                        <p:cTn id="89" dur="500" fill="hold"/>
                                         <p:tgtEl>
                                           <p:spTgt spid="271"/>
                                         </p:tgtEl>
@@ -29324,7 +29767,7 @@
                                     </p:anim>
                                     <p:anim calcmode="lin" valueType="num">
                                       <p:cBhvr additive="repl">
-                                        <p:cTn id="8" dur="500" fill="hold"/>
+                                        <p:cTn id="90" dur="500" fill="hold"/>
                                         <p:tgtEl>
                                           <p:spTgt spid="271"/>
                                         </p:tgtEl>
@@ -29355,26 +29798,26 @@
                     </p:cTn>
                   </p:par>
                   <p:par>
-                    <p:cTn id="9" fill="hold">
+                    <p:cTn id="91" fill="hold">
                       <p:stCondLst>
                         <p:cond delay="indefinite"/>
                       </p:stCondLst>
                       <p:childTnLst>
                         <p:par>
-                          <p:cTn id="10" fill="hold">
+                          <p:cTn id="92" fill="hold">
                             <p:stCondLst>
                               <p:cond delay="0"/>
                             </p:stCondLst>
                             <p:childTnLst>
                               <p:par>
-                                <p:cTn id="11" nodeType="clickEffect" fill="hold" presetClass="entr" presetID="2" presetSubtype="2">
+                                <p:cTn id="93" nodeType="clickEffect" fill="hold" presetClass="entr" presetID="2" presetSubtype="2">
                                   <p:stCondLst>
                                     <p:cond delay="0"/>
                                   </p:stCondLst>
                                   <p:childTnLst>
                                     <p:set>
                                       <p:cBhvr>
-                                        <p:cTn id="12" dur="1" fill="hold">
+                                        <p:cTn id="94" dur="1" fill="hold">
                                           <p:stCondLst>
                                             <p:cond delay="0"/>
                                           </p:stCondLst>
@@ -29392,7 +29835,7 @@
                                     </p:set>
                                     <p:anim calcmode="lin" valueType="num">
                                       <p:cBhvr additive="repl">
-                                        <p:cTn id="13" dur="500" fill="hold"/>
+                                        <p:cTn id="95" dur="500" fill="hold"/>
                                         <p:tgtEl>
                                           <p:spTgt spid="272"/>
                                         </p:tgtEl>
@@ -29415,7 +29858,7 @@
                                     </p:anim>
                                     <p:anim calcmode="lin" valueType="num">
                                       <p:cBhvr additive="repl">
-                                        <p:cTn id="14" dur="500" fill="hold"/>
+                                        <p:cTn id="96" dur="500" fill="hold"/>
                                         <p:tgtEl>
                                           <p:spTgt spid="272"/>
                                         </p:tgtEl>
@@ -29446,26 +29889,26 @@
                     </p:cTn>
                   </p:par>
                   <p:par>
-                    <p:cTn id="15" fill="hold">
+                    <p:cTn id="97" fill="hold">
                       <p:stCondLst>
                         <p:cond delay="indefinite"/>
                       </p:stCondLst>
                       <p:childTnLst>
                         <p:par>
-                          <p:cTn id="16" fill="hold">
+                          <p:cTn id="98" fill="hold">
                             <p:stCondLst>
                               <p:cond delay="0"/>
                             </p:stCondLst>
                             <p:childTnLst>
                               <p:par>
-                                <p:cTn id="17" nodeType="clickEffect" fill="hold" presetClass="entr" presetID="1">
+                                <p:cTn id="99" nodeType="clickEffect" fill="hold" presetClass="entr" presetID="1">
                                   <p:stCondLst>
                                     <p:cond delay="0"/>
                                   </p:stCondLst>
                                   <p:childTnLst>
                                     <p:set>
                                       <p:cBhvr>
-                                        <p:cTn id="18" dur="0" fill="hold">
+                                        <p:cTn id="100" dur="0" fill="hold">
                                           <p:stCondLst>
                                             <p:cond delay="0"/>
                                           </p:stCondLst>
@@ -29491,26 +29934,26 @@
                     </p:cTn>
                   </p:par>
                   <p:par>
-                    <p:cTn id="19" fill="hold">
+                    <p:cTn id="101" fill="hold">
                       <p:stCondLst>
                         <p:cond delay="indefinite"/>
                       </p:stCondLst>
                       <p:childTnLst>
                         <p:par>
-                          <p:cTn id="20" fill="hold">
+                          <p:cTn id="102" fill="hold">
                             <p:stCondLst>
                               <p:cond delay="0"/>
                             </p:stCondLst>
                             <p:childTnLst>
                               <p:par>
-                                <p:cTn id="21" nodeType="clickEffect" fill="hold" presetClass="entr" presetID="2" presetSubtype="2">
+                                <p:cTn id="103" nodeType="clickEffect" fill="hold" presetClass="entr" presetID="2" presetSubtype="2">
                                   <p:stCondLst>
                                     <p:cond delay="0"/>
                                   </p:stCondLst>
                                   <p:childTnLst>
                                     <p:set>
                                       <p:cBhvr>
-                                        <p:cTn id="22" dur="1" fill="hold">
+                                        <p:cTn id="104" dur="1" fill="hold">
                                           <p:stCondLst>
                                             <p:cond delay="0"/>
                                           </p:stCondLst>
@@ -29528,7 +29971,7 @@
                                     </p:set>
                                     <p:anim calcmode="lin" valueType="num">
                                       <p:cBhvr additive="repl">
-                                        <p:cTn id="23" dur="500" fill="hold"/>
+                                        <p:cTn id="105" dur="500" fill="hold"/>
                                         <p:tgtEl>
                                           <p:spTgt spid="274"/>
                                         </p:tgtEl>
@@ -29551,7 +29994,7 @@
                                     </p:anim>
                                     <p:anim calcmode="lin" valueType="num">
                                       <p:cBhvr additive="repl">
-                                        <p:cTn id="24" dur="500" fill="hold"/>
+                                        <p:cTn id="106" dur="500" fill="hold"/>
                                         <p:tgtEl>
                                           <p:spTgt spid="274"/>
                                         </p:tgtEl>
@@ -29709,8 +30152,11 @@
                 <a:spcPct val="90000"/>
               </a:lnSpc>
               <a:spcBef>
-                <a:spcPts val="1417"/>
+                <a:spcPts val="1191"/>
               </a:spcBef>
+              <a:spcAft>
+                <a:spcPts val="992"/>
+              </a:spcAft>
               <a:buClr>
                 <a:srgbClr val="000000"/>
               </a:buClr>
@@ -29727,7 +30173,7 @@
                 <a:uFillTx/>
                 <a:latin typeface="Arial"/>
               </a:rPr>
-              <a:t>Uses Type IIS restriction enzymes (e.g., Esp3I) that cut outside their recognition sites</a:t>
+              <a:t>Fast and efficient DNA assembly</a:t>
             </a:r>
             <a:endParaRPr b="0" lang="de-DE" sz="2000" strike="noStrike" u="none">
               <a:solidFill>
@@ -29744,8 +30190,11 @@
                 <a:spcPct val="90000"/>
               </a:lnSpc>
               <a:spcBef>
-                <a:spcPts val="1417"/>
+                <a:spcPts val="1191"/>
               </a:spcBef>
+              <a:spcAft>
+                <a:spcPts val="992"/>
+              </a:spcAft>
               <a:buClr>
                 <a:srgbClr val="000000"/>
               </a:buClr>
@@ -29762,7 +30211,7 @@
                 <a:uFillTx/>
                 <a:latin typeface="Arial"/>
               </a:rPr>
-              <a:t>Enables seamless and directional assembly of multiple DNA fragments in a single reaction</a:t>
+              <a:t>Uses Type IIS enzymes (e.g. Esp3I)</a:t>
             </a:r>
             <a:endParaRPr b="0" lang="de-DE" sz="2000" strike="noStrike" u="none">
               <a:solidFill>
@@ -29779,8 +30228,11 @@
                 <a:spcPct val="90000"/>
               </a:lnSpc>
               <a:spcBef>
-                <a:spcPts val="1417"/>
+                <a:spcPts val="1191"/>
               </a:spcBef>
+              <a:spcAft>
+                <a:spcPts val="992"/>
+              </a:spcAft>
               <a:buClr>
                 <a:srgbClr val="000000"/>
               </a:buClr>
@@ -29797,7 +30249,7 @@
                 <a:uFillTx/>
                 <a:latin typeface="Arial"/>
               </a:rPr>
-              <a:t>Custom overhangs created for precise ligation without extra bases</a:t>
+              <a:t>Cuts outside recognition sites → custom overhangs</a:t>
             </a:r>
             <a:endParaRPr b="0" lang="de-DE" sz="2000" strike="noStrike" u="none">
               <a:solidFill>
@@ -29814,8 +30266,11 @@
                 <a:spcPct val="90000"/>
               </a:lnSpc>
               <a:spcBef>
-                <a:spcPts val="1417"/>
+                <a:spcPts val="1191"/>
               </a:spcBef>
+              <a:spcAft>
+                <a:spcPts val="992"/>
+              </a:spcAft>
               <a:buClr>
                 <a:srgbClr val="000000"/>
               </a:buClr>
@@ -29832,7 +30287,7 @@
                 <a:uFillTx/>
                 <a:latin typeface="Arial"/>
               </a:rPr>
-              <a:t>Efficient and fast cloning method for modular DNA assembly</a:t>
+              <a:t>Enables seamless &amp; directional ligation</a:t>
             </a:r>
             <a:endParaRPr b="0" lang="de-DE" sz="2000" strike="noStrike" u="none">
               <a:solidFill>
@@ -29849,8 +30304,11 @@
                 <a:spcPct val="90000"/>
               </a:lnSpc>
               <a:spcBef>
-                <a:spcPts val="1417"/>
+                <a:spcPts val="1191"/>
               </a:spcBef>
+              <a:spcAft>
+                <a:spcPts val="992"/>
+              </a:spcAft>
               <a:buClr>
                 <a:srgbClr val="000000"/>
               </a:buClr>
@@ -29867,7 +30325,7 @@
                 <a:uFillTx/>
                 <a:latin typeface="Arial"/>
               </a:rPr>
-              <a:t>Widely used in synthetic biology and genetic engineering</a:t>
+              <a:t>Great for modular constructs</a:t>
             </a:r>
             <a:endParaRPr b="0" lang="de-DE" sz="2000" strike="noStrike" u="none">
               <a:solidFill>
@@ -29894,7 +30352,7 @@
         <p:txBody>
           <a:bodyPr/>
           <a:p>
-            <a:fld id="{19754BCC-D0B0-4921-A729-360AB2EEF175}" type="slidenum">
+            <a:fld id="{BD158501-AE5D-42A9-9FA8-DF0DFC52AFD5}" type="slidenum">
               <a:t>5</a:t>
             </a:fld>
           </a:p>
@@ -29910,6 +30368,551 @@
       <p:transition spd="slow"/>
     </mc:Fallback>
   </mc:AlternateContent>
+  <p:timing>
+    <p:tnLst>
+      <p:par>
+        <p:cTn id="107" dur="indefinite" restart="never" nodeType="tmRoot">
+          <p:childTnLst>
+            <p:seq>
+              <p:cTn id="108" dur="indefinite" nodeType="mainSeq">
+                <p:childTnLst>
+                  <p:par>
+                    <p:cTn id="109" fill="hold">
+                      <p:stCondLst>
+                        <p:cond delay="indefinite"/>
+                      </p:stCondLst>
+                      <p:childTnLst>
+                        <p:par>
+                          <p:cTn id="110" fill="hold">
+                            <p:stCondLst>
+                              <p:cond delay="0"/>
+                            </p:stCondLst>
+                            <p:childTnLst>
+                              <p:par>
+                                <p:cTn id="111" nodeType="clickEffect" fill="hold" presetClass="entr" presetID="2" presetSubtype="4">
+                                  <p:stCondLst>
+                                    <p:cond delay="0"/>
+                                  </p:stCondLst>
+                                  <p:childTnLst>
+                                    <p:set>
+                                      <p:cBhvr>
+                                        <p:cTn id="112" dur="1" fill="hold">
+                                          <p:stCondLst>
+                                            <p:cond delay="0"/>
+                                          </p:stCondLst>
+                                        </p:cTn>
+                                        <p:tgtEl>
+                                          <p:spTgt spid="277">
+                                            <p:txEl>
+                                              <p:pRg st="0" end="0"/>
+                                            </p:txEl>
+                                          </p:spTgt>
+                                        </p:tgtEl>
+                                        <p:attrNameLst>
+                                          <p:attrName>style.visibility</p:attrName>
+                                        </p:attrNameLst>
+                                      </p:cBhvr>
+                                      <p:to>
+                                        <p:strVal val="visible"/>
+                                      </p:to>
+                                    </p:set>
+                                    <p:anim calcmode="lin" valueType="num">
+                                      <p:cBhvr additive="repl">
+                                        <p:cTn id="113" dur="500" fill="hold"/>
+                                        <p:tgtEl>
+                                          <p:spTgt spid="277">
+                                            <p:txEl>
+                                              <p:pRg st="0" end="0"/>
+                                            </p:txEl>
+                                          </p:spTgt>
+                                        </p:tgtEl>
+                                        <p:attrNameLst>
+                                          <p:attrName>ppt_x</p:attrName>
+                                        </p:attrNameLst>
+                                      </p:cBhvr>
+                                      <p:tavLst>
+                                        <p:tav tm="0">
+                                          <p:val>
+                                            <p:strVal val="#ppt_x"/>
+                                          </p:val>
+                                        </p:tav>
+                                        <p:tav tm="100000">
+                                          <p:val>
+                                            <p:strVal val="#ppt_x"/>
+                                          </p:val>
+                                        </p:tav>
+                                      </p:tavLst>
+                                    </p:anim>
+                                    <p:anim calcmode="lin" valueType="num">
+                                      <p:cBhvr additive="repl">
+                                        <p:cTn id="114" dur="500" fill="hold"/>
+                                        <p:tgtEl>
+                                          <p:spTgt spid="277">
+                                            <p:txEl>
+                                              <p:pRg st="0" end="0"/>
+                                            </p:txEl>
+                                          </p:spTgt>
+                                        </p:tgtEl>
+                                        <p:attrNameLst>
+                                          <p:attrName>ppt_y</p:attrName>
+                                        </p:attrNameLst>
+                                      </p:cBhvr>
+                                      <p:tavLst>
+                                        <p:tav tm="0">
+                                          <p:val>
+                                            <p:strVal val="1+#ppt_h/2"/>
+                                          </p:val>
+                                        </p:tav>
+                                        <p:tav tm="100000">
+                                          <p:val>
+                                            <p:strVal val="#ppt_y"/>
+                                          </p:val>
+                                        </p:tav>
+                                      </p:tavLst>
+                                    </p:anim>
+                                  </p:childTnLst>
+                                </p:cTn>
+                              </p:par>
+                            </p:childTnLst>
+                          </p:cTn>
+                        </p:par>
+                      </p:childTnLst>
+                    </p:cTn>
+                  </p:par>
+                  <p:par>
+                    <p:cTn id="115" fill="hold">
+                      <p:stCondLst>
+                        <p:cond delay="indefinite"/>
+                      </p:stCondLst>
+                      <p:childTnLst>
+                        <p:par>
+                          <p:cTn id="116" fill="hold">
+                            <p:stCondLst>
+                              <p:cond delay="0"/>
+                            </p:stCondLst>
+                            <p:childTnLst>
+                              <p:par>
+                                <p:cTn id="117" nodeType="clickEffect" fill="hold" presetClass="entr" presetID="2" presetSubtype="4">
+                                  <p:stCondLst>
+                                    <p:cond delay="0"/>
+                                  </p:stCondLst>
+                                  <p:childTnLst>
+                                    <p:set>
+                                      <p:cBhvr>
+                                        <p:cTn id="118" dur="1" fill="hold">
+                                          <p:stCondLst>
+                                            <p:cond delay="0"/>
+                                          </p:stCondLst>
+                                        </p:cTn>
+                                        <p:tgtEl>
+                                          <p:spTgt spid="277">
+                                            <p:txEl>
+                                              <p:pRg st="1" end="1"/>
+                                            </p:txEl>
+                                          </p:spTgt>
+                                        </p:tgtEl>
+                                        <p:attrNameLst>
+                                          <p:attrName>style.visibility</p:attrName>
+                                        </p:attrNameLst>
+                                      </p:cBhvr>
+                                      <p:to>
+                                        <p:strVal val="visible"/>
+                                      </p:to>
+                                    </p:set>
+                                    <p:anim calcmode="lin" valueType="num">
+                                      <p:cBhvr additive="repl">
+                                        <p:cTn id="119" dur="500" fill="hold"/>
+                                        <p:tgtEl>
+                                          <p:spTgt spid="277">
+                                            <p:txEl>
+                                              <p:pRg st="1" end="1"/>
+                                            </p:txEl>
+                                          </p:spTgt>
+                                        </p:tgtEl>
+                                        <p:attrNameLst>
+                                          <p:attrName>ppt_x</p:attrName>
+                                        </p:attrNameLst>
+                                      </p:cBhvr>
+                                      <p:tavLst>
+                                        <p:tav tm="0">
+                                          <p:val>
+                                            <p:strVal val="#ppt_x"/>
+                                          </p:val>
+                                        </p:tav>
+                                        <p:tav tm="100000">
+                                          <p:val>
+                                            <p:strVal val="#ppt_x"/>
+                                          </p:val>
+                                        </p:tav>
+                                      </p:tavLst>
+                                    </p:anim>
+                                    <p:anim calcmode="lin" valueType="num">
+                                      <p:cBhvr additive="repl">
+                                        <p:cTn id="120" dur="500" fill="hold"/>
+                                        <p:tgtEl>
+                                          <p:spTgt spid="277">
+                                            <p:txEl>
+                                              <p:pRg st="1" end="1"/>
+                                            </p:txEl>
+                                          </p:spTgt>
+                                        </p:tgtEl>
+                                        <p:attrNameLst>
+                                          <p:attrName>ppt_y</p:attrName>
+                                        </p:attrNameLst>
+                                      </p:cBhvr>
+                                      <p:tavLst>
+                                        <p:tav tm="0">
+                                          <p:val>
+                                            <p:strVal val="1+#ppt_h/2"/>
+                                          </p:val>
+                                        </p:tav>
+                                        <p:tav tm="100000">
+                                          <p:val>
+                                            <p:strVal val="#ppt_y"/>
+                                          </p:val>
+                                        </p:tav>
+                                      </p:tavLst>
+                                    </p:anim>
+                                  </p:childTnLst>
+                                </p:cTn>
+                              </p:par>
+                            </p:childTnLst>
+                          </p:cTn>
+                        </p:par>
+                      </p:childTnLst>
+                    </p:cTn>
+                  </p:par>
+                  <p:par>
+                    <p:cTn id="121" fill="hold">
+                      <p:stCondLst>
+                        <p:cond delay="indefinite"/>
+                      </p:stCondLst>
+                      <p:childTnLst>
+                        <p:par>
+                          <p:cTn id="122" fill="hold">
+                            <p:stCondLst>
+                              <p:cond delay="0"/>
+                            </p:stCondLst>
+                            <p:childTnLst>
+                              <p:par>
+                                <p:cTn id="123" nodeType="clickEffect" fill="hold" presetClass="entr" presetID="2" presetSubtype="4">
+                                  <p:stCondLst>
+                                    <p:cond delay="0"/>
+                                  </p:stCondLst>
+                                  <p:childTnLst>
+                                    <p:set>
+                                      <p:cBhvr>
+                                        <p:cTn id="124" dur="1" fill="hold">
+                                          <p:stCondLst>
+                                            <p:cond delay="0"/>
+                                          </p:stCondLst>
+                                        </p:cTn>
+                                        <p:tgtEl>
+                                          <p:spTgt spid="277">
+                                            <p:txEl>
+                                              <p:pRg st="2" end="2"/>
+                                            </p:txEl>
+                                          </p:spTgt>
+                                        </p:tgtEl>
+                                        <p:attrNameLst>
+                                          <p:attrName>style.visibility</p:attrName>
+                                        </p:attrNameLst>
+                                      </p:cBhvr>
+                                      <p:to>
+                                        <p:strVal val="visible"/>
+                                      </p:to>
+                                    </p:set>
+                                    <p:anim calcmode="lin" valueType="num">
+                                      <p:cBhvr additive="repl">
+                                        <p:cTn id="125" dur="500" fill="hold"/>
+                                        <p:tgtEl>
+                                          <p:spTgt spid="277">
+                                            <p:txEl>
+                                              <p:pRg st="2" end="2"/>
+                                            </p:txEl>
+                                          </p:spTgt>
+                                        </p:tgtEl>
+                                        <p:attrNameLst>
+                                          <p:attrName>ppt_x</p:attrName>
+                                        </p:attrNameLst>
+                                      </p:cBhvr>
+                                      <p:tavLst>
+                                        <p:tav tm="0">
+                                          <p:val>
+                                            <p:strVal val="#ppt_x"/>
+                                          </p:val>
+                                        </p:tav>
+                                        <p:tav tm="100000">
+                                          <p:val>
+                                            <p:strVal val="#ppt_x"/>
+                                          </p:val>
+                                        </p:tav>
+                                      </p:tavLst>
+                                    </p:anim>
+                                    <p:anim calcmode="lin" valueType="num">
+                                      <p:cBhvr additive="repl">
+                                        <p:cTn id="126" dur="500" fill="hold"/>
+                                        <p:tgtEl>
+                                          <p:spTgt spid="277">
+                                            <p:txEl>
+                                              <p:pRg st="2" end="2"/>
+                                            </p:txEl>
+                                          </p:spTgt>
+                                        </p:tgtEl>
+                                        <p:attrNameLst>
+                                          <p:attrName>ppt_y</p:attrName>
+                                        </p:attrNameLst>
+                                      </p:cBhvr>
+                                      <p:tavLst>
+                                        <p:tav tm="0">
+                                          <p:val>
+                                            <p:strVal val="1+#ppt_h/2"/>
+                                          </p:val>
+                                        </p:tav>
+                                        <p:tav tm="100000">
+                                          <p:val>
+                                            <p:strVal val="#ppt_y"/>
+                                          </p:val>
+                                        </p:tav>
+                                      </p:tavLst>
+                                    </p:anim>
+                                  </p:childTnLst>
+                                </p:cTn>
+                              </p:par>
+                            </p:childTnLst>
+                          </p:cTn>
+                        </p:par>
+                      </p:childTnLst>
+                    </p:cTn>
+                  </p:par>
+                  <p:par>
+                    <p:cTn id="127" fill="hold">
+                      <p:stCondLst>
+                        <p:cond delay="indefinite"/>
+                      </p:stCondLst>
+                      <p:childTnLst>
+                        <p:par>
+                          <p:cTn id="128" fill="hold">
+                            <p:stCondLst>
+                              <p:cond delay="0"/>
+                            </p:stCondLst>
+                            <p:childTnLst>
+                              <p:par>
+                                <p:cTn id="129" nodeType="clickEffect" fill="hold" presetClass="entr" presetID="2" presetSubtype="4">
+                                  <p:stCondLst>
+                                    <p:cond delay="0"/>
+                                  </p:stCondLst>
+                                  <p:childTnLst>
+                                    <p:set>
+                                      <p:cBhvr>
+                                        <p:cTn id="130" dur="1" fill="hold">
+                                          <p:stCondLst>
+                                            <p:cond delay="0"/>
+                                          </p:stCondLst>
+                                        </p:cTn>
+                                        <p:tgtEl>
+                                          <p:spTgt spid="277">
+                                            <p:txEl>
+                                              <p:pRg st="3" end="3"/>
+                                            </p:txEl>
+                                          </p:spTgt>
+                                        </p:tgtEl>
+                                        <p:attrNameLst>
+                                          <p:attrName>style.visibility</p:attrName>
+                                        </p:attrNameLst>
+                                      </p:cBhvr>
+                                      <p:to>
+                                        <p:strVal val="visible"/>
+                                      </p:to>
+                                    </p:set>
+                                    <p:anim calcmode="lin" valueType="num">
+                                      <p:cBhvr additive="repl">
+                                        <p:cTn id="131" dur="500" fill="hold"/>
+                                        <p:tgtEl>
+                                          <p:spTgt spid="277">
+                                            <p:txEl>
+                                              <p:pRg st="3" end="3"/>
+                                            </p:txEl>
+                                          </p:spTgt>
+                                        </p:tgtEl>
+                                        <p:attrNameLst>
+                                          <p:attrName>ppt_x</p:attrName>
+                                        </p:attrNameLst>
+                                      </p:cBhvr>
+                                      <p:tavLst>
+                                        <p:tav tm="0">
+                                          <p:val>
+                                            <p:strVal val="#ppt_x"/>
+                                          </p:val>
+                                        </p:tav>
+                                        <p:tav tm="100000">
+                                          <p:val>
+                                            <p:strVal val="#ppt_x"/>
+                                          </p:val>
+                                        </p:tav>
+                                      </p:tavLst>
+                                    </p:anim>
+                                    <p:anim calcmode="lin" valueType="num">
+                                      <p:cBhvr additive="repl">
+                                        <p:cTn id="132" dur="500" fill="hold"/>
+                                        <p:tgtEl>
+                                          <p:spTgt spid="277">
+                                            <p:txEl>
+                                              <p:pRg st="3" end="3"/>
+                                            </p:txEl>
+                                          </p:spTgt>
+                                        </p:tgtEl>
+                                        <p:attrNameLst>
+                                          <p:attrName>ppt_y</p:attrName>
+                                        </p:attrNameLst>
+                                      </p:cBhvr>
+                                      <p:tavLst>
+                                        <p:tav tm="0">
+                                          <p:val>
+                                            <p:strVal val="1+#ppt_h/2"/>
+                                          </p:val>
+                                        </p:tav>
+                                        <p:tav tm="100000">
+                                          <p:val>
+                                            <p:strVal val="#ppt_y"/>
+                                          </p:val>
+                                        </p:tav>
+                                      </p:tavLst>
+                                    </p:anim>
+                                  </p:childTnLst>
+                                </p:cTn>
+                              </p:par>
+                            </p:childTnLst>
+                          </p:cTn>
+                        </p:par>
+                      </p:childTnLst>
+                    </p:cTn>
+                  </p:par>
+                  <p:par>
+                    <p:cTn id="133" fill="hold">
+                      <p:stCondLst>
+                        <p:cond delay="indefinite"/>
+                      </p:stCondLst>
+                      <p:childTnLst>
+                        <p:par>
+                          <p:cTn id="134" fill="hold">
+                            <p:stCondLst>
+                              <p:cond delay="0"/>
+                            </p:stCondLst>
+                            <p:childTnLst>
+                              <p:par>
+                                <p:cTn id="135" nodeType="clickEffect" fill="hold" presetClass="entr" presetID="2" presetSubtype="4">
+                                  <p:stCondLst>
+                                    <p:cond delay="0"/>
+                                  </p:stCondLst>
+                                  <p:childTnLst>
+                                    <p:set>
+                                      <p:cBhvr>
+                                        <p:cTn id="136" dur="1" fill="hold">
+                                          <p:stCondLst>
+                                            <p:cond delay="0"/>
+                                          </p:stCondLst>
+                                        </p:cTn>
+                                        <p:tgtEl>
+                                          <p:spTgt spid="277">
+                                            <p:txEl>
+                                              <p:pRg st="4" end="4"/>
+                                            </p:txEl>
+                                          </p:spTgt>
+                                        </p:tgtEl>
+                                        <p:attrNameLst>
+                                          <p:attrName>style.visibility</p:attrName>
+                                        </p:attrNameLst>
+                                      </p:cBhvr>
+                                      <p:to>
+                                        <p:strVal val="visible"/>
+                                      </p:to>
+                                    </p:set>
+                                    <p:anim calcmode="lin" valueType="num">
+                                      <p:cBhvr additive="repl">
+                                        <p:cTn id="137" dur="500" fill="hold"/>
+                                        <p:tgtEl>
+                                          <p:spTgt spid="277">
+                                            <p:txEl>
+                                              <p:pRg st="4" end="4"/>
+                                            </p:txEl>
+                                          </p:spTgt>
+                                        </p:tgtEl>
+                                        <p:attrNameLst>
+                                          <p:attrName>ppt_x</p:attrName>
+                                        </p:attrNameLst>
+                                      </p:cBhvr>
+                                      <p:tavLst>
+                                        <p:tav tm="0">
+                                          <p:val>
+                                            <p:strVal val="#ppt_x"/>
+                                          </p:val>
+                                        </p:tav>
+                                        <p:tav tm="100000">
+                                          <p:val>
+                                            <p:strVal val="#ppt_x"/>
+                                          </p:val>
+                                        </p:tav>
+                                      </p:tavLst>
+                                    </p:anim>
+                                    <p:anim calcmode="lin" valueType="num">
+                                      <p:cBhvr additive="repl">
+                                        <p:cTn id="138" dur="500" fill="hold"/>
+                                        <p:tgtEl>
+                                          <p:spTgt spid="277">
+                                            <p:txEl>
+                                              <p:pRg st="4" end="4"/>
+                                            </p:txEl>
+                                          </p:spTgt>
+                                        </p:tgtEl>
+                                        <p:attrNameLst>
+                                          <p:attrName>ppt_y</p:attrName>
+                                        </p:attrNameLst>
+                                      </p:cBhvr>
+                                      <p:tavLst>
+                                        <p:tav tm="0">
+                                          <p:val>
+                                            <p:strVal val="1+#ppt_h/2"/>
+                                          </p:val>
+                                        </p:tav>
+                                        <p:tav tm="100000">
+                                          <p:val>
+                                            <p:strVal val="#ppt_y"/>
+                                          </p:val>
+                                        </p:tav>
+                                      </p:tavLst>
+                                    </p:anim>
+                                  </p:childTnLst>
+                                </p:cTn>
+                              </p:par>
+                            </p:childTnLst>
+                          </p:cTn>
+                        </p:par>
+                      </p:childTnLst>
+                    </p:cTn>
+                  </p:par>
+                </p:childTnLst>
+              </p:cTn>
+              <p:prevCondLst>
+                <p:cond evt="onPrev">
+                  <p:tgtEl>
+                    <p:sldTgt/>
+                  </p:tgtEl>
+                </p:cond>
+              </p:prevCondLst>
+              <p:nextCondLst>
+                <p:cond evt="onNext">
+                  <p:tgtEl>
+                    <p:sldTgt/>
+                  </p:tgtEl>
+                </p:cond>
+              </p:nextCondLst>
+            </p:seq>
+          </p:childTnLst>
+        </p:cTn>
+      </p:par>
+    </p:tnLst>
+  </p:timing>
 </p:sld>
 </file>
 
@@ -30188,7 +31191,7 @@
         <p:txBody>
           <a:bodyPr/>
           <a:p>
-            <a:fld id="{D00F243A-10FC-45CE-ACD4-11FB376816B8}" type="slidenum">
+            <a:fld id="{94B691EC-4C75-4CC2-839F-DC75F8BA614B}" type="slidenum">
               <a:t>6</a:t>
             </a:fld>
           </a:p>
@@ -30207,32 +31210,32 @@
   <p:timing>
     <p:tnLst>
       <p:par>
-        <p:cTn id="25" dur="indefinite" restart="never" nodeType="tmRoot">
+        <p:cTn id="139" dur="indefinite" restart="never" nodeType="tmRoot">
           <p:childTnLst>
             <p:seq>
-              <p:cTn id="26" dur="indefinite" nodeType="mainSeq">
+              <p:cTn id="140" dur="indefinite" nodeType="mainSeq">
                 <p:childTnLst>
                   <p:par>
-                    <p:cTn id="27" fill="hold">
+                    <p:cTn id="141" fill="hold">
                       <p:stCondLst>
                         <p:cond delay="indefinite"/>
                       </p:stCondLst>
                       <p:childTnLst>
                         <p:par>
-                          <p:cTn id="28" fill="hold">
+                          <p:cTn id="142" fill="hold">
                             <p:stCondLst>
                               <p:cond delay="0"/>
                             </p:stCondLst>
                             <p:childTnLst>
                               <p:par>
-                                <p:cTn id="29" nodeType="clickEffect" fill="hold" presetClass="entr" presetID="2" presetSubtype="4">
+                                <p:cTn id="143" nodeType="clickEffect" fill="hold" presetClass="entr" presetID="2" presetSubtype="4">
                                   <p:stCondLst>
                                     <p:cond delay="0"/>
                                   </p:stCondLst>
                                   <p:childTnLst>
                                     <p:set>
                                       <p:cBhvr>
-                                        <p:cTn id="30" dur="1" fill="hold">
+                                        <p:cTn id="144" dur="1" fill="hold">
                                           <p:stCondLst>
                                             <p:cond delay="0"/>
                                           </p:stCondLst>
@@ -30254,7 +31257,7 @@
                                     </p:set>
                                     <p:anim calcmode="lin" valueType="num">
                                       <p:cBhvr additive="repl">
-                                        <p:cTn id="31" dur="500" fill="hold"/>
+                                        <p:cTn id="145" dur="500" fill="hold"/>
                                         <p:tgtEl>
                                           <p:spTgt spid="279">
                                             <p:txEl>
@@ -30281,7 +31284,7 @@
                                     </p:anim>
                                     <p:anim calcmode="lin" valueType="num">
                                       <p:cBhvr additive="repl">
-                                        <p:cTn id="32" dur="500" fill="hold"/>
+                                        <p:cTn id="146" dur="500" fill="hold"/>
                                         <p:tgtEl>
                                           <p:spTgt spid="279">
                                             <p:txEl>
@@ -30316,26 +31319,26 @@
                     </p:cTn>
                   </p:par>
                   <p:par>
-                    <p:cTn id="33" fill="hold">
+                    <p:cTn id="147" fill="hold">
                       <p:stCondLst>
                         <p:cond delay="indefinite"/>
                       </p:stCondLst>
                       <p:childTnLst>
                         <p:par>
-                          <p:cTn id="34" fill="hold">
+                          <p:cTn id="148" fill="hold">
                             <p:stCondLst>
                               <p:cond delay="0"/>
                             </p:stCondLst>
                             <p:childTnLst>
                               <p:par>
-                                <p:cTn id="35" nodeType="clickEffect" fill="hold" presetClass="entr" presetID="2" presetSubtype="4">
+                                <p:cTn id="149" nodeType="clickEffect" fill="hold" presetClass="entr" presetID="2" presetSubtype="4">
                                   <p:stCondLst>
                                     <p:cond delay="0"/>
                                   </p:stCondLst>
                                   <p:childTnLst>
                                     <p:set>
                                       <p:cBhvr>
-                                        <p:cTn id="36" dur="1" fill="hold">
+                                        <p:cTn id="150" dur="1" fill="hold">
                                           <p:stCondLst>
                                             <p:cond delay="0"/>
                                           </p:stCondLst>
@@ -30357,7 +31360,7 @@
                                     </p:set>
                                     <p:anim calcmode="lin" valueType="num">
                                       <p:cBhvr additive="repl">
-                                        <p:cTn id="37" dur="500" fill="hold"/>
+                                        <p:cTn id="151" dur="500" fill="hold"/>
                                         <p:tgtEl>
                                           <p:spTgt spid="279">
                                             <p:txEl>
@@ -30384,7 +31387,7 @@
                                     </p:anim>
                                     <p:anim calcmode="lin" valueType="num">
                                       <p:cBhvr additive="repl">
-                                        <p:cTn id="38" dur="500" fill="hold"/>
+                                        <p:cTn id="152" dur="500" fill="hold"/>
                                         <p:tgtEl>
                                           <p:spTgt spid="279">
                                             <p:txEl>
@@ -30419,26 +31422,26 @@
                     </p:cTn>
                   </p:par>
                   <p:par>
-                    <p:cTn id="39" fill="hold">
+                    <p:cTn id="153" fill="hold">
                       <p:stCondLst>
                         <p:cond delay="indefinite"/>
                       </p:stCondLst>
                       <p:childTnLst>
                         <p:par>
-                          <p:cTn id="40" fill="hold">
+                          <p:cTn id="154" fill="hold">
                             <p:stCondLst>
                               <p:cond delay="0"/>
                             </p:stCondLst>
                             <p:childTnLst>
                               <p:par>
-                                <p:cTn id="41" nodeType="clickEffect" fill="hold" presetClass="entr" presetID="2" presetSubtype="4">
+                                <p:cTn id="155" nodeType="clickEffect" fill="hold" presetClass="entr" presetID="2" presetSubtype="4">
                                   <p:stCondLst>
                                     <p:cond delay="0"/>
                                   </p:stCondLst>
                                   <p:childTnLst>
                                     <p:set>
                                       <p:cBhvr>
-                                        <p:cTn id="42" dur="1" fill="hold">
+                                        <p:cTn id="156" dur="1" fill="hold">
                                           <p:stCondLst>
                                             <p:cond delay="0"/>
                                           </p:stCondLst>
@@ -30460,7 +31463,7 @@
                                     </p:set>
                                     <p:anim calcmode="lin" valueType="num">
                                       <p:cBhvr additive="repl">
-                                        <p:cTn id="43" dur="500" fill="hold"/>
+                                        <p:cTn id="157" dur="500" fill="hold"/>
                                         <p:tgtEl>
                                           <p:spTgt spid="279">
                                             <p:txEl>
@@ -30487,7 +31490,7 @@
                                     </p:anim>
                                     <p:anim calcmode="lin" valueType="num">
                                       <p:cBhvr additive="repl">
-                                        <p:cTn id="44" dur="500" fill="hold"/>
+                                        <p:cTn id="158" dur="500" fill="hold"/>
                                         <p:tgtEl>
                                           <p:spTgt spid="279">
                                             <p:txEl>
@@ -30522,26 +31525,26 @@
                     </p:cTn>
                   </p:par>
                   <p:par>
-                    <p:cTn id="45" fill="hold">
+                    <p:cTn id="159" fill="hold">
                       <p:stCondLst>
                         <p:cond delay="indefinite"/>
                       </p:stCondLst>
                       <p:childTnLst>
                         <p:par>
-                          <p:cTn id="46" fill="hold">
+                          <p:cTn id="160" fill="hold">
                             <p:stCondLst>
                               <p:cond delay="0"/>
                             </p:stCondLst>
                             <p:childTnLst>
                               <p:par>
-                                <p:cTn id="47" nodeType="clickEffect" fill="hold" presetClass="entr" presetID="2" presetSubtype="4">
+                                <p:cTn id="161" nodeType="clickEffect" fill="hold" presetClass="entr" presetID="2" presetSubtype="4">
                                   <p:stCondLst>
                                     <p:cond delay="0"/>
                                   </p:stCondLst>
                                   <p:childTnLst>
                                     <p:set>
                                       <p:cBhvr>
-                                        <p:cTn id="48" dur="1" fill="hold">
+                                        <p:cTn id="162" dur="1" fill="hold">
                                           <p:stCondLst>
                                             <p:cond delay="0"/>
                                           </p:stCondLst>
@@ -30563,7 +31566,7 @@
                                     </p:set>
                                     <p:anim calcmode="lin" valueType="num">
                                       <p:cBhvr additive="repl">
-                                        <p:cTn id="49" dur="500" fill="hold"/>
+                                        <p:cTn id="163" dur="500" fill="hold"/>
                                         <p:tgtEl>
                                           <p:spTgt spid="279">
                                             <p:txEl>
@@ -30590,7 +31593,7 @@
                                     </p:anim>
                                     <p:anim calcmode="lin" valueType="num">
                                       <p:cBhvr additive="repl">
-                                        <p:cTn id="50" dur="500" fill="hold"/>
+                                        <p:cTn id="164" dur="500" fill="hold"/>
                                         <p:tgtEl>
                                           <p:spTgt spid="279">
                                             <p:txEl>
@@ -30760,6 +31763,7 @@
               <a:buClr>
                 <a:srgbClr val="000000"/>
               </a:buClr>
+              <a:buFont typeface="OpenSymbol"/>
               <a:buAutoNum type="arabicParenR"/>
             </a:pPr>
             <a:r>
@@ -31039,7 +32043,7 @@
         <p:txBody>
           <a:bodyPr/>
           <a:p>
-            <a:fld id="{EA12C5CC-99E0-488B-97B4-3534C7D5D935}" type="slidenum">
+            <a:fld id="{AFDA6EFB-AF39-4047-802A-86B06D78BC1D}" type="slidenum">
               <a:t>7</a:t>
             </a:fld>
           </a:p>
@@ -31058,32 +32062,32 @@
   <p:timing>
     <p:tnLst>
       <p:par>
-        <p:cTn id="51" dur="indefinite" restart="never" nodeType="tmRoot">
+        <p:cTn id="165" dur="indefinite" restart="never" nodeType="tmRoot">
           <p:childTnLst>
             <p:seq>
-              <p:cTn id="52" dur="indefinite" nodeType="mainSeq">
+              <p:cTn id="166" dur="indefinite" nodeType="mainSeq">
                 <p:childTnLst>
                   <p:par>
-                    <p:cTn id="53" fill="hold">
+                    <p:cTn id="167" fill="hold">
                       <p:stCondLst>
                         <p:cond delay="indefinite"/>
                       </p:stCondLst>
                       <p:childTnLst>
                         <p:par>
-                          <p:cTn id="54" fill="hold">
+                          <p:cTn id="168" fill="hold">
                             <p:stCondLst>
                               <p:cond delay="0"/>
                             </p:stCondLst>
                             <p:childTnLst>
                               <p:par>
-                                <p:cTn id="55" nodeType="clickEffect" fill="hold" presetClass="entr" presetID="2" presetSubtype="4">
+                                <p:cTn id="169" nodeType="clickEffect" fill="hold" presetClass="entr" presetID="2" presetSubtype="4">
                                   <p:stCondLst>
                                     <p:cond delay="0"/>
                                   </p:stCondLst>
                                   <p:childTnLst>
                                     <p:set>
                                       <p:cBhvr>
-                                        <p:cTn id="56" dur="1" fill="hold">
+                                        <p:cTn id="170" dur="1" fill="hold">
                                           <p:stCondLst>
                                             <p:cond delay="0"/>
                                           </p:stCondLst>
@@ -31105,7 +32109,7 @@
                                     </p:set>
                                     <p:anim calcmode="lin" valueType="num">
                                       <p:cBhvr additive="repl">
-                                        <p:cTn id="57" dur="500" fill="hold"/>
+                                        <p:cTn id="171" dur="500" fill="hold"/>
                                         <p:tgtEl>
                                           <p:spTgt spid="281">
                                             <p:txEl>
@@ -31132,11 +32136,526 @@
                                     </p:anim>
                                     <p:anim calcmode="lin" valueType="num">
                                       <p:cBhvr additive="repl">
-                                        <p:cTn id="58" dur="500" fill="hold"/>
+                                        <p:cTn id="172" dur="500" fill="hold"/>
                                         <p:tgtEl>
                                           <p:spTgt spid="281">
                                             <p:txEl>
                                               <p:pRg st="0" end="0"/>
+                                            </p:txEl>
+                                          </p:spTgt>
+                                        </p:tgtEl>
+                                        <p:attrNameLst>
+                                          <p:attrName>ppt_y</p:attrName>
+                                        </p:attrNameLst>
+                                      </p:cBhvr>
+                                      <p:tavLst>
+                                        <p:tav tm="0">
+                                          <p:val>
+                                            <p:strVal val="1+#ppt_h/2"/>
+                                          </p:val>
+                                        </p:tav>
+                                        <p:tav tm="100000">
+                                          <p:val>
+                                            <p:strVal val="#ppt_y"/>
+                                          </p:val>
+                                        </p:tav>
+                                      </p:tavLst>
+                                    </p:anim>
+                                  </p:childTnLst>
+                                </p:cTn>
+                              </p:par>
+                            </p:childTnLst>
+                          </p:cTn>
+                        </p:par>
+                      </p:childTnLst>
+                    </p:cTn>
+                  </p:par>
+                  <p:par>
+                    <p:cTn id="173" fill="hold">
+                      <p:stCondLst>
+                        <p:cond delay="indefinite"/>
+                      </p:stCondLst>
+                      <p:childTnLst>
+                        <p:par>
+                          <p:cTn id="174" fill="hold">
+                            <p:stCondLst>
+                              <p:cond delay="0"/>
+                            </p:stCondLst>
+                            <p:childTnLst>
+                              <p:par>
+                                <p:cTn id="175" nodeType="clickEffect" fill="hold" presetClass="entr" presetID="2" presetSubtype="4">
+                                  <p:stCondLst>
+                                    <p:cond delay="0"/>
+                                  </p:stCondLst>
+                                  <p:childTnLst>
+                                    <p:set>
+                                      <p:cBhvr>
+                                        <p:cTn id="176" dur="1" fill="hold">
+                                          <p:stCondLst>
+                                            <p:cond delay="0"/>
+                                          </p:stCondLst>
+                                        </p:cTn>
+                                        <p:tgtEl>
+                                          <p:spTgt spid="281">
+                                            <p:txEl>
+                                              <p:pRg st="1" end="1"/>
+                                            </p:txEl>
+                                          </p:spTgt>
+                                        </p:tgtEl>
+                                        <p:attrNameLst>
+                                          <p:attrName>style.visibility</p:attrName>
+                                        </p:attrNameLst>
+                                      </p:cBhvr>
+                                      <p:to>
+                                        <p:strVal val="visible"/>
+                                      </p:to>
+                                    </p:set>
+                                    <p:anim calcmode="lin" valueType="num">
+                                      <p:cBhvr additive="repl">
+                                        <p:cTn id="177" dur="500" fill="hold"/>
+                                        <p:tgtEl>
+                                          <p:spTgt spid="281">
+                                            <p:txEl>
+                                              <p:pRg st="1" end="1"/>
+                                            </p:txEl>
+                                          </p:spTgt>
+                                        </p:tgtEl>
+                                        <p:attrNameLst>
+                                          <p:attrName>ppt_x</p:attrName>
+                                        </p:attrNameLst>
+                                      </p:cBhvr>
+                                      <p:tavLst>
+                                        <p:tav tm="0">
+                                          <p:val>
+                                            <p:strVal val="#ppt_x"/>
+                                          </p:val>
+                                        </p:tav>
+                                        <p:tav tm="100000">
+                                          <p:val>
+                                            <p:strVal val="#ppt_x"/>
+                                          </p:val>
+                                        </p:tav>
+                                      </p:tavLst>
+                                    </p:anim>
+                                    <p:anim calcmode="lin" valueType="num">
+                                      <p:cBhvr additive="repl">
+                                        <p:cTn id="178" dur="500" fill="hold"/>
+                                        <p:tgtEl>
+                                          <p:spTgt spid="281">
+                                            <p:txEl>
+                                              <p:pRg st="1" end="1"/>
+                                            </p:txEl>
+                                          </p:spTgt>
+                                        </p:tgtEl>
+                                        <p:attrNameLst>
+                                          <p:attrName>ppt_y</p:attrName>
+                                        </p:attrNameLst>
+                                      </p:cBhvr>
+                                      <p:tavLst>
+                                        <p:tav tm="0">
+                                          <p:val>
+                                            <p:strVal val="1+#ppt_h/2"/>
+                                          </p:val>
+                                        </p:tav>
+                                        <p:tav tm="100000">
+                                          <p:val>
+                                            <p:strVal val="#ppt_y"/>
+                                          </p:val>
+                                        </p:tav>
+                                      </p:tavLst>
+                                    </p:anim>
+                                  </p:childTnLst>
+                                </p:cTn>
+                              </p:par>
+                            </p:childTnLst>
+                          </p:cTn>
+                        </p:par>
+                      </p:childTnLst>
+                    </p:cTn>
+                  </p:par>
+                  <p:par>
+                    <p:cTn id="179" fill="hold">
+                      <p:stCondLst>
+                        <p:cond delay="indefinite"/>
+                      </p:stCondLst>
+                      <p:childTnLst>
+                        <p:par>
+                          <p:cTn id="180" fill="hold">
+                            <p:stCondLst>
+                              <p:cond delay="0"/>
+                            </p:stCondLst>
+                            <p:childTnLst>
+                              <p:par>
+                                <p:cTn id="181" nodeType="clickEffect" fill="hold" presetClass="entr" presetID="2" presetSubtype="4">
+                                  <p:stCondLst>
+                                    <p:cond delay="0"/>
+                                  </p:stCondLst>
+                                  <p:childTnLst>
+                                    <p:set>
+                                      <p:cBhvr>
+                                        <p:cTn id="182" dur="1" fill="hold">
+                                          <p:stCondLst>
+                                            <p:cond delay="0"/>
+                                          </p:stCondLst>
+                                        </p:cTn>
+                                        <p:tgtEl>
+                                          <p:spTgt spid="281">
+                                            <p:txEl>
+                                              <p:pRg st="2" end="2"/>
+                                            </p:txEl>
+                                          </p:spTgt>
+                                        </p:tgtEl>
+                                        <p:attrNameLst>
+                                          <p:attrName>style.visibility</p:attrName>
+                                        </p:attrNameLst>
+                                      </p:cBhvr>
+                                      <p:to>
+                                        <p:strVal val="visible"/>
+                                      </p:to>
+                                    </p:set>
+                                    <p:anim calcmode="lin" valueType="num">
+                                      <p:cBhvr additive="repl">
+                                        <p:cTn id="183" dur="500" fill="hold"/>
+                                        <p:tgtEl>
+                                          <p:spTgt spid="281">
+                                            <p:txEl>
+                                              <p:pRg st="2" end="2"/>
+                                            </p:txEl>
+                                          </p:spTgt>
+                                        </p:tgtEl>
+                                        <p:attrNameLst>
+                                          <p:attrName>ppt_x</p:attrName>
+                                        </p:attrNameLst>
+                                      </p:cBhvr>
+                                      <p:tavLst>
+                                        <p:tav tm="0">
+                                          <p:val>
+                                            <p:strVal val="#ppt_x"/>
+                                          </p:val>
+                                        </p:tav>
+                                        <p:tav tm="100000">
+                                          <p:val>
+                                            <p:strVal val="#ppt_x"/>
+                                          </p:val>
+                                        </p:tav>
+                                      </p:tavLst>
+                                    </p:anim>
+                                    <p:anim calcmode="lin" valueType="num">
+                                      <p:cBhvr additive="repl">
+                                        <p:cTn id="184" dur="500" fill="hold"/>
+                                        <p:tgtEl>
+                                          <p:spTgt spid="281">
+                                            <p:txEl>
+                                              <p:pRg st="2" end="2"/>
+                                            </p:txEl>
+                                          </p:spTgt>
+                                        </p:tgtEl>
+                                        <p:attrNameLst>
+                                          <p:attrName>ppt_y</p:attrName>
+                                        </p:attrNameLst>
+                                      </p:cBhvr>
+                                      <p:tavLst>
+                                        <p:tav tm="0">
+                                          <p:val>
+                                            <p:strVal val="1+#ppt_h/2"/>
+                                          </p:val>
+                                        </p:tav>
+                                        <p:tav tm="100000">
+                                          <p:val>
+                                            <p:strVal val="#ppt_y"/>
+                                          </p:val>
+                                        </p:tav>
+                                      </p:tavLst>
+                                    </p:anim>
+                                  </p:childTnLst>
+                                </p:cTn>
+                              </p:par>
+                            </p:childTnLst>
+                          </p:cTn>
+                        </p:par>
+                      </p:childTnLst>
+                    </p:cTn>
+                  </p:par>
+                  <p:par>
+                    <p:cTn id="185" fill="hold">
+                      <p:stCondLst>
+                        <p:cond delay="indefinite"/>
+                      </p:stCondLst>
+                      <p:childTnLst>
+                        <p:par>
+                          <p:cTn id="186" fill="hold">
+                            <p:stCondLst>
+                              <p:cond delay="0"/>
+                            </p:stCondLst>
+                            <p:childTnLst>
+                              <p:par>
+                                <p:cTn id="187" nodeType="clickEffect" fill="hold" presetClass="entr" presetID="2" presetSubtype="4">
+                                  <p:stCondLst>
+                                    <p:cond delay="0"/>
+                                  </p:stCondLst>
+                                  <p:childTnLst>
+                                    <p:set>
+                                      <p:cBhvr>
+                                        <p:cTn id="188" dur="1" fill="hold">
+                                          <p:stCondLst>
+                                            <p:cond delay="0"/>
+                                          </p:stCondLst>
+                                        </p:cTn>
+                                        <p:tgtEl>
+                                          <p:spTgt spid="281">
+                                            <p:txEl>
+                                              <p:pRg st="3" end="3"/>
+                                            </p:txEl>
+                                          </p:spTgt>
+                                        </p:tgtEl>
+                                        <p:attrNameLst>
+                                          <p:attrName>style.visibility</p:attrName>
+                                        </p:attrNameLst>
+                                      </p:cBhvr>
+                                      <p:to>
+                                        <p:strVal val="visible"/>
+                                      </p:to>
+                                    </p:set>
+                                    <p:anim calcmode="lin" valueType="num">
+                                      <p:cBhvr additive="repl">
+                                        <p:cTn id="189" dur="500" fill="hold"/>
+                                        <p:tgtEl>
+                                          <p:spTgt spid="281">
+                                            <p:txEl>
+                                              <p:pRg st="3" end="3"/>
+                                            </p:txEl>
+                                          </p:spTgt>
+                                        </p:tgtEl>
+                                        <p:attrNameLst>
+                                          <p:attrName>ppt_x</p:attrName>
+                                        </p:attrNameLst>
+                                      </p:cBhvr>
+                                      <p:tavLst>
+                                        <p:tav tm="0">
+                                          <p:val>
+                                            <p:strVal val="#ppt_x"/>
+                                          </p:val>
+                                        </p:tav>
+                                        <p:tav tm="100000">
+                                          <p:val>
+                                            <p:strVal val="#ppt_x"/>
+                                          </p:val>
+                                        </p:tav>
+                                      </p:tavLst>
+                                    </p:anim>
+                                    <p:anim calcmode="lin" valueType="num">
+                                      <p:cBhvr additive="repl">
+                                        <p:cTn id="190" dur="500" fill="hold"/>
+                                        <p:tgtEl>
+                                          <p:spTgt spid="281">
+                                            <p:txEl>
+                                              <p:pRg st="3" end="3"/>
+                                            </p:txEl>
+                                          </p:spTgt>
+                                        </p:tgtEl>
+                                        <p:attrNameLst>
+                                          <p:attrName>ppt_y</p:attrName>
+                                        </p:attrNameLst>
+                                      </p:cBhvr>
+                                      <p:tavLst>
+                                        <p:tav tm="0">
+                                          <p:val>
+                                            <p:strVal val="1+#ppt_h/2"/>
+                                          </p:val>
+                                        </p:tav>
+                                        <p:tav tm="100000">
+                                          <p:val>
+                                            <p:strVal val="#ppt_y"/>
+                                          </p:val>
+                                        </p:tav>
+                                      </p:tavLst>
+                                    </p:anim>
+                                  </p:childTnLst>
+                                </p:cTn>
+                              </p:par>
+                            </p:childTnLst>
+                          </p:cTn>
+                        </p:par>
+                      </p:childTnLst>
+                    </p:cTn>
+                  </p:par>
+                  <p:par>
+                    <p:cTn id="191" fill="hold">
+                      <p:stCondLst>
+                        <p:cond delay="indefinite"/>
+                      </p:stCondLst>
+                      <p:childTnLst>
+                        <p:par>
+                          <p:cTn id="192" fill="hold">
+                            <p:stCondLst>
+                              <p:cond delay="0"/>
+                            </p:stCondLst>
+                            <p:childTnLst>
+                              <p:par>
+                                <p:cTn id="193" nodeType="clickEffect" fill="hold" presetClass="entr" presetID="2" presetSubtype="4">
+                                  <p:stCondLst>
+                                    <p:cond delay="0"/>
+                                  </p:stCondLst>
+                                  <p:childTnLst>
+                                    <p:set>
+                                      <p:cBhvr>
+                                        <p:cTn id="194" dur="1" fill="hold">
+                                          <p:stCondLst>
+                                            <p:cond delay="0"/>
+                                          </p:stCondLst>
+                                        </p:cTn>
+                                        <p:tgtEl>
+                                          <p:spTgt spid="281">
+                                            <p:txEl>
+                                              <p:pRg st="4" end="4"/>
+                                            </p:txEl>
+                                          </p:spTgt>
+                                        </p:tgtEl>
+                                        <p:attrNameLst>
+                                          <p:attrName>style.visibility</p:attrName>
+                                        </p:attrNameLst>
+                                      </p:cBhvr>
+                                      <p:to>
+                                        <p:strVal val="visible"/>
+                                      </p:to>
+                                    </p:set>
+                                    <p:anim calcmode="lin" valueType="num">
+                                      <p:cBhvr additive="repl">
+                                        <p:cTn id="195" dur="500" fill="hold"/>
+                                        <p:tgtEl>
+                                          <p:spTgt spid="281">
+                                            <p:txEl>
+                                              <p:pRg st="4" end="4"/>
+                                            </p:txEl>
+                                          </p:spTgt>
+                                        </p:tgtEl>
+                                        <p:attrNameLst>
+                                          <p:attrName>ppt_x</p:attrName>
+                                        </p:attrNameLst>
+                                      </p:cBhvr>
+                                      <p:tavLst>
+                                        <p:tav tm="0">
+                                          <p:val>
+                                            <p:strVal val="#ppt_x"/>
+                                          </p:val>
+                                        </p:tav>
+                                        <p:tav tm="100000">
+                                          <p:val>
+                                            <p:strVal val="#ppt_x"/>
+                                          </p:val>
+                                        </p:tav>
+                                      </p:tavLst>
+                                    </p:anim>
+                                    <p:anim calcmode="lin" valueType="num">
+                                      <p:cBhvr additive="repl">
+                                        <p:cTn id="196" dur="500" fill="hold"/>
+                                        <p:tgtEl>
+                                          <p:spTgt spid="281">
+                                            <p:txEl>
+                                              <p:pRg st="4" end="4"/>
+                                            </p:txEl>
+                                          </p:spTgt>
+                                        </p:tgtEl>
+                                        <p:attrNameLst>
+                                          <p:attrName>ppt_y</p:attrName>
+                                        </p:attrNameLst>
+                                      </p:cBhvr>
+                                      <p:tavLst>
+                                        <p:tav tm="0">
+                                          <p:val>
+                                            <p:strVal val="1+#ppt_h/2"/>
+                                          </p:val>
+                                        </p:tav>
+                                        <p:tav tm="100000">
+                                          <p:val>
+                                            <p:strVal val="#ppt_y"/>
+                                          </p:val>
+                                        </p:tav>
+                                      </p:tavLst>
+                                    </p:anim>
+                                  </p:childTnLst>
+                                </p:cTn>
+                              </p:par>
+                            </p:childTnLst>
+                          </p:cTn>
+                        </p:par>
+                      </p:childTnLst>
+                    </p:cTn>
+                  </p:par>
+                  <p:par>
+                    <p:cTn id="197" fill="hold">
+                      <p:stCondLst>
+                        <p:cond delay="indefinite"/>
+                      </p:stCondLst>
+                      <p:childTnLst>
+                        <p:par>
+                          <p:cTn id="198" fill="hold">
+                            <p:stCondLst>
+                              <p:cond delay="0"/>
+                            </p:stCondLst>
+                            <p:childTnLst>
+                              <p:par>
+                                <p:cTn id="199" nodeType="clickEffect" fill="hold" presetClass="entr" presetID="2" presetSubtype="4">
+                                  <p:stCondLst>
+                                    <p:cond delay="0"/>
+                                  </p:stCondLst>
+                                  <p:childTnLst>
+                                    <p:set>
+                                      <p:cBhvr>
+                                        <p:cTn id="200" dur="1" fill="hold">
+                                          <p:stCondLst>
+                                            <p:cond delay="0"/>
+                                          </p:stCondLst>
+                                        </p:cTn>
+                                        <p:tgtEl>
+                                          <p:spTgt spid="281">
+                                            <p:txEl>
+                                              <p:pRg st="5" end="5"/>
+                                            </p:txEl>
+                                          </p:spTgt>
+                                        </p:tgtEl>
+                                        <p:attrNameLst>
+                                          <p:attrName>style.visibility</p:attrName>
+                                        </p:attrNameLst>
+                                      </p:cBhvr>
+                                      <p:to>
+                                        <p:strVal val="visible"/>
+                                      </p:to>
+                                    </p:set>
+                                    <p:anim calcmode="lin" valueType="num">
+                                      <p:cBhvr additive="repl">
+                                        <p:cTn id="201" dur="500" fill="hold"/>
+                                        <p:tgtEl>
+                                          <p:spTgt spid="281">
+                                            <p:txEl>
+                                              <p:pRg st="5" end="5"/>
+                                            </p:txEl>
+                                          </p:spTgt>
+                                        </p:tgtEl>
+                                        <p:attrNameLst>
+                                          <p:attrName>ppt_x</p:attrName>
+                                        </p:attrNameLst>
+                                      </p:cBhvr>
+                                      <p:tavLst>
+                                        <p:tav tm="0">
+                                          <p:val>
+                                            <p:strVal val="#ppt_x"/>
+                                          </p:val>
+                                        </p:tav>
+                                        <p:tav tm="100000">
+                                          <p:val>
+                                            <p:strVal val="#ppt_x"/>
+                                          </p:val>
+                                        </p:tav>
+                                      </p:tavLst>
+                                    </p:anim>
+                                    <p:anim calcmode="lin" valueType="num">
+                                      <p:cBhvr additive="repl">
+                                        <p:cTn id="202" dur="500" fill="hold"/>
+                                        <p:tgtEl>
+                                          <p:spTgt spid="281">
+                                            <p:txEl>
+                                              <p:pRg st="5" end="5"/>
                                             </p:txEl>
                                           </p:spTgt>
                                         </p:tgtEl>
@@ -31288,7 +32807,7 @@
         <p:txBody>
           <a:bodyPr/>
           <a:p>
-            <a:fld id="{07F17AFC-D43A-45E3-A380-ED88E74443FA}" type="slidenum">
+            <a:fld id="{64BD2490-1975-44CA-813B-D08F571FC007}" type="slidenum">
               <a:t>8</a:t>
             </a:fld>
           </a:p>
@@ -31893,9 +33412,9 @@
               </a:rPr>
               <a:t>Biorender.com</a:t>
             </a:r>
-            <a:endParaRPr b="0" lang="de-DE" sz="800" strike="noStrike" u="none">
-              <a:solidFill>
-                <a:schemeClr val="dk1"/>
+            <a:endParaRPr b="0" lang="de-AT" sz="800" strike="noStrike" u="none">
+              <a:solidFill>
+                <a:srgbClr val="000000"/>
               </a:solidFill>
               <a:effectLst/>
               <a:uFillTx/>
@@ -31918,7 +33437,7 @@
         <p:txBody>
           <a:bodyPr/>
           <a:p>
-            <a:fld id="{2CD52D39-4D6E-4CE7-B177-F0A982059273}" type="slidenum">
+            <a:fld id="{046369E1-44D1-4E54-A066-BE331BCA9A76}" type="slidenum">
               <a:t>9</a:t>
             </a:fld>
           </a:p>
@@ -31937,32 +33456,32 @@
   <p:timing>
     <p:tnLst>
       <p:par>
-        <p:cTn id="59" dur="indefinite" restart="never" nodeType="tmRoot">
+        <p:cTn id="203" dur="indefinite" restart="never" nodeType="tmRoot">
           <p:childTnLst>
             <p:seq>
-              <p:cTn id="60" dur="indefinite" nodeType="mainSeq">
+              <p:cTn id="204" dur="indefinite" nodeType="mainSeq">
                 <p:childTnLst>
                   <p:par>
-                    <p:cTn id="61" fill="hold">
+                    <p:cTn id="205" fill="hold">
                       <p:stCondLst>
                         <p:cond delay="indefinite"/>
                       </p:stCondLst>
                       <p:childTnLst>
                         <p:par>
-                          <p:cTn id="62" fill="hold">
+                          <p:cTn id="206" fill="hold">
                             <p:stCondLst>
                               <p:cond delay="0"/>
                             </p:stCondLst>
                             <p:childTnLst>
                               <p:par>
-                                <p:cTn id="63" nodeType="clickEffect" fill="hold" presetClass="entr" presetID="2" presetSubtype="2">
+                                <p:cTn id="207" nodeType="clickEffect" fill="hold" presetClass="entr" presetID="2" presetSubtype="2">
                                   <p:stCondLst>
                                     <p:cond delay="0"/>
                                   </p:stCondLst>
                                   <p:childTnLst>
                                     <p:set>
                                       <p:cBhvr>
-                                        <p:cTn id="64" dur="1" fill="hold">
+                                        <p:cTn id="208" dur="1" fill="hold">
                                           <p:stCondLst>
                                             <p:cond delay="0"/>
                                           </p:stCondLst>
@@ -31980,7 +33499,7 @@
                                     </p:set>
                                     <p:anim calcmode="lin" valueType="num">
                                       <p:cBhvr additive="repl">
-                                        <p:cTn id="65" dur="500" fill="hold"/>
+                                        <p:cTn id="209" dur="500" fill="hold"/>
                                         <p:tgtEl>
                                           <p:spTgt spid="285"/>
                                         </p:tgtEl>
@@ -32003,7 +33522,7 @@
                                     </p:anim>
                                     <p:anim calcmode="lin" valueType="num">
                                       <p:cBhvr additive="repl">
-                                        <p:cTn id="66" dur="500" fill="hold"/>
+                                        <p:cTn id="210" dur="500" fill="hold"/>
                                         <p:tgtEl>
                                           <p:spTgt spid="285"/>
                                         </p:tgtEl>
@@ -32034,26 +33553,26 @@
                     </p:cTn>
                   </p:par>
                   <p:par>
-                    <p:cTn id="67" fill="hold">
+                    <p:cTn id="211" fill="hold">
                       <p:stCondLst>
                         <p:cond delay="indefinite"/>
                       </p:stCondLst>
                       <p:childTnLst>
                         <p:par>
-                          <p:cTn id="68" fill="hold">
+                          <p:cTn id="212" fill="hold">
                             <p:stCondLst>
                               <p:cond delay="0"/>
                             </p:stCondLst>
                             <p:childTnLst>
                               <p:par>
-                                <p:cTn id="69" nodeType="clickEffect" fill="hold" presetClass="entr" presetID="2" presetSubtype="2">
+                                <p:cTn id="213" nodeType="clickEffect" fill="hold" presetClass="entr" presetID="2" presetSubtype="2">
                                   <p:stCondLst>
                                     <p:cond delay="0"/>
                                   </p:stCondLst>
                                   <p:childTnLst>
                                     <p:set>
                                       <p:cBhvr>
-                                        <p:cTn id="70" dur="1" fill="hold">
+                                        <p:cTn id="214" dur="1" fill="hold">
                                           <p:stCondLst>
                                             <p:cond delay="0"/>
                                           </p:stCondLst>
@@ -32071,7 +33590,7 @@
                                     </p:set>
                                     <p:anim calcmode="lin" valueType="num">
                                       <p:cBhvr additive="repl">
-                                        <p:cTn id="71" dur="500" fill="hold"/>
+                                        <p:cTn id="215" dur="500" fill="hold"/>
                                         <p:tgtEl>
                                           <p:spTgt spid="286"/>
                                         </p:tgtEl>
@@ -32094,7 +33613,7 @@
                                     </p:anim>
                                     <p:anim calcmode="lin" valueType="num">
                                       <p:cBhvr additive="repl">
-                                        <p:cTn id="72" dur="500" fill="hold"/>
+                                        <p:cTn id="216" dur="500" fill="hold"/>
                                         <p:tgtEl>
                                           <p:spTgt spid="286"/>
                                         </p:tgtEl>
@@ -32119,14 +33638,14 @@
                                 </p:cTn>
                               </p:par>
                               <p:par>
-                                <p:cTn id="73" nodeType="withEffect" fill="hold" presetClass="entr" presetID="2" presetSubtype="2">
+                                <p:cTn id="217" nodeType="withEffect" fill="hold" presetClass="entr" presetID="2" presetSubtype="2">
                                   <p:stCondLst>
                                     <p:cond delay="0"/>
                                   </p:stCondLst>
                                   <p:childTnLst>
                                     <p:set>
                                       <p:cBhvr>
-                                        <p:cTn id="74" dur="1" fill="hold">
+                                        <p:cTn id="218" dur="1" fill="hold">
                                           <p:stCondLst>
                                             <p:cond delay="0"/>
                                           </p:stCondLst>
@@ -32144,7 +33663,7 @@
                                     </p:set>
                                     <p:anim calcmode="lin" valueType="num">
                                       <p:cBhvr additive="repl">
-                                        <p:cTn id="75" dur="500" fill="hold"/>
+                                        <p:cTn id="219" dur="500" fill="hold"/>
                                         <p:tgtEl>
                                           <p:spTgt spid="287"/>
                                         </p:tgtEl>
@@ -32167,7 +33686,7 @@
                                     </p:anim>
                                     <p:anim calcmode="lin" valueType="num">
                                       <p:cBhvr additive="repl">
-                                        <p:cTn id="76" dur="500" fill="hold"/>
+                                        <p:cTn id="220" dur="500" fill="hold"/>
                                         <p:tgtEl>
                                           <p:spTgt spid="287"/>
                                         </p:tgtEl>
@@ -32198,26 +33717,26 @@
                     </p:cTn>
                   </p:par>
                   <p:par>
-                    <p:cTn id="77" fill="hold">
+                    <p:cTn id="221" fill="hold">
                       <p:stCondLst>
                         <p:cond delay="indefinite"/>
                       </p:stCondLst>
                       <p:childTnLst>
                         <p:par>
-                          <p:cTn id="78" fill="hold">
+                          <p:cTn id="222" fill="hold">
                             <p:stCondLst>
                               <p:cond delay="0"/>
                             </p:stCondLst>
                             <p:childTnLst>
                               <p:par>
-                                <p:cTn id="79" nodeType="clickEffect" fill="hold" presetClass="entr" presetID="2" presetSubtype="2">
+                                <p:cTn id="223" nodeType="clickEffect" fill="hold" presetClass="entr" presetID="2" presetSubtype="2">
                                   <p:stCondLst>
                                     <p:cond delay="0"/>
                                   </p:stCondLst>
                                   <p:childTnLst>
                                     <p:set>
                                       <p:cBhvr>
-                                        <p:cTn id="80" dur="1" fill="hold">
+                                        <p:cTn id="224" dur="1" fill="hold">
                                           <p:stCondLst>
                                             <p:cond delay="0"/>
                                           </p:stCondLst>
@@ -32235,7 +33754,7 @@
                                     </p:set>
                                     <p:anim calcmode="lin" valueType="num">
                                       <p:cBhvr additive="repl">
-                                        <p:cTn id="81" dur="500" fill="hold"/>
+                                        <p:cTn id="225" dur="500" fill="hold"/>
                                         <p:tgtEl>
                                           <p:spTgt spid="288"/>
                                         </p:tgtEl>
@@ -32258,7 +33777,7 @@
                                     </p:anim>
                                     <p:anim calcmode="lin" valueType="num">
                                       <p:cBhvr additive="repl">
-                                        <p:cTn id="82" dur="500" fill="hold"/>
+                                        <p:cTn id="226" dur="500" fill="hold"/>
                                         <p:tgtEl>
                                           <p:spTgt spid="288"/>
                                         </p:tgtEl>
@@ -32283,14 +33802,14 @@
                                 </p:cTn>
                               </p:par>
                               <p:par>
-                                <p:cTn id="83" nodeType="withEffect" fill="hold" presetClass="entr" presetID="2" presetSubtype="2">
+                                <p:cTn id="227" nodeType="withEffect" fill="hold" presetClass="entr" presetID="2" presetSubtype="2">
                                   <p:stCondLst>
                                     <p:cond delay="0"/>
                                   </p:stCondLst>
                                   <p:childTnLst>
                                     <p:set>
                                       <p:cBhvr>
-                                        <p:cTn id="84" dur="1" fill="hold">
+                                        <p:cTn id="228" dur="1" fill="hold">
                                           <p:stCondLst>
                                             <p:cond delay="0"/>
                                           </p:stCondLst>
@@ -32308,7 +33827,7 @@
                                     </p:set>
                                     <p:anim calcmode="lin" valueType="num">
                                       <p:cBhvr additive="repl">
-                                        <p:cTn id="85" dur="500" fill="hold"/>
+                                        <p:cTn id="229" dur="500" fill="hold"/>
                                         <p:tgtEl>
                                           <p:spTgt spid="289"/>
                                         </p:tgtEl>
@@ -32331,7 +33850,7 @@
                                     </p:anim>
                                     <p:anim calcmode="lin" valueType="num">
                                       <p:cBhvr additive="repl">
-                                        <p:cTn id="86" dur="500" fill="hold"/>
+                                        <p:cTn id="230" dur="500" fill="hold"/>
                                         <p:tgtEl>
                                           <p:spTgt spid="289"/>
                                         </p:tgtEl>
@@ -32362,26 +33881,26 @@
                     </p:cTn>
                   </p:par>
                   <p:par>
-                    <p:cTn id="87" fill="hold">
+                    <p:cTn id="231" fill="hold">
                       <p:stCondLst>
                         <p:cond delay="indefinite"/>
                       </p:stCondLst>
                       <p:childTnLst>
                         <p:par>
-                          <p:cTn id="88" fill="hold">
+                          <p:cTn id="232" fill="hold">
                             <p:stCondLst>
                               <p:cond delay="0"/>
                             </p:stCondLst>
                             <p:childTnLst>
                               <p:par>
-                                <p:cTn id="89" nodeType="clickEffect" fill="hold" presetClass="entr" presetID="2" presetSubtype="2">
+                                <p:cTn id="233" nodeType="clickEffect" fill="hold" presetClass="entr" presetID="2" presetSubtype="2">
                                   <p:stCondLst>
                                     <p:cond delay="0"/>
                                   </p:stCondLst>
                                   <p:childTnLst>
                                     <p:set>
                                       <p:cBhvr>
-                                        <p:cTn id="90" dur="1" fill="hold">
+                                        <p:cTn id="234" dur="1" fill="hold">
                                           <p:stCondLst>
                                             <p:cond delay="0"/>
                                           </p:stCondLst>
@@ -32399,7 +33918,7 @@
                                     </p:set>
                                     <p:anim calcmode="lin" valueType="num">
                                       <p:cBhvr additive="repl">
-                                        <p:cTn id="91" dur="500" fill="hold"/>
+                                        <p:cTn id="235" dur="500" fill="hold"/>
                                         <p:tgtEl>
                                           <p:spTgt spid="290"/>
                                         </p:tgtEl>
@@ -32422,7 +33941,7 @@
                                     </p:anim>
                                     <p:anim calcmode="lin" valueType="num">
                                       <p:cBhvr additive="repl">
-                                        <p:cTn id="92" dur="500" fill="hold"/>
+                                        <p:cTn id="236" dur="500" fill="hold"/>
                                         <p:tgtEl>
                                           <p:spTgt spid="290"/>
                                         </p:tgtEl>
@@ -32447,14 +33966,14 @@
                                 </p:cTn>
                               </p:par>
                               <p:par>
-                                <p:cTn id="93" nodeType="withEffect" fill="hold" presetClass="entr" presetID="2" presetSubtype="2">
+                                <p:cTn id="237" nodeType="withEffect" fill="hold" presetClass="entr" presetID="2" presetSubtype="2">
                                   <p:stCondLst>
                                     <p:cond delay="0"/>
                                   </p:stCondLst>
                                   <p:childTnLst>
                                     <p:set>
                                       <p:cBhvr>
-                                        <p:cTn id="94" dur="1" fill="hold">
+                                        <p:cTn id="238" dur="1" fill="hold">
                                           <p:stCondLst>
                                             <p:cond delay="0"/>
                                           </p:stCondLst>
@@ -32472,7 +33991,7 @@
                                     </p:set>
                                     <p:anim calcmode="lin" valueType="num">
                                       <p:cBhvr additive="repl">
-                                        <p:cTn id="95" dur="500" fill="hold"/>
+                                        <p:cTn id="239" dur="500" fill="hold"/>
                                         <p:tgtEl>
                                           <p:spTgt spid="291"/>
                                         </p:tgtEl>
@@ -32495,7 +34014,7 @@
                                     </p:anim>
                                     <p:anim calcmode="lin" valueType="num">
                                       <p:cBhvr additive="repl">
-                                        <p:cTn id="96" dur="500" fill="hold"/>
+                                        <p:cTn id="240" dur="500" fill="hold"/>
                                         <p:tgtEl>
                                           <p:spTgt spid="291"/>
                                         </p:tgtEl>
@@ -32526,26 +34045,26 @@
                     </p:cTn>
                   </p:par>
                   <p:par>
-                    <p:cTn id="97" fill="hold">
+                    <p:cTn id="241" fill="hold">
                       <p:stCondLst>
                         <p:cond delay="indefinite"/>
                       </p:stCondLst>
                       <p:childTnLst>
                         <p:par>
-                          <p:cTn id="98" fill="hold">
+                          <p:cTn id="242" fill="hold">
                             <p:stCondLst>
                               <p:cond delay="0"/>
                             </p:stCondLst>
                             <p:childTnLst>
                               <p:par>
-                                <p:cTn id="99" nodeType="clickEffect" fill="hold" presetClass="entr" presetID="2" presetSubtype="2">
+                                <p:cTn id="243" nodeType="clickEffect" fill="hold" presetClass="entr" presetID="2" presetSubtype="2">
                                   <p:stCondLst>
                                     <p:cond delay="0"/>
                                   </p:stCondLst>
                                   <p:childTnLst>
                                     <p:set>
                                       <p:cBhvr>
-                                        <p:cTn id="100" dur="1" fill="hold">
+                                        <p:cTn id="244" dur="1" fill="hold">
                                           <p:stCondLst>
                                             <p:cond delay="0"/>
                                           </p:stCondLst>
@@ -32563,7 +34082,7 @@
                                     </p:set>
                                     <p:anim calcmode="lin" valueType="num">
                                       <p:cBhvr additive="repl">
-                                        <p:cTn id="101" dur="500" fill="hold"/>
+                                        <p:cTn id="245" dur="500" fill="hold"/>
                                         <p:tgtEl>
                                           <p:spTgt spid="292"/>
                                         </p:tgtEl>
@@ -32586,7 +34105,7 @@
                                     </p:anim>
                                     <p:anim calcmode="lin" valueType="num">
                                       <p:cBhvr additive="repl">
-                                        <p:cTn id="102" dur="500" fill="hold"/>
+                                        <p:cTn id="246" dur="500" fill="hold"/>
                                         <p:tgtEl>
                                           <p:spTgt spid="292"/>
                                         </p:tgtEl>
@@ -32611,14 +34130,14 @@
                                 </p:cTn>
                               </p:par>
                               <p:par>
-                                <p:cTn id="103" nodeType="withEffect" fill="hold" presetClass="entr" presetID="2" presetSubtype="2">
+                                <p:cTn id="247" nodeType="withEffect" fill="hold" presetClass="entr" presetID="2" presetSubtype="2">
                                   <p:stCondLst>
                                     <p:cond delay="0"/>
                                   </p:stCondLst>
                                   <p:childTnLst>
                                     <p:set>
                                       <p:cBhvr>
-                                        <p:cTn id="104" dur="1" fill="hold">
+                                        <p:cTn id="248" dur="1" fill="hold">
                                           <p:stCondLst>
                                             <p:cond delay="0"/>
                                           </p:stCondLst>
@@ -32636,7 +34155,7 @@
                                     </p:set>
                                     <p:anim calcmode="lin" valueType="num">
                                       <p:cBhvr additive="repl">
-                                        <p:cTn id="105" dur="500" fill="hold"/>
+                                        <p:cTn id="249" dur="500" fill="hold"/>
                                         <p:tgtEl>
                                           <p:spTgt spid="293"/>
                                         </p:tgtEl>
@@ -32659,7 +34178,7 @@
                                     </p:anim>
                                     <p:anim calcmode="lin" valueType="num">
                                       <p:cBhvr additive="repl">
-                                        <p:cTn id="106" dur="500" fill="hold"/>
+                                        <p:cTn id="250" dur="500" fill="hold"/>
                                         <p:tgtEl>
                                           <p:spTgt spid="293"/>
                                         </p:tgtEl>
@@ -32690,26 +34209,26 @@
                     </p:cTn>
                   </p:par>
                   <p:par>
-                    <p:cTn id="107" fill="hold">
+                    <p:cTn id="251" fill="hold">
                       <p:stCondLst>
                         <p:cond delay="indefinite"/>
                       </p:stCondLst>
                       <p:childTnLst>
                         <p:par>
-                          <p:cTn id="108" fill="hold">
+                          <p:cTn id="252" fill="hold">
                             <p:stCondLst>
                               <p:cond delay="0"/>
                             </p:stCondLst>
                             <p:childTnLst>
                               <p:par>
-                                <p:cTn id="109" nodeType="clickEffect" fill="hold" presetClass="entr" presetID="2" presetSubtype="2">
+                                <p:cTn id="253" nodeType="clickEffect" fill="hold" presetClass="entr" presetID="2" presetSubtype="2">
                                   <p:stCondLst>
                                     <p:cond delay="0"/>
                                   </p:stCondLst>
                                   <p:childTnLst>
                                     <p:set>
                                       <p:cBhvr>
-                                        <p:cTn id="110" dur="1" fill="hold">
+                                        <p:cTn id="254" dur="1" fill="hold">
                                           <p:stCondLst>
                                             <p:cond delay="0"/>
                                           </p:stCondLst>
@@ -32727,7 +34246,7 @@
                                     </p:set>
                                     <p:anim calcmode="lin" valueType="num">
                                       <p:cBhvr additive="repl">
-                                        <p:cTn id="111" dur="500" fill="hold"/>
+                                        <p:cTn id="255" dur="500" fill="hold"/>
                                         <p:tgtEl>
                                           <p:spTgt spid="294"/>
                                         </p:tgtEl>
@@ -32750,7 +34269,7 @@
                                     </p:anim>
                                     <p:anim calcmode="lin" valueType="num">
                                       <p:cBhvr additive="repl">
-                                        <p:cTn id="112" dur="500" fill="hold"/>
+                                        <p:cTn id="256" dur="500" fill="hold"/>
                                         <p:tgtEl>
                                           <p:spTgt spid="294"/>
                                         </p:tgtEl>
@@ -32775,14 +34294,14 @@
                                 </p:cTn>
                               </p:par>
                               <p:par>
-                                <p:cTn id="113" nodeType="withEffect" fill="hold" presetClass="entr" presetID="2" presetSubtype="2">
+                                <p:cTn id="257" nodeType="withEffect" fill="hold" presetClass="entr" presetID="2" presetSubtype="2">
                                   <p:stCondLst>
                                     <p:cond delay="0"/>
                                   </p:stCondLst>
                                   <p:childTnLst>
                                     <p:set>
                                       <p:cBhvr>
-                                        <p:cTn id="114" dur="1" fill="hold">
+                                        <p:cTn id="258" dur="1" fill="hold">
                                           <p:stCondLst>
                                             <p:cond delay="0"/>
                                           </p:stCondLst>
@@ -32800,7 +34319,7 @@
                                     </p:set>
                                     <p:anim calcmode="lin" valueType="num">
                                       <p:cBhvr additive="repl">
-                                        <p:cTn id="115" dur="500" fill="hold"/>
+                                        <p:cTn id="259" dur="500" fill="hold"/>
                                         <p:tgtEl>
                                           <p:spTgt spid="295"/>
                                         </p:tgtEl>
@@ -32823,7 +34342,7 @@
                                     </p:anim>
                                     <p:anim calcmode="lin" valueType="num">
                                       <p:cBhvr additive="repl">
-                                        <p:cTn id="116" dur="500" fill="hold"/>
+                                        <p:cTn id="260" dur="500" fill="hold"/>
                                         <p:tgtEl>
                                           <p:spTgt spid="295"/>
                                         </p:tgtEl>
@@ -32854,26 +34373,26 @@
                     </p:cTn>
                   </p:par>
                   <p:par>
-                    <p:cTn id="117" fill="hold">
+                    <p:cTn id="261" fill="hold">
                       <p:stCondLst>
                         <p:cond delay="indefinite"/>
                       </p:stCondLst>
                       <p:childTnLst>
                         <p:par>
-                          <p:cTn id="118" fill="hold">
+                          <p:cTn id="262" fill="hold">
                             <p:stCondLst>
                               <p:cond delay="0"/>
                             </p:stCondLst>
                             <p:childTnLst>
                               <p:par>
-                                <p:cTn id="119" nodeType="clickEffect" fill="hold" presetClass="entr" presetID="2" presetSubtype="2">
+                                <p:cTn id="263" nodeType="clickEffect" fill="hold" presetClass="entr" presetID="2" presetSubtype="2">
                                   <p:stCondLst>
                                     <p:cond delay="0"/>
                                   </p:stCondLst>
                                   <p:childTnLst>
                                     <p:set>
                                       <p:cBhvr>
-                                        <p:cTn id="120" dur="1" fill="hold">
+                                        <p:cTn id="264" dur="1" fill="hold">
                                           <p:stCondLst>
                                             <p:cond delay="0"/>
                                           </p:stCondLst>
@@ -32891,7 +34410,7 @@
                                     </p:set>
                                     <p:anim calcmode="lin" valueType="num">
                                       <p:cBhvr additive="repl">
-                                        <p:cTn id="121" dur="500" fill="hold"/>
+                                        <p:cTn id="265" dur="500" fill="hold"/>
                                         <p:tgtEl>
                                           <p:spTgt spid="296"/>
                                         </p:tgtEl>
@@ -32914,7 +34433,7 @@
                                     </p:anim>
                                     <p:anim calcmode="lin" valueType="num">
                                       <p:cBhvr additive="repl">
-                                        <p:cTn id="122" dur="500" fill="hold"/>
+                                        <p:cTn id="266" dur="500" fill="hold"/>
                                         <p:tgtEl>
                                           <p:spTgt spid="296"/>
                                         </p:tgtEl>
@@ -32939,14 +34458,14 @@
                                 </p:cTn>
                               </p:par>
                               <p:par>
-                                <p:cTn id="123" nodeType="withEffect" fill="hold" presetClass="entr" presetID="2" presetSubtype="2">
+                                <p:cTn id="267" nodeType="withEffect" fill="hold" presetClass="entr" presetID="2" presetSubtype="2">
                                   <p:stCondLst>
                                     <p:cond delay="0"/>
                                   </p:stCondLst>
                                   <p:childTnLst>
                                     <p:set>
                                       <p:cBhvr>
-                                        <p:cTn id="124" dur="1" fill="hold">
+                                        <p:cTn id="268" dur="1" fill="hold">
                                           <p:stCondLst>
                                             <p:cond delay="0"/>
                                           </p:stCondLst>
@@ -32964,7 +34483,7 @@
                                     </p:set>
                                     <p:anim calcmode="lin" valueType="num">
                                       <p:cBhvr additive="repl">
-                                        <p:cTn id="125" dur="500" fill="hold"/>
+                                        <p:cTn id="269" dur="500" fill="hold"/>
                                         <p:tgtEl>
                                           <p:spTgt spid="297"/>
                                         </p:tgtEl>
@@ -32987,7 +34506,7 @@
                                     </p:anim>
                                     <p:anim calcmode="lin" valueType="num">
                                       <p:cBhvr additive="repl">
-                                        <p:cTn id="126" dur="500" fill="hold"/>
+                                        <p:cTn id="270" dur="500" fill="hold"/>
                                         <p:tgtEl>
                                           <p:spTgt spid="297"/>
                                         </p:tgtEl>
@@ -33018,26 +34537,26 @@
                     </p:cTn>
                   </p:par>
                   <p:par>
-                    <p:cTn id="127" fill="hold">
+                    <p:cTn id="271" fill="hold">
                       <p:stCondLst>
                         <p:cond delay="indefinite"/>
                       </p:stCondLst>
                       <p:childTnLst>
                         <p:par>
-                          <p:cTn id="128" fill="hold">
+                          <p:cTn id="272" fill="hold">
                             <p:stCondLst>
                               <p:cond delay="0"/>
                             </p:stCondLst>
                             <p:childTnLst>
                               <p:par>
-                                <p:cTn id="129" nodeType="clickEffect" fill="hold" presetClass="entr" presetID="2" presetSubtype="4">
+                                <p:cTn id="273" nodeType="clickEffect" fill="hold" presetClass="entr" presetID="2" presetSubtype="4">
                                   <p:stCondLst>
                                     <p:cond delay="0"/>
                                   </p:stCondLst>
                                   <p:childTnLst>
                                     <p:set>
                                       <p:cBhvr>
-                                        <p:cTn id="130" dur="1" fill="hold">
+                                        <p:cTn id="274" dur="1" fill="hold">
                                           <p:stCondLst>
                                             <p:cond delay="0"/>
                                           </p:stCondLst>
@@ -33055,7 +34574,7 @@
                                     </p:set>
                                     <p:anim calcmode="lin" valueType="num">
                                       <p:cBhvr additive="repl">
-                                        <p:cTn id="131" dur="500" fill="hold"/>
+                                        <p:cTn id="275" dur="500" fill="hold"/>
                                         <p:tgtEl>
                                           <p:spTgt spid="298"/>
                                         </p:tgtEl>
@@ -33078,7 +34597,7 @@
                                     </p:anim>
                                     <p:anim calcmode="lin" valueType="num">
                                       <p:cBhvr additive="repl">
-                                        <p:cTn id="132" dur="500" fill="hold"/>
+                                        <p:cTn id="276" dur="500" fill="hold"/>
                                         <p:tgtEl>
                                           <p:spTgt spid="298"/>
                                         </p:tgtEl>
@@ -33103,14 +34622,14 @@
                                 </p:cTn>
                               </p:par>
                               <p:par>
-                                <p:cTn id="133" nodeType="withEffect" fill="hold" presetClass="entr" presetID="2" presetSubtype="4">
+                                <p:cTn id="277" nodeType="withEffect" fill="hold" presetClass="entr" presetID="2" presetSubtype="4">
                                   <p:stCondLst>
                                     <p:cond delay="0"/>
                                   </p:stCondLst>
                                   <p:childTnLst>
                                     <p:set>
                                       <p:cBhvr>
-                                        <p:cTn id="134" dur="1" fill="hold">
+                                        <p:cTn id="278" dur="1" fill="hold">
                                           <p:stCondLst>
                                             <p:cond delay="0"/>
                                           </p:stCondLst>
@@ -33128,7 +34647,7 @@
                                     </p:set>
                                     <p:anim calcmode="lin" valueType="num">
                                       <p:cBhvr additive="repl">
-                                        <p:cTn id="135" dur="500" fill="hold"/>
+                                        <p:cTn id="279" dur="500" fill="hold"/>
                                         <p:tgtEl>
                                           <p:spTgt spid="299"/>
                                         </p:tgtEl>
@@ -33151,7 +34670,7 @@
                                     </p:anim>
                                     <p:anim calcmode="lin" valueType="num">
                                       <p:cBhvr additive="repl">
-                                        <p:cTn id="136" dur="500" fill="hold"/>
+                                        <p:cTn id="280" dur="500" fill="hold"/>
                                         <p:tgtEl>
                                           <p:spTgt spid="299"/>
                                         </p:tgtEl>
@@ -33182,26 +34701,26 @@
                     </p:cTn>
                   </p:par>
                   <p:par>
-                    <p:cTn id="137" fill="hold">
+                    <p:cTn id="281" fill="hold">
                       <p:stCondLst>
                         <p:cond delay="indefinite"/>
                       </p:stCondLst>
                       <p:childTnLst>
                         <p:par>
-                          <p:cTn id="138" fill="hold">
+                          <p:cTn id="282" fill="hold">
                             <p:stCondLst>
                               <p:cond delay="0"/>
                             </p:stCondLst>
                             <p:childTnLst>
                               <p:par>
-                                <p:cTn id="139" nodeType="clickEffect" fill="hold" presetClass="entr" presetID="2" presetSubtype="8">
+                                <p:cTn id="283" nodeType="clickEffect" fill="hold" presetClass="entr" presetID="2" presetSubtype="8">
                                   <p:stCondLst>
                                     <p:cond delay="0"/>
                                   </p:stCondLst>
                                   <p:childTnLst>
                                     <p:set>
                                       <p:cBhvr>
-                                        <p:cTn id="140" dur="1" fill="hold">
+                                        <p:cTn id="284" dur="1" fill="hold">
                                           <p:stCondLst>
                                             <p:cond delay="0"/>
                                           </p:stCondLst>
@@ -33219,7 +34738,7 @@
                                     </p:set>
                                     <p:anim calcmode="lin" valueType="num">
                                       <p:cBhvr additive="repl">
-                                        <p:cTn id="141" dur="500" fill="hold"/>
+                                        <p:cTn id="285" dur="500" fill="hold"/>
                                         <p:tgtEl>
                                           <p:spTgt spid="300"/>
                                         </p:tgtEl>
@@ -33242,7 +34761,7 @@
                                     </p:anim>
                                     <p:anim calcmode="lin" valueType="num">
                                       <p:cBhvr additive="repl">
-                                        <p:cTn id="142" dur="500" fill="hold"/>
+                                        <p:cTn id="286" dur="500" fill="hold"/>
                                         <p:tgtEl>
                                           <p:spTgt spid="300"/>
                                         </p:tgtEl>
@@ -33267,14 +34786,14 @@
                                 </p:cTn>
                               </p:par>
                               <p:par>
-                                <p:cTn id="143" nodeType="withEffect" fill="hold" presetClass="entr" presetID="2" presetSubtype="8">
+                                <p:cTn id="287" nodeType="withEffect" fill="hold" presetClass="entr" presetID="2" presetSubtype="8">
                                   <p:stCondLst>
                                     <p:cond delay="0"/>
                                   </p:stCondLst>
                                   <p:childTnLst>
                                     <p:set>
                                       <p:cBhvr>
-                                        <p:cTn id="144" dur="1" fill="hold">
+                                        <p:cTn id="288" dur="1" fill="hold">
                                           <p:stCondLst>
                                             <p:cond delay="0"/>
                                           </p:stCondLst>
@@ -33292,7 +34811,7 @@
                                     </p:set>
                                     <p:anim calcmode="lin" valueType="num">
                                       <p:cBhvr additive="repl">
-                                        <p:cTn id="145" dur="500" fill="hold"/>
+                                        <p:cTn id="289" dur="500" fill="hold"/>
                                         <p:tgtEl>
                                           <p:spTgt spid="301"/>
                                         </p:tgtEl>
@@ -33315,7 +34834,7 @@
                                     </p:anim>
                                     <p:anim calcmode="lin" valueType="num">
                                       <p:cBhvr additive="repl">
-                                        <p:cTn id="146" dur="500" fill="hold"/>
+                                        <p:cTn id="290" dur="500" fill="hold"/>
                                         <p:tgtEl>
                                           <p:spTgt spid="301"/>
                                         </p:tgtEl>
@@ -33346,26 +34865,26 @@
                     </p:cTn>
                   </p:par>
                   <p:par>
-                    <p:cTn id="147" fill="hold">
+                    <p:cTn id="291" fill="hold">
                       <p:stCondLst>
                         <p:cond delay="indefinite"/>
                       </p:stCondLst>
                       <p:childTnLst>
                         <p:par>
-                          <p:cTn id="148" fill="hold">
+                          <p:cTn id="292" fill="hold">
                             <p:stCondLst>
                               <p:cond delay="0"/>
                             </p:stCondLst>
                             <p:childTnLst>
                               <p:par>
-                                <p:cTn id="149" nodeType="clickEffect" fill="hold" presetClass="entr" presetID="2" presetSubtype="8">
+                                <p:cTn id="293" nodeType="clickEffect" fill="hold" presetClass="entr" presetID="2" presetSubtype="8">
                                   <p:stCondLst>
                                     <p:cond delay="0"/>
                                   </p:stCondLst>
                                   <p:childTnLst>
                                     <p:set>
                                       <p:cBhvr>
-                                        <p:cTn id="150" dur="1" fill="hold">
+                                        <p:cTn id="294" dur="1" fill="hold">
                                           <p:stCondLst>
                                             <p:cond delay="0"/>
                                           </p:stCondLst>
@@ -33383,7 +34902,7 @@
                                     </p:set>
                                     <p:anim calcmode="lin" valueType="num">
                                       <p:cBhvr additive="repl">
-                                        <p:cTn id="151" dur="500" fill="hold"/>
+                                        <p:cTn id="295" dur="500" fill="hold"/>
                                         <p:tgtEl>
                                           <p:spTgt spid="302"/>
                                         </p:tgtEl>
@@ -33406,7 +34925,7 @@
                                     </p:anim>
                                     <p:anim calcmode="lin" valueType="num">
                                       <p:cBhvr additive="repl">
-                                        <p:cTn id="152" dur="500" fill="hold"/>
+                                        <p:cTn id="296" dur="500" fill="hold"/>
                                         <p:tgtEl>
                                           <p:spTgt spid="302"/>
                                         </p:tgtEl>
@@ -33431,14 +34950,14 @@
                                 </p:cTn>
                               </p:par>
                               <p:par>
-                                <p:cTn id="153" nodeType="withEffect" fill="hold" presetClass="entr" presetID="2" presetSubtype="8">
+                                <p:cTn id="297" nodeType="withEffect" fill="hold" presetClass="entr" presetID="2" presetSubtype="8">
                                   <p:stCondLst>
                                     <p:cond delay="0"/>
                                   </p:stCondLst>
                                   <p:childTnLst>
                                     <p:set>
                                       <p:cBhvr>
-                                        <p:cTn id="154" dur="1" fill="hold">
+                                        <p:cTn id="298" dur="1" fill="hold">
                                           <p:stCondLst>
                                             <p:cond delay="0"/>
                                           </p:stCondLst>
@@ -33456,7 +34975,7 @@
                                     </p:set>
                                     <p:anim calcmode="lin" valueType="num">
                                       <p:cBhvr additive="repl">
-                                        <p:cTn id="155" dur="500" fill="hold"/>
+                                        <p:cTn id="299" dur="500" fill="hold"/>
                                         <p:tgtEl>
                                           <p:spTgt spid="303"/>
                                         </p:tgtEl>
@@ -33479,7 +34998,7 @@
                                     </p:anim>
                                     <p:anim calcmode="lin" valueType="num">
                                       <p:cBhvr additive="repl">
-                                        <p:cTn id="156" dur="500" fill="hold"/>
+                                        <p:cTn id="300" dur="500" fill="hold"/>
                                         <p:tgtEl>
                                           <p:spTgt spid="303"/>
                                         </p:tgtEl>
